--- a/20241001 NAF Update.pptx
+++ b/20241001 NAF Update.pptx
@@ -201,7 +201,7 @@
           <a:p>
             <a:fld id="{4299902A-6DB3-4A13-9B91-BEABFDA2FC16}" type="datetimeFigureOut">
               <a:rPr lang="en-US" smtClean="0"/>
-              <a:t>12/13/2023</a:t>
+              <a:t>9/30/2024</a:t>
             </a:fld>
             <a:endParaRPr lang="en-US"/>
           </a:p>
@@ -2287,7 +2287,10 @@
           <a:bodyPr/>
           <a:lstStyle/>
           <a:p>
-            <a:endParaRPr lang="en-US" dirty="0"/>
+            <a:r>
+              <a:rPr lang="en-US" dirty="0"/>
+              <a:t>Nafion SCFT Update</a:t>
+            </a:r>
           </a:p>
         </p:txBody>
       </p:sp>
@@ -2312,7 +2315,10 @@
           <a:bodyPr/>
           <a:lstStyle/>
           <a:p>
-            <a:endParaRPr lang="en-US" dirty="0"/>
+            <a:r>
+              <a:rPr lang="en-US" dirty="0"/>
+              <a:t>10/01/2024</a:t>
+            </a:r>
           </a:p>
         </p:txBody>
       </p:sp>
@@ -2346,6 +2352,128 @@
           <a:chExt cx="0" cy="0"/>
         </a:xfrm>
       </p:grpSpPr>
+      <p:grpSp>
+        <p:nvGrpSpPr>
+          <p:cNvPr id="15" name="Group 14">
+            <a:extLst>
+              <a:ext uri="{FF2B5EF4-FFF2-40B4-BE49-F238E27FC236}">
+                <a16:creationId xmlns:a16="http://schemas.microsoft.com/office/drawing/2014/main" id="{1A809A76-A979-80A9-D5A9-5F0F1D854B2E}"/>
+              </a:ext>
+            </a:extLst>
+          </p:cNvPr>
+          <p:cNvGrpSpPr/>
+          <p:nvPr/>
+        </p:nvGrpSpPr>
+        <p:grpSpPr>
+          <a:xfrm>
+            <a:off x="7477866" y="4059469"/>
+            <a:ext cx="4251837" cy="2653914"/>
+            <a:chOff x="1023877" y="4521200"/>
+            <a:chExt cx="3525073" cy="2200287"/>
+          </a:xfrm>
+        </p:grpSpPr>
+        <p:pic>
+          <p:nvPicPr>
+            <p:cNvPr id="16" name="Picture 32">
+              <a:extLst>
+                <a:ext uri="{FF2B5EF4-FFF2-40B4-BE49-F238E27FC236}">
+                  <a16:creationId xmlns:a16="http://schemas.microsoft.com/office/drawing/2014/main" id="{C011EF83-079E-99EB-73EE-C427EC55FDF7}"/>
+                </a:ext>
+              </a:extLst>
+            </p:cNvPr>
+            <p:cNvPicPr>
+              <a:picLocks noChangeAspect="1" noChangeArrowheads="1"/>
+            </p:cNvPicPr>
+            <p:nvPr/>
+          </p:nvPicPr>
+          <p:blipFill>
+            <a:blip r:embed="rId2">
+              <a:extLst>
+                <a:ext uri="{28A0092B-C50C-407E-A947-70E740481C1C}">
+                  <a14:useLocalDpi xmlns:a14="http://schemas.microsoft.com/office/drawing/2010/main" val="0"/>
+                </a:ext>
+              </a:extLst>
+            </a:blip>
+            <a:srcRect/>
+            <a:stretch>
+              <a:fillRect/>
+            </a:stretch>
+          </p:blipFill>
+          <p:spPr bwMode="auto">
+            <a:xfrm>
+              <a:off x="1023877" y="4587451"/>
+              <a:ext cx="3525073" cy="2134036"/>
+            </a:xfrm>
+            <a:prstGeom prst="rect">
+              <a:avLst/>
+            </a:prstGeom>
+            <a:noFill/>
+            <a:extLst>
+              <a:ext uri="{909E8E84-426E-40DD-AFC4-6F175D3DCCD1}">
+                <a14:hiddenFill xmlns:a14="http://schemas.microsoft.com/office/drawing/2010/main">
+                  <a:solidFill>
+                    <a:srgbClr val="FFFFFF"/>
+                  </a:solidFill>
+                </a14:hiddenFill>
+              </a:ext>
+            </a:extLst>
+          </p:spPr>
+        </p:pic>
+        <p:sp>
+          <p:nvSpPr>
+            <p:cNvPr id="17" name="Rectangle 16">
+              <a:extLst>
+                <a:ext uri="{FF2B5EF4-FFF2-40B4-BE49-F238E27FC236}">
+                  <a16:creationId xmlns:a16="http://schemas.microsoft.com/office/drawing/2014/main" id="{0B6240BF-E42B-787D-8CCC-0DBA482B7B95}"/>
+                </a:ext>
+              </a:extLst>
+            </p:cNvPr>
+            <p:cNvSpPr/>
+            <p:nvPr/>
+          </p:nvSpPr>
+          <p:spPr>
+            <a:xfrm>
+              <a:off x="1495693" y="4521200"/>
+              <a:ext cx="1797840" cy="254001"/>
+            </a:xfrm>
+            <a:prstGeom prst="rect">
+              <a:avLst/>
+            </a:prstGeom>
+            <a:solidFill>
+              <a:schemeClr val="bg1"/>
+            </a:solidFill>
+            <a:ln>
+              <a:solidFill>
+                <a:schemeClr val="bg1"/>
+              </a:solidFill>
+            </a:ln>
+          </p:spPr>
+          <p:style>
+            <a:lnRef idx="2">
+              <a:schemeClr val="accent1">
+                <a:shade val="15000"/>
+              </a:schemeClr>
+            </a:lnRef>
+            <a:fillRef idx="1">
+              <a:schemeClr val="accent1"/>
+            </a:fillRef>
+            <a:effectRef idx="0">
+              <a:schemeClr val="accent1"/>
+            </a:effectRef>
+            <a:fontRef idx="minor">
+              <a:schemeClr val="lt1"/>
+            </a:fontRef>
+          </p:style>
+          <p:txBody>
+            <a:bodyPr rtlCol="0" anchor="ctr"/>
+            <a:lstStyle/>
+            <a:p>
+              <a:pPr algn="ctr"/>
+              <a:endParaRPr lang="en-US"/>
+            </a:p>
+          </p:txBody>
+        </p:sp>
+      </p:grpSp>
       <p:sp>
         <p:nvSpPr>
           <p:cNvPr id="2" name="Title 1">
@@ -2367,7 +2495,10 @@
           <a:bodyPr/>
           <a:lstStyle/>
           <a:p>
-            <a:endParaRPr lang="en-US"/>
+            <a:r>
+              <a:rPr lang="en-US" dirty="0"/>
+              <a:t>Last time</a:t>
+            </a:r>
           </a:p>
         </p:txBody>
       </p:sp>
@@ -2387,10 +2518,32 @@
             <p:ph idx="1"/>
           </p:nvPr>
         </p:nvSpPr>
-        <p:spPr/>
+        <p:spPr>
+          <a:xfrm>
+            <a:off x="838200" y="1081158"/>
+            <a:ext cx="10515600" cy="670152"/>
+          </a:xfrm>
+        </p:spPr>
         <p:txBody>
           <a:bodyPr/>
           <a:lstStyle/>
+          <a:p>
+            <a:pPr>
+              <a:lnSpc>
+                <a:spcPct val="100000"/>
+              </a:lnSpc>
+              <a:spcBef>
+                <a:spcPts val="0"/>
+              </a:spcBef>
+              <a:spcAft>
+                <a:spcPts val="1000"/>
+              </a:spcAft>
+            </a:pPr>
+            <a:r>
+              <a:rPr lang="en-US" dirty="0"/>
+              <a:t>Polymer morphology is important (but complicated) in nafion membranes</a:t>
+            </a:r>
+          </a:p>
           <a:p>
             <a:pPr>
               <a:lnSpc>
@@ -2436,6 +2589,423 @@
           </a:p>
         </p:txBody>
       </p:sp>
+      <p:pic>
+        <p:nvPicPr>
+          <p:cNvPr id="5" name="Picture 4">
+            <a:extLst>
+              <a:ext uri="{FF2B5EF4-FFF2-40B4-BE49-F238E27FC236}">
+                <a16:creationId xmlns:a16="http://schemas.microsoft.com/office/drawing/2014/main" id="{A8491FB4-A0CF-B609-6BAF-3F89FA29B3DC}"/>
+              </a:ext>
+            </a:extLst>
+          </p:cNvPr>
+          <p:cNvPicPr>
+            <a:picLocks noChangeAspect="1"/>
+          </p:cNvPicPr>
+          <p:nvPr/>
+        </p:nvPicPr>
+        <p:blipFill>
+          <a:blip r:embed="rId3"/>
+          <a:stretch>
+            <a:fillRect/>
+          </a:stretch>
+        </p:blipFill>
+        <p:spPr>
+          <a:xfrm>
+            <a:off x="2107769" y="1882485"/>
+            <a:ext cx="2326240" cy="1896127"/>
+          </a:xfrm>
+          <a:prstGeom prst="rect">
+            <a:avLst/>
+          </a:prstGeom>
+        </p:spPr>
+      </p:pic>
+      <p:grpSp>
+        <p:nvGrpSpPr>
+          <p:cNvPr id="7" name="Group 6">
+            <a:extLst>
+              <a:ext uri="{FF2B5EF4-FFF2-40B4-BE49-F238E27FC236}">
+                <a16:creationId xmlns:a16="http://schemas.microsoft.com/office/drawing/2014/main" id="{0475099B-0D3E-6434-30C1-439AF148927C}"/>
+              </a:ext>
+            </a:extLst>
+          </p:cNvPr>
+          <p:cNvGrpSpPr/>
+          <p:nvPr/>
+        </p:nvGrpSpPr>
+        <p:grpSpPr>
+          <a:xfrm>
+            <a:off x="5350469" y="1751310"/>
+            <a:ext cx="3055581" cy="2011268"/>
+            <a:chOff x="4958276" y="4175378"/>
+            <a:chExt cx="3481125" cy="2291373"/>
+          </a:xfrm>
+        </p:grpSpPr>
+        <p:pic>
+          <p:nvPicPr>
+            <p:cNvPr id="9" name="Picture 8">
+              <a:extLst>
+                <a:ext uri="{FF2B5EF4-FFF2-40B4-BE49-F238E27FC236}">
+                  <a16:creationId xmlns:a16="http://schemas.microsoft.com/office/drawing/2014/main" id="{FF430CFD-0F95-6625-84AD-DE61E4B982D5}"/>
+                </a:ext>
+              </a:extLst>
+            </p:cNvPr>
+            <p:cNvPicPr>
+              <a:picLocks noChangeAspect="1"/>
+            </p:cNvPicPr>
+            <p:nvPr/>
+          </p:nvPicPr>
+          <p:blipFill rotWithShape="1">
+            <a:blip r:embed="rId4"/>
+            <a:srcRect l="27794" r="29771"/>
+            <a:stretch/>
+          </p:blipFill>
+          <p:spPr>
+            <a:xfrm>
+              <a:off x="4958276" y="4175378"/>
+              <a:ext cx="2743757" cy="1242270"/>
+            </a:xfrm>
+            <a:prstGeom prst="rect">
+              <a:avLst/>
+            </a:prstGeom>
+          </p:spPr>
+        </p:pic>
+        <p:pic>
+          <p:nvPicPr>
+            <p:cNvPr id="10" name="Picture 9">
+              <a:extLst>
+                <a:ext uri="{FF2B5EF4-FFF2-40B4-BE49-F238E27FC236}">
+                  <a16:creationId xmlns:a16="http://schemas.microsoft.com/office/drawing/2014/main" id="{1B1B61D4-7132-6644-FAA5-EE192858AA8C}"/>
+                </a:ext>
+              </a:extLst>
+            </p:cNvPr>
+            <p:cNvPicPr>
+              <a:picLocks noChangeAspect="1"/>
+            </p:cNvPicPr>
+            <p:nvPr/>
+          </p:nvPicPr>
+          <p:blipFill rotWithShape="1">
+            <a:blip r:embed="rId5"/>
+            <a:srcRect l="29673" r="23474" b="26968"/>
+            <a:stretch/>
+          </p:blipFill>
+          <p:spPr>
+            <a:xfrm>
+              <a:off x="4958276" y="5407495"/>
+              <a:ext cx="3481125" cy="1059256"/>
+            </a:xfrm>
+            <a:prstGeom prst="rect">
+              <a:avLst/>
+            </a:prstGeom>
+          </p:spPr>
+        </p:pic>
+      </p:grpSp>
+      <p:sp>
+        <p:nvSpPr>
+          <p:cNvPr id="12" name="TextBox 11">
+            <a:extLst>
+              <a:ext uri="{FF2B5EF4-FFF2-40B4-BE49-F238E27FC236}">
+                <a16:creationId xmlns:a16="http://schemas.microsoft.com/office/drawing/2014/main" id="{5A455CE8-A4F9-8978-3086-211C6606ABBB}"/>
+              </a:ext>
+            </a:extLst>
+          </p:cNvPr>
+          <p:cNvSpPr txBox="1"/>
+          <p:nvPr/>
+        </p:nvSpPr>
+        <p:spPr>
+          <a:xfrm>
+            <a:off x="2588215" y="3874803"/>
+            <a:ext cx="1627323" cy="369332"/>
+          </a:xfrm>
+          <a:prstGeom prst="rect">
+            <a:avLst/>
+          </a:prstGeom>
+          <a:noFill/>
+        </p:spPr>
+        <p:txBody>
+          <a:bodyPr wrap="square" rtlCol="0">
+            <a:spAutoFit/>
+          </a:bodyPr>
+          <a:lstStyle/>
+          <a:p>
+            <a:pPr algn="ctr"/>
+            <a:r>
+              <a:rPr lang="en-US" i="1" dirty="0"/>
+              <a:t>Experiment</a:t>
+            </a:r>
+          </a:p>
+        </p:txBody>
+      </p:sp>
+      <p:sp>
+        <p:nvSpPr>
+          <p:cNvPr id="13" name="TextBox 12">
+            <a:extLst>
+              <a:ext uri="{FF2B5EF4-FFF2-40B4-BE49-F238E27FC236}">
+                <a16:creationId xmlns:a16="http://schemas.microsoft.com/office/drawing/2014/main" id="{B624A350-60D1-6BF5-97A4-6D40FD32623F}"/>
+              </a:ext>
+            </a:extLst>
+          </p:cNvPr>
+          <p:cNvSpPr txBox="1"/>
+          <p:nvPr/>
+        </p:nvSpPr>
+        <p:spPr>
+          <a:xfrm>
+            <a:off x="6246372" y="3874803"/>
+            <a:ext cx="1627323" cy="369332"/>
+          </a:xfrm>
+          <a:prstGeom prst="rect">
+            <a:avLst/>
+          </a:prstGeom>
+          <a:noFill/>
+        </p:spPr>
+        <p:txBody>
+          <a:bodyPr wrap="square" rtlCol="0">
+            <a:spAutoFit/>
+          </a:bodyPr>
+          <a:lstStyle/>
+          <a:p>
+            <a:pPr algn="ctr"/>
+            <a:r>
+              <a:rPr lang="en-US" i="1" dirty="0"/>
+              <a:t>Theory</a:t>
+            </a:r>
+          </a:p>
+        </p:txBody>
+      </p:sp>
+      <p:sp>
+        <p:nvSpPr>
+          <p:cNvPr id="14" name="Content Placeholder 2">
+            <a:extLst>
+              <a:ext uri="{FF2B5EF4-FFF2-40B4-BE49-F238E27FC236}">
+                <a16:creationId xmlns:a16="http://schemas.microsoft.com/office/drawing/2014/main" id="{EB7CF30C-D6A0-3801-465D-E7267E02FA71}"/>
+              </a:ext>
+            </a:extLst>
+          </p:cNvPr>
+          <p:cNvSpPr txBox="1">
+            <a:spLocks/>
+          </p:cNvSpPr>
+          <p:nvPr/>
+        </p:nvSpPr>
+        <p:spPr>
+          <a:xfrm>
+            <a:off x="838199" y="4794092"/>
+            <a:ext cx="6538993" cy="1287432"/>
+          </a:xfrm>
+          <a:prstGeom prst="rect">
+            <a:avLst/>
+          </a:prstGeom>
+        </p:spPr>
+        <p:txBody>
+          <a:bodyPr vert="horz" lIns="91440" tIns="45720" rIns="91440" bIns="45720" rtlCol="0">
+            <a:noAutofit/>
+          </a:bodyPr>
+          <a:lstStyle>
+            <a:lvl1pPr marL="228600" indent="-228600" algn="l" defTabSz="914400" rtl="0" eaLnBrk="1" latinLnBrk="0" hangingPunct="1">
+              <a:lnSpc>
+                <a:spcPct val="100000"/>
+              </a:lnSpc>
+              <a:spcBef>
+                <a:spcPts val="1000"/>
+              </a:spcBef>
+              <a:spcAft>
+                <a:spcPts val="1200"/>
+              </a:spcAft>
+              <a:buFont typeface="Arial" panose="020B0604020202020204" pitchFamily="34" charset="0"/>
+              <a:buChar char="•"/>
+              <a:defRPr sz="2400" kern="1200">
+                <a:solidFill>
+                  <a:schemeClr val="tx1"/>
+                </a:solidFill>
+                <a:latin typeface="Lucida Grande" pitchFamily="2" charset="0"/>
+                <a:ea typeface="Lucida Grande" pitchFamily="2" charset="0"/>
+                <a:cs typeface="Lucida Grande" pitchFamily="2" charset="0"/>
+              </a:defRPr>
+            </a:lvl1pPr>
+            <a:lvl2pPr marL="685800" indent="-228600" algn="l" defTabSz="914400" rtl="0" eaLnBrk="1" latinLnBrk="0" hangingPunct="1">
+              <a:lnSpc>
+                <a:spcPct val="100000"/>
+              </a:lnSpc>
+              <a:spcBef>
+                <a:spcPts val="500"/>
+              </a:spcBef>
+              <a:spcAft>
+                <a:spcPts val="1200"/>
+              </a:spcAft>
+              <a:buFont typeface="Arial" panose="020B0604020202020204" pitchFamily="34" charset="0"/>
+              <a:buChar char="•"/>
+              <a:defRPr sz="2000" kern="1200">
+                <a:solidFill>
+                  <a:schemeClr val="tx1"/>
+                </a:solidFill>
+                <a:latin typeface="Lucida Grande" pitchFamily="2" charset="0"/>
+                <a:ea typeface="Lucida Grande" pitchFamily="2" charset="0"/>
+                <a:cs typeface="Lucida Grande" pitchFamily="2" charset="0"/>
+              </a:defRPr>
+            </a:lvl2pPr>
+            <a:lvl3pPr marL="1143000" indent="-228600" algn="l" defTabSz="914400" rtl="0" eaLnBrk="1" latinLnBrk="0" hangingPunct="1">
+              <a:lnSpc>
+                <a:spcPct val="100000"/>
+              </a:lnSpc>
+              <a:spcBef>
+                <a:spcPts val="500"/>
+              </a:spcBef>
+              <a:spcAft>
+                <a:spcPts val="1200"/>
+              </a:spcAft>
+              <a:buFont typeface="Arial" panose="020B0604020202020204" pitchFamily="34" charset="0"/>
+              <a:buChar char="•"/>
+              <a:defRPr sz="1800" kern="1200">
+                <a:solidFill>
+                  <a:schemeClr val="tx1"/>
+                </a:solidFill>
+                <a:latin typeface="Lucida Grande" pitchFamily="2" charset="0"/>
+                <a:ea typeface="Lucida Grande" pitchFamily="2" charset="0"/>
+                <a:cs typeface="Lucida Grande" pitchFamily="2" charset="0"/>
+              </a:defRPr>
+            </a:lvl3pPr>
+            <a:lvl4pPr marL="1600200" indent="-228600" algn="l" defTabSz="914400" rtl="0" eaLnBrk="1" latinLnBrk="0" hangingPunct="1">
+              <a:lnSpc>
+                <a:spcPct val="100000"/>
+              </a:lnSpc>
+              <a:spcBef>
+                <a:spcPts val="500"/>
+              </a:spcBef>
+              <a:spcAft>
+                <a:spcPts val="1200"/>
+              </a:spcAft>
+              <a:buFont typeface="Arial" panose="020B0604020202020204" pitchFamily="34" charset="0"/>
+              <a:buChar char="•"/>
+              <a:defRPr sz="1600" kern="1200">
+                <a:solidFill>
+                  <a:schemeClr val="tx1"/>
+                </a:solidFill>
+                <a:latin typeface="Lucida Grande" pitchFamily="2" charset="0"/>
+                <a:ea typeface="Lucida Grande" pitchFamily="2" charset="0"/>
+                <a:cs typeface="Lucida Grande" pitchFamily="2" charset="0"/>
+              </a:defRPr>
+            </a:lvl4pPr>
+            <a:lvl5pPr marL="2057400" indent="-228600" algn="l" defTabSz="914400" rtl="0" eaLnBrk="1" latinLnBrk="0" hangingPunct="1">
+              <a:lnSpc>
+                <a:spcPct val="100000"/>
+              </a:lnSpc>
+              <a:spcBef>
+                <a:spcPts val="500"/>
+              </a:spcBef>
+              <a:spcAft>
+                <a:spcPts val="1200"/>
+              </a:spcAft>
+              <a:buFont typeface="Arial" panose="020B0604020202020204" pitchFamily="34" charset="0"/>
+              <a:buChar char="•"/>
+              <a:defRPr sz="1600" kern="1200">
+                <a:solidFill>
+                  <a:schemeClr val="tx1"/>
+                </a:solidFill>
+                <a:latin typeface="Lucida Grande" pitchFamily="2" charset="0"/>
+                <a:ea typeface="Lucida Grande" pitchFamily="2" charset="0"/>
+                <a:cs typeface="Lucida Grande" pitchFamily="2" charset="0"/>
+              </a:defRPr>
+            </a:lvl5pPr>
+            <a:lvl6pPr marL="2514600" indent="-228600" algn="l" defTabSz="914400" rtl="0" eaLnBrk="1" latinLnBrk="0" hangingPunct="1">
+              <a:lnSpc>
+                <a:spcPct val="90000"/>
+              </a:lnSpc>
+              <a:spcBef>
+                <a:spcPts val="500"/>
+              </a:spcBef>
+              <a:buFont typeface="Arial" panose="020B0604020202020204" pitchFamily="34" charset="0"/>
+              <a:buChar char="•"/>
+              <a:defRPr sz="1800" kern="1200">
+                <a:solidFill>
+                  <a:schemeClr val="tx1"/>
+                </a:solidFill>
+                <a:latin typeface="+mn-lt"/>
+                <a:ea typeface="+mn-ea"/>
+                <a:cs typeface="+mn-cs"/>
+              </a:defRPr>
+            </a:lvl6pPr>
+            <a:lvl7pPr marL="2971800" indent="-228600" algn="l" defTabSz="914400" rtl="0" eaLnBrk="1" latinLnBrk="0" hangingPunct="1">
+              <a:lnSpc>
+                <a:spcPct val="90000"/>
+              </a:lnSpc>
+              <a:spcBef>
+                <a:spcPts val="500"/>
+              </a:spcBef>
+              <a:buFont typeface="Arial" panose="020B0604020202020204" pitchFamily="34" charset="0"/>
+              <a:buChar char="•"/>
+              <a:defRPr sz="1800" kern="1200">
+                <a:solidFill>
+                  <a:schemeClr val="tx1"/>
+                </a:solidFill>
+                <a:latin typeface="+mn-lt"/>
+                <a:ea typeface="+mn-ea"/>
+                <a:cs typeface="+mn-cs"/>
+              </a:defRPr>
+            </a:lvl7pPr>
+            <a:lvl8pPr marL="3429000" indent="-228600" algn="l" defTabSz="914400" rtl="0" eaLnBrk="1" latinLnBrk="0" hangingPunct="1">
+              <a:lnSpc>
+                <a:spcPct val="90000"/>
+              </a:lnSpc>
+              <a:spcBef>
+                <a:spcPts val="500"/>
+              </a:spcBef>
+              <a:buFont typeface="Arial" panose="020B0604020202020204" pitchFamily="34" charset="0"/>
+              <a:buChar char="•"/>
+              <a:defRPr sz="1800" kern="1200">
+                <a:solidFill>
+                  <a:schemeClr val="tx1"/>
+                </a:solidFill>
+                <a:latin typeface="+mn-lt"/>
+                <a:ea typeface="+mn-ea"/>
+                <a:cs typeface="+mn-cs"/>
+              </a:defRPr>
+            </a:lvl8pPr>
+            <a:lvl9pPr marL="3886200" indent="-228600" algn="l" defTabSz="914400" rtl="0" eaLnBrk="1" latinLnBrk="0" hangingPunct="1">
+              <a:lnSpc>
+                <a:spcPct val="90000"/>
+              </a:lnSpc>
+              <a:spcBef>
+                <a:spcPts val="500"/>
+              </a:spcBef>
+              <a:buFont typeface="Arial" panose="020B0604020202020204" pitchFamily="34" charset="0"/>
+              <a:buChar char="•"/>
+              <a:defRPr sz="1800" kern="1200">
+                <a:solidFill>
+                  <a:schemeClr val="tx1"/>
+                </a:solidFill>
+                <a:latin typeface="+mn-lt"/>
+                <a:ea typeface="+mn-ea"/>
+                <a:cs typeface="+mn-cs"/>
+              </a:defRPr>
+            </a:lvl9pPr>
+          </a:lstStyle>
+          <a:p>
+            <a:pPr>
+              <a:spcBef>
+                <a:spcPts val="0"/>
+              </a:spcBef>
+              <a:spcAft>
+                <a:spcPts val="1000"/>
+              </a:spcAft>
+            </a:pPr>
+            <a:r>
+              <a:rPr lang="en-US" dirty="0"/>
+              <a:t>Self-consistent field theory can provide nafion microstructure under coupled physics</a:t>
+            </a:r>
+          </a:p>
+          <a:p>
+            <a:pPr lvl="1">
+              <a:spcBef>
+                <a:spcPts val="0"/>
+              </a:spcBef>
+              <a:spcAft>
+                <a:spcPts val="1000"/>
+              </a:spcAft>
+            </a:pPr>
+            <a:r>
+              <a:rPr lang="en-US" sz="2400" dirty="0"/>
+              <a:t>Elasticity vs. charge vs. hydrophobicity</a:t>
+            </a:r>
+          </a:p>
+        </p:txBody>
+      </p:sp>
     </p:spTree>
     <p:extLst>
       <p:ext uri="{BB962C8B-B14F-4D97-AF65-F5344CB8AC3E}">
@@ -2446,6 +3016,108 @@
   <p:clrMapOvr>
     <a:masterClrMapping/>
   </p:clrMapOvr>
+  <p:timing>
+    <p:tnLst>
+      <p:par>
+        <p:cTn id="1" dur="indefinite" restart="never" nodeType="tmRoot">
+          <p:childTnLst>
+            <p:seq concurrent="1" nextAc="seek">
+              <p:cTn id="2" dur="indefinite" nodeType="mainSeq">
+                <p:childTnLst>
+                  <p:par>
+                    <p:cTn id="3" fill="hold">
+                      <p:stCondLst>
+                        <p:cond delay="indefinite"/>
+                      </p:stCondLst>
+                      <p:childTnLst>
+                        <p:par>
+                          <p:cTn id="4" fill="hold">
+                            <p:stCondLst>
+                              <p:cond delay="0"/>
+                            </p:stCondLst>
+                            <p:childTnLst>
+                              <p:par>
+                                <p:cTn id="5" presetID="1" presetClass="entr" presetSubtype="0" fill="hold" nodeType="clickEffect">
+                                  <p:stCondLst>
+                                    <p:cond delay="0"/>
+                                  </p:stCondLst>
+                                  <p:childTnLst>
+                                    <p:set>
+                                      <p:cBhvr>
+                                        <p:cTn id="6" dur="1" fill="hold">
+                                          <p:stCondLst>
+                                            <p:cond delay="0"/>
+                                          </p:stCondLst>
+                                        </p:cTn>
+                                        <p:tgtEl>
+                                          <p:spTgt spid="7"/>
+                                        </p:tgtEl>
+                                        <p:attrNameLst>
+                                          <p:attrName>style.visibility</p:attrName>
+                                        </p:attrNameLst>
+                                      </p:cBhvr>
+                                      <p:to>
+                                        <p:strVal val="visible"/>
+                                      </p:to>
+                                    </p:set>
+                                  </p:childTnLst>
+                                </p:cTn>
+                              </p:par>
+                              <p:par>
+                                <p:cTn id="7" presetID="1" presetClass="entr" presetSubtype="0" fill="hold" nodeType="withEffect">
+                                  <p:stCondLst>
+                                    <p:cond delay="0"/>
+                                  </p:stCondLst>
+                                  <p:childTnLst>
+                                    <p:set>
+                                      <p:cBhvr>
+                                        <p:cTn id="8" dur="1" fill="hold">
+                                          <p:stCondLst>
+                                            <p:cond delay="0"/>
+                                          </p:stCondLst>
+                                        </p:cTn>
+                                        <p:tgtEl>
+                                          <p:spTgt spid="15"/>
+                                        </p:tgtEl>
+                                        <p:attrNameLst>
+                                          <p:attrName>style.visibility</p:attrName>
+                                        </p:attrNameLst>
+                                      </p:cBhvr>
+                                      <p:to>
+                                        <p:strVal val="visible"/>
+                                      </p:to>
+                                    </p:set>
+                                  </p:childTnLst>
+                                </p:cTn>
+                              </p:par>
+                            </p:childTnLst>
+                          </p:cTn>
+                        </p:par>
+                      </p:childTnLst>
+                    </p:cTn>
+                  </p:par>
+                </p:childTnLst>
+              </p:cTn>
+              <p:prevCondLst>
+                <p:cond evt="onPrev" delay="0">
+                  <p:tgtEl>
+                    <p:sldTgt/>
+                  </p:tgtEl>
+                </p:cond>
+              </p:prevCondLst>
+              <p:nextCondLst>
+                <p:cond evt="onNext" delay="0">
+                  <p:tgtEl>
+                    <p:sldTgt/>
+                  </p:tgtEl>
+                </p:cond>
+              </p:nextCondLst>
+            </p:seq>
+          </p:childTnLst>
+        </p:cTn>
+      </p:par>
+    </p:tnLst>
+  </p:timing>
 </p:sld>
 </file>
 
@@ -2568,10 +3240,15 @@
         </p:nvSpPr>
         <p:spPr/>
         <p:txBody>
-          <a:bodyPr/>
+          <a:bodyPr>
+            <a:normAutofit/>
+          </a:bodyPr>
           <a:lstStyle/>
           <a:p>
-            <a:endParaRPr lang="en-US"/>
+            <a:r>
+              <a:rPr lang="en-US" dirty="0"/>
+              <a:t>Supplemental Slides</a:t>
+            </a:r>
           </a:p>
         </p:txBody>
       </p:sp>
@@ -2625,7 +3302,7 @@
           <a:bodyPr/>
           <a:lstStyle/>
           <a:p>
-            <a:endParaRPr lang="en-US"/>
+            <a:endParaRPr lang="en-US" dirty="0"/>
           </a:p>
         </p:txBody>
       </p:sp>
@@ -2650,7 +3327,7 @@
           <a:bodyPr/>
           <a:lstStyle/>
           <a:p>
-            <a:endParaRPr lang="en-US"/>
+            <a:endParaRPr lang="en-US" dirty="0"/>
           </a:p>
         </p:txBody>
       </p:sp>
@@ -2730,7 +3407,10 @@
           <a:bodyPr/>
           <a:lstStyle/>
           <a:p>
-            <a:endParaRPr lang="en-US" dirty="0"/>
+            <a:r>
+              <a:rPr lang="en-US" dirty="0"/>
+              <a:t>test</a:t>
+            </a:r>
           </a:p>
         </p:txBody>
       </p:sp>

--- a/20241001 NAF Update.pptx
+++ b/20241001 NAF Update.pptx
@@ -5,14 +5,15 @@
     <p:sldMasterId id="2147483648" r:id="rId1"/>
   </p:sldMasterIdLst>
   <p:notesMasterIdLst>
-    <p:notesMasterId r:id="rId7"/>
+    <p:notesMasterId r:id="rId8"/>
   </p:notesMasterIdLst>
   <p:sldIdLst>
     <p:sldId id="256" r:id="rId2"/>
     <p:sldId id="259" r:id="rId3"/>
-    <p:sldId id="257" r:id="rId4"/>
-    <p:sldId id="260" r:id="rId5"/>
-    <p:sldId id="262" r:id="rId6"/>
+    <p:sldId id="263" r:id="rId4"/>
+    <p:sldId id="257" r:id="rId5"/>
+    <p:sldId id="260" r:id="rId6"/>
+    <p:sldId id="262" r:id="rId7"/>
   </p:sldIdLst>
   <p:sldSz cx="12192000" cy="6858000"/>
   <p:notesSz cx="6858000" cy="9144000"/>
@@ -2366,7 +2367,7 @@
         </p:nvGrpSpPr>
         <p:grpSpPr>
           <a:xfrm>
-            <a:off x="7477866" y="4059469"/>
+            <a:off x="7515457" y="4067561"/>
             <a:ext cx="4251837" cy="2653914"/>
             <a:chOff x="1023877" y="4521200"/>
             <a:chExt cx="3525073" cy="2200287"/>
@@ -2497,7 +2498,7 @@
           <a:p>
             <a:r>
               <a:rPr lang="en-US" dirty="0"/>
-              <a:t>Last time</a:t>
+              <a:t>Last time: Motivation</a:t>
             </a:r>
           </a:p>
         </p:txBody>
@@ -2611,8 +2612,8 @@
         </p:blipFill>
         <p:spPr>
           <a:xfrm>
-            <a:off x="2107769" y="1882485"/>
-            <a:ext cx="2326240" cy="1896127"/>
+            <a:off x="2111122" y="1800217"/>
+            <a:ext cx="2583503" cy="2105823"/>
           </a:xfrm>
           <a:prstGeom prst="rect">
             <a:avLst/>
@@ -2633,8 +2634,8 @@
         </p:nvGrpSpPr>
         <p:grpSpPr>
           <a:xfrm>
-            <a:off x="5350469" y="1751310"/>
-            <a:ext cx="3055581" cy="2011268"/>
+            <a:off x="5273163" y="1656308"/>
+            <a:ext cx="3393503" cy="2233698"/>
             <a:chOff x="4958276" y="4175378"/>
             <a:chExt cx="3481125" cy="2291373"/>
           </a:xfrm>
@@ -2712,7 +2713,7 @@
         </p:nvSpPr>
         <p:spPr>
           <a:xfrm>
-            <a:off x="2588215" y="3874803"/>
+            <a:off x="2550624" y="3975229"/>
             <a:ext cx="1627323" cy="369332"/>
           </a:xfrm>
           <a:prstGeom prst="rect">
@@ -2748,7 +2749,7 @@
         </p:nvSpPr>
         <p:spPr>
           <a:xfrm>
-            <a:off x="6246372" y="3874803"/>
+            <a:off x="6208781" y="3975229"/>
             <a:ext cx="1627323" cy="369332"/>
           </a:xfrm>
           <a:prstGeom prst="rect">
@@ -2786,7 +2787,7 @@
         </p:nvSpPr>
         <p:spPr>
           <a:xfrm>
-            <a:off x="838199" y="4794092"/>
+            <a:off x="838200" y="4654607"/>
             <a:ext cx="6538993" cy="1287432"/>
           </a:xfrm>
           <a:prstGeom prst="rect">
@@ -3016,108 +3017,6 @@
   <p:clrMapOvr>
     <a:masterClrMapping/>
   </p:clrMapOvr>
-  <p:timing>
-    <p:tnLst>
-      <p:par>
-        <p:cTn id="1" dur="indefinite" restart="never" nodeType="tmRoot">
-          <p:childTnLst>
-            <p:seq concurrent="1" nextAc="seek">
-              <p:cTn id="2" dur="indefinite" nodeType="mainSeq">
-                <p:childTnLst>
-                  <p:par>
-                    <p:cTn id="3" fill="hold">
-                      <p:stCondLst>
-                        <p:cond delay="indefinite"/>
-                      </p:stCondLst>
-                      <p:childTnLst>
-                        <p:par>
-                          <p:cTn id="4" fill="hold">
-                            <p:stCondLst>
-                              <p:cond delay="0"/>
-                            </p:stCondLst>
-                            <p:childTnLst>
-                              <p:par>
-                                <p:cTn id="5" presetID="1" presetClass="entr" presetSubtype="0" fill="hold" nodeType="clickEffect">
-                                  <p:stCondLst>
-                                    <p:cond delay="0"/>
-                                  </p:stCondLst>
-                                  <p:childTnLst>
-                                    <p:set>
-                                      <p:cBhvr>
-                                        <p:cTn id="6" dur="1" fill="hold">
-                                          <p:stCondLst>
-                                            <p:cond delay="0"/>
-                                          </p:stCondLst>
-                                        </p:cTn>
-                                        <p:tgtEl>
-                                          <p:spTgt spid="7"/>
-                                        </p:tgtEl>
-                                        <p:attrNameLst>
-                                          <p:attrName>style.visibility</p:attrName>
-                                        </p:attrNameLst>
-                                      </p:cBhvr>
-                                      <p:to>
-                                        <p:strVal val="visible"/>
-                                      </p:to>
-                                    </p:set>
-                                  </p:childTnLst>
-                                </p:cTn>
-                              </p:par>
-                              <p:par>
-                                <p:cTn id="7" presetID="1" presetClass="entr" presetSubtype="0" fill="hold" nodeType="withEffect">
-                                  <p:stCondLst>
-                                    <p:cond delay="0"/>
-                                  </p:stCondLst>
-                                  <p:childTnLst>
-                                    <p:set>
-                                      <p:cBhvr>
-                                        <p:cTn id="8" dur="1" fill="hold">
-                                          <p:stCondLst>
-                                            <p:cond delay="0"/>
-                                          </p:stCondLst>
-                                        </p:cTn>
-                                        <p:tgtEl>
-                                          <p:spTgt spid="15"/>
-                                        </p:tgtEl>
-                                        <p:attrNameLst>
-                                          <p:attrName>style.visibility</p:attrName>
-                                        </p:attrNameLst>
-                                      </p:cBhvr>
-                                      <p:to>
-                                        <p:strVal val="visible"/>
-                                      </p:to>
-                                    </p:set>
-                                  </p:childTnLst>
-                                </p:cTn>
-                              </p:par>
-                            </p:childTnLst>
-                          </p:cTn>
-                        </p:par>
-                      </p:childTnLst>
-                    </p:cTn>
-                  </p:par>
-                </p:childTnLst>
-              </p:cTn>
-              <p:prevCondLst>
-                <p:cond evt="onPrev" delay="0">
-                  <p:tgtEl>
-                    <p:sldTgt/>
-                  </p:tgtEl>
-                </p:cond>
-              </p:prevCondLst>
-              <p:nextCondLst>
-                <p:cond evt="onNext" delay="0">
-                  <p:tgtEl>
-                    <p:sldTgt/>
-                  </p:tgtEl>
-                </p:cond>
-              </p:nextCondLst>
-            </p:seq>
-          </p:childTnLst>
-        </p:cTn>
-      </p:par>
-    </p:tnLst>
-  </p:timing>
 </p:sld>
 </file>
 
@@ -3138,12 +3037,134 @@
           <a:chExt cx="0" cy="0"/>
         </a:xfrm>
       </p:grpSpPr>
+      <p:grpSp>
+        <p:nvGrpSpPr>
+          <p:cNvPr id="15" name="Group 14">
+            <a:extLst>
+              <a:ext uri="{FF2B5EF4-FFF2-40B4-BE49-F238E27FC236}">
+                <a16:creationId xmlns:a16="http://schemas.microsoft.com/office/drawing/2014/main" id="{1A809A76-A979-80A9-D5A9-5F0F1D854B2E}"/>
+              </a:ext>
+            </a:extLst>
+          </p:cNvPr>
+          <p:cNvGrpSpPr/>
+          <p:nvPr/>
+        </p:nvGrpSpPr>
+        <p:grpSpPr>
+          <a:xfrm>
+            <a:off x="6980491" y="1081158"/>
+            <a:ext cx="5085181" cy="3174071"/>
+            <a:chOff x="1023877" y="4521200"/>
+            <a:chExt cx="3525073" cy="2200287"/>
+          </a:xfrm>
+        </p:grpSpPr>
+        <p:pic>
+          <p:nvPicPr>
+            <p:cNvPr id="16" name="Picture 32">
+              <a:extLst>
+                <a:ext uri="{FF2B5EF4-FFF2-40B4-BE49-F238E27FC236}">
+                  <a16:creationId xmlns:a16="http://schemas.microsoft.com/office/drawing/2014/main" id="{C011EF83-079E-99EB-73EE-C427EC55FDF7}"/>
+                </a:ext>
+              </a:extLst>
+            </p:cNvPr>
+            <p:cNvPicPr>
+              <a:picLocks noChangeAspect="1" noChangeArrowheads="1"/>
+            </p:cNvPicPr>
+            <p:nvPr/>
+          </p:nvPicPr>
+          <p:blipFill>
+            <a:blip r:embed="rId2">
+              <a:extLst>
+                <a:ext uri="{28A0092B-C50C-407E-A947-70E740481C1C}">
+                  <a14:useLocalDpi xmlns:a14="http://schemas.microsoft.com/office/drawing/2010/main" val="0"/>
+                </a:ext>
+              </a:extLst>
+            </a:blip>
+            <a:srcRect/>
+            <a:stretch>
+              <a:fillRect/>
+            </a:stretch>
+          </p:blipFill>
+          <p:spPr bwMode="auto">
+            <a:xfrm>
+              <a:off x="1023877" y="4587451"/>
+              <a:ext cx="3525073" cy="2134036"/>
+            </a:xfrm>
+            <a:prstGeom prst="rect">
+              <a:avLst/>
+            </a:prstGeom>
+            <a:noFill/>
+            <a:extLst>
+              <a:ext uri="{909E8E84-426E-40DD-AFC4-6F175D3DCCD1}">
+                <a14:hiddenFill xmlns:a14="http://schemas.microsoft.com/office/drawing/2010/main">
+                  <a:solidFill>
+                    <a:srgbClr val="FFFFFF"/>
+                  </a:solidFill>
+                </a14:hiddenFill>
+              </a:ext>
+            </a:extLst>
+          </p:spPr>
+        </p:pic>
+        <p:sp>
+          <p:nvSpPr>
+            <p:cNvPr id="17" name="Rectangle 16">
+              <a:extLst>
+                <a:ext uri="{FF2B5EF4-FFF2-40B4-BE49-F238E27FC236}">
+                  <a16:creationId xmlns:a16="http://schemas.microsoft.com/office/drawing/2014/main" id="{0B6240BF-E42B-787D-8CCC-0DBA482B7B95}"/>
+                </a:ext>
+              </a:extLst>
+            </p:cNvPr>
+            <p:cNvSpPr/>
+            <p:nvPr/>
+          </p:nvSpPr>
+          <p:spPr>
+            <a:xfrm>
+              <a:off x="1495693" y="4521200"/>
+              <a:ext cx="1797840" cy="254001"/>
+            </a:xfrm>
+            <a:prstGeom prst="rect">
+              <a:avLst/>
+            </a:prstGeom>
+            <a:solidFill>
+              <a:schemeClr val="bg1"/>
+            </a:solidFill>
+            <a:ln>
+              <a:solidFill>
+                <a:schemeClr val="bg1"/>
+              </a:solidFill>
+            </a:ln>
+          </p:spPr>
+          <p:style>
+            <a:lnRef idx="2">
+              <a:schemeClr val="accent1">
+                <a:shade val="15000"/>
+              </a:schemeClr>
+            </a:lnRef>
+            <a:fillRef idx="1">
+              <a:schemeClr val="accent1"/>
+            </a:fillRef>
+            <a:effectRef idx="0">
+              <a:schemeClr val="accent1"/>
+            </a:effectRef>
+            <a:fontRef idx="minor">
+              <a:schemeClr val="lt1"/>
+            </a:fontRef>
+          </p:style>
+          <p:txBody>
+            <a:bodyPr rtlCol="0" anchor="ctr"/>
+            <a:lstStyle/>
+            <a:p>
+              <a:pPr algn="ctr"/>
+              <a:endParaRPr lang="en-US"/>
+            </a:p>
+          </p:txBody>
+        </p:sp>
+      </p:grpSp>
       <p:sp>
         <p:nvSpPr>
           <p:cNvPr id="2" name="Title 1">
             <a:extLst>
               <a:ext uri="{FF2B5EF4-FFF2-40B4-BE49-F238E27FC236}">
-                <a16:creationId xmlns:a16="http://schemas.microsoft.com/office/drawing/2014/main" id="{4041FD49-51CB-4608-A3ED-30B7E304CBD6}"/>
+                <a16:creationId xmlns:a16="http://schemas.microsoft.com/office/drawing/2014/main" id="{94DF7F7F-A503-44AD-7BFC-CE768444B8CF}"/>
               </a:ext>
             </a:extLst>
           </p:cNvPr>
@@ -3159,16 +3180,114 @@
           <a:bodyPr/>
           <a:lstStyle/>
           <a:p>
-            <a:endParaRPr lang="en-US" dirty="0"/>
-          </a:p>
-        </p:txBody>
-      </p:sp>
-      <p:sp>
-        <p:nvSpPr>
-          <p:cNvPr id="3" name="Slide Number Placeholder 2">
-            <a:extLst>
-              <a:ext uri="{FF2B5EF4-FFF2-40B4-BE49-F238E27FC236}">
-                <a16:creationId xmlns:a16="http://schemas.microsoft.com/office/drawing/2014/main" id="{0D80111F-C31C-4236-B41A-2BA68657A3E1}"/>
+            <a:r>
+              <a:rPr lang="en-US" dirty="0"/>
+              <a:t>Last time: Model</a:t>
+            </a:r>
+          </a:p>
+        </p:txBody>
+      </p:sp>
+      <p:sp>
+        <p:nvSpPr>
+          <p:cNvPr id="3" name="Content Placeholder 2">
+            <a:extLst>
+              <a:ext uri="{FF2B5EF4-FFF2-40B4-BE49-F238E27FC236}">
+                <a16:creationId xmlns:a16="http://schemas.microsoft.com/office/drawing/2014/main" id="{40B6BB3A-7714-E155-B1A4-E0B7A130C5B5}"/>
+              </a:ext>
+            </a:extLst>
+          </p:cNvPr>
+          <p:cNvSpPr>
+            <a:spLocks noGrp="1"/>
+          </p:cNvSpPr>
+          <p:nvPr>
+            <p:ph idx="1"/>
+          </p:nvPr>
+        </p:nvSpPr>
+        <p:spPr>
+          <a:xfrm>
+            <a:off x="853698" y="1474253"/>
+            <a:ext cx="5940813" cy="2483452"/>
+          </a:xfrm>
+        </p:spPr>
+        <p:txBody>
+          <a:bodyPr/>
+          <a:lstStyle/>
+          <a:p>
+            <a:pPr>
+              <a:lnSpc>
+                <a:spcPct val="100000"/>
+              </a:lnSpc>
+              <a:spcBef>
+                <a:spcPts val="0"/>
+              </a:spcBef>
+              <a:spcAft>
+                <a:spcPts val="1000"/>
+              </a:spcAft>
+            </a:pPr>
+            <a:r>
+              <a:rPr lang="en-US" dirty="0"/>
+              <a:t>Polymer: Nafion sidechains only</a:t>
+            </a:r>
+          </a:p>
+          <a:p>
+            <a:pPr>
+              <a:lnSpc>
+                <a:spcPct val="100000"/>
+              </a:lnSpc>
+              <a:spcBef>
+                <a:spcPts val="0"/>
+              </a:spcBef>
+              <a:spcAft>
+                <a:spcPts val="1000"/>
+              </a:spcAft>
+            </a:pPr>
+            <a:r>
+              <a:rPr lang="en-US" dirty="0"/>
+              <a:t>Solvent: Explicit, water</a:t>
+            </a:r>
+          </a:p>
+          <a:p>
+            <a:pPr>
+              <a:lnSpc>
+                <a:spcPct val="100000"/>
+              </a:lnSpc>
+              <a:spcBef>
+                <a:spcPts val="0"/>
+              </a:spcBef>
+              <a:spcAft>
+                <a:spcPts val="1000"/>
+              </a:spcAft>
+            </a:pPr>
+            <a:r>
+              <a:rPr lang="en-US" dirty="0"/>
+              <a:t>Ions: Salt solution</a:t>
+            </a:r>
+          </a:p>
+          <a:p>
+            <a:pPr>
+              <a:lnSpc>
+                <a:spcPct val="100000"/>
+              </a:lnSpc>
+              <a:spcBef>
+                <a:spcPts val="0"/>
+              </a:spcBef>
+              <a:spcAft>
+                <a:spcPts val="1000"/>
+              </a:spcAft>
+            </a:pPr>
+            <a:r>
+              <a:rPr lang="en-US" dirty="0"/>
+              <a:t>Charge: Surface, sidechain sulfonates (−), salt cation (+), salt anion (−)</a:t>
+            </a:r>
+          </a:p>
+        </p:txBody>
+      </p:sp>
+      <p:sp>
+        <p:nvSpPr>
+          <p:cNvPr id="4" name="Slide Number Placeholder 3">
+            <a:extLst>
+              <a:ext uri="{FF2B5EF4-FFF2-40B4-BE49-F238E27FC236}">
+                <a16:creationId xmlns:a16="http://schemas.microsoft.com/office/drawing/2014/main" id="{69844F62-6D7E-F6FB-0737-5BB93BFC0145}"/>
               </a:ext>
             </a:extLst>
           </p:cNvPr>
@@ -3195,7 +3314,7 @@
     </p:spTree>
     <p:extLst>
       <p:ext uri="{BB962C8B-B14F-4D97-AF65-F5344CB8AC3E}">
-        <p14:creationId xmlns:p14="http://schemas.microsoft.com/office/powerpoint/2010/main" val="3762529990"/>
+        <p14:creationId xmlns:p14="http://schemas.microsoft.com/office/powerpoint/2010/main" val="3809005093"/>
       </p:ext>
     </p:extLst>
   </p:cSld>
@@ -3227,7 +3346,7 @@
           <p:cNvPr id="2" name="Title 1">
             <a:extLst>
               <a:ext uri="{FF2B5EF4-FFF2-40B4-BE49-F238E27FC236}">
-                <a16:creationId xmlns:a16="http://schemas.microsoft.com/office/drawing/2014/main" id="{4CA91E95-33DA-91A4-CD99-C1597EF3F65D}"/>
+                <a16:creationId xmlns:a16="http://schemas.microsoft.com/office/drawing/2014/main" id="{4041FD49-51CB-4608-A3ED-30B7E304CBD6}"/>
               </a:ext>
             </a:extLst>
           </p:cNvPr>
@@ -3240,15 +3359,10 @@
         </p:nvSpPr>
         <p:spPr/>
         <p:txBody>
-          <a:bodyPr>
-            <a:normAutofit/>
-          </a:bodyPr>
+          <a:bodyPr/>
           <a:lstStyle/>
           <a:p>
-            <a:r>
-              <a:rPr lang="en-US" dirty="0"/>
-              <a:t>Supplemental Slides</a:t>
-            </a:r>
+            <a:endParaRPr lang="en-US" dirty="0"/>
           </a:p>
         </p:txBody>
       </p:sp>
@@ -3257,7 +3371,7 @@
           <p:cNvPr id="3" name="Slide Number Placeholder 2">
             <a:extLst>
               <a:ext uri="{FF2B5EF4-FFF2-40B4-BE49-F238E27FC236}">
-                <a16:creationId xmlns:a16="http://schemas.microsoft.com/office/drawing/2014/main" id="{6A783110-A073-98B2-5FBE-808AF5A86ABD}"/>
+                <a16:creationId xmlns:a16="http://schemas.microsoft.com/office/drawing/2014/main" id="{0D80111F-C31C-4236-B41A-2BA68657A3E1}"/>
               </a:ext>
             </a:extLst>
           </p:cNvPr>
@@ -3277,81 +3391,6 @@
               <a:rPr lang="en-US" smtClean="0"/>
               <a:t>4</a:t>
             </a:fld>
-            <a:endParaRPr lang="en-US" dirty="0"/>
-          </a:p>
-        </p:txBody>
-      </p:sp>
-      <p:sp>
-        <p:nvSpPr>
-          <p:cNvPr id="4" name="Text Placeholder 3">
-            <a:extLst>
-              <a:ext uri="{FF2B5EF4-FFF2-40B4-BE49-F238E27FC236}">
-                <a16:creationId xmlns:a16="http://schemas.microsoft.com/office/drawing/2014/main" id="{BE8C982E-2A8D-76CE-8EB7-4F5A2157CD54}"/>
-              </a:ext>
-            </a:extLst>
-          </p:cNvPr>
-          <p:cNvSpPr>
-            <a:spLocks noGrp="1"/>
-          </p:cNvSpPr>
-          <p:nvPr>
-            <p:ph type="body" sz="quarter" idx="13"/>
-          </p:nvPr>
-        </p:nvSpPr>
-        <p:spPr/>
-        <p:txBody>
-          <a:bodyPr/>
-          <a:lstStyle/>
-          <a:p>
-            <a:endParaRPr lang="en-US" dirty="0"/>
-          </a:p>
-        </p:txBody>
-      </p:sp>
-      <p:sp>
-        <p:nvSpPr>
-          <p:cNvPr id="5" name="Text Placeholder 4">
-            <a:extLst>
-              <a:ext uri="{FF2B5EF4-FFF2-40B4-BE49-F238E27FC236}">
-                <a16:creationId xmlns:a16="http://schemas.microsoft.com/office/drawing/2014/main" id="{3F241E8D-55C1-99C4-5EF5-10F746DDCF0A}"/>
-              </a:ext>
-            </a:extLst>
-          </p:cNvPr>
-          <p:cNvSpPr>
-            <a:spLocks noGrp="1"/>
-          </p:cNvSpPr>
-          <p:nvPr>
-            <p:ph type="body" sz="quarter" idx="16"/>
-          </p:nvPr>
-        </p:nvSpPr>
-        <p:spPr/>
-        <p:txBody>
-          <a:bodyPr/>
-          <a:lstStyle/>
-          <a:p>
-            <a:endParaRPr lang="en-US" dirty="0"/>
-          </a:p>
-        </p:txBody>
-      </p:sp>
-      <p:sp>
-        <p:nvSpPr>
-          <p:cNvPr id="6" name="Text Placeholder 5">
-            <a:extLst>
-              <a:ext uri="{FF2B5EF4-FFF2-40B4-BE49-F238E27FC236}">
-                <a16:creationId xmlns:a16="http://schemas.microsoft.com/office/drawing/2014/main" id="{52CF0AF2-9F88-0212-30F2-ADA3E42CCDF7}"/>
-              </a:ext>
-            </a:extLst>
-          </p:cNvPr>
-          <p:cNvSpPr>
-            <a:spLocks noGrp="1"/>
-          </p:cNvSpPr>
-          <p:nvPr>
-            <p:ph type="body" sz="quarter" idx="17"/>
-          </p:nvPr>
-        </p:nvSpPr>
-        <p:spPr/>
-        <p:txBody>
-          <a:bodyPr/>
-          <a:lstStyle/>
-          <a:p>
             <a:endParaRPr lang="en-US"/>
           </a:p>
         </p:txBody>
@@ -3359,7 +3398,7 @@
     </p:spTree>
     <p:extLst>
       <p:ext uri="{BB962C8B-B14F-4D97-AF65-F5344CB8AC3E}">
-        <p14:creationId xmlns:p14="http://schemas.microsoft.com/office/powerpoint/2010/main" val="1863235849"/>
+        <p14:creationId xmlns:p14="http://schemas.microsoft.com/office/powerpoint/2010/main" val="3762529990"/>
       </p:ext>
     </p:extLst>
   </p:cSld>
@@ -3391,6 +3430,170 @@
           <p:cNvPr id="2" name="Title 1">
             <a:extLst>
               <a:ext uri="{FF2B5EF4-FFF2-40B4-BE49-F238E27FC236}">
+                <a16:creationId xmlns:a16="http://schemas.microsoft.com/office/drawing/2014/main" id="{4CA91E95-33DA-91A4-CD99-C1597EF3F65D}"/>
+              </a:ext>
+            </a:extLst>
+          </p:cNvPr>
+          <p:cNvSpPr>
+            <a:spLocks noGrp="1"/>
+          </p:cNvSpPr>
+          <p:nvPr>
+            <p:ph type="title"/>
+          </p:nvPr>
+        </p:nvSpPr>
+        <p:spPr/>
+        <p:txBody>
+          <a:bodyPr>
+            <a:normAutofit/>
+          </a:bodyPr>
+          <a:lstStyle/>
+          <a:p>
+            <a:r>
+              <a:rPr lang="en-US" dirty="0"/>
+              <a:t>Supplemental Slides</a:t>
+            </a:r>
+          </a:p>
+        </p:txBody>
+      </p:sp>
+      <p:sp>
+        <p:nvSpPr>
+          <p:cNvPr id="3" name="Slide Number Placeholder 2">
+            <a:extLst>
+              <a:ext uri="{FF2B5EF4-FFF2-40B4-BE49-F238E27FC236}">
+                <a16:creationId xmlns:a16="http://schemas.microsoft.com/office/drawing/2014/main" id="{6A783110-A073-98B2-5FBE-808AF5A86ABD}"/>
+              </a:ext>
+            </a:extLst>
+          </p:cNvPr>
+          <p:cNvSpPr>
+            <a:spLocks noGrp="1"/>
+          </p:cNvSpPr>
+          <p:nvPr>
+            <p:ph type="sldNum" sz="quarter" idx="12"/>
+          </p:nvPr>
+        </p:nvSpPr>
+        <p:spPr/>
+        <p:txBody>
+          <a:bodyPr/>
+          <a:lstStyle/>
+          <a:p>
+            <a:fld id="{5911C0E6-D9CE-431C-92CB-BB39B872F930}" type="slidenum">
+              <a:rPr lang="en-US" smtClean="0"/>
+              <a:t>5</a:t>
+            </a:fld>
+            <a:endParaRPr lang="en-US" dirty="0"/>
+          </a:p>
+        </p:txBody>
+      </p:sp>
+      <p:sp>
+        <p:nvSpPr>
+          <p:cNvPr id="4" name="Text Placeholder 3">
+            <a:extLst>
+              <a:ext uri="{FF2B5EF4-FFF2-40B4-BE49-F238E27FC236}">
+                <a16:creationId xmlns:a16="http://schemas.microsoft.com/office/drawing/2014/main" id="{BE8C982E-2A8D-76CE-8EB7-4F5A2157CD54}"/>
+              </a:ext>
+            </a:extLst>
+          </p:cNvPr>
+          <p:cNvSpPr>
+            <a:spLocks noGrp="1"/>
+          </p:cNvSpPr>
+          <p:nvPr>
+            <p:ph type="body" sz="quarter" idx="13"/>
+          </p:nvPr>
+        </p:nvSpPr>
+        <p:spPr/>
+        <p:txBody>
+          <a:bodyPr/>
+          <a:lstStyle/>
+          <a:p>
+            <a:endParaRPr lang="en-US" dirty="0"/>
+          </a:p>
+        </p:txBody>
+      </p:sp>
+      <p:sp>
+        <p:nvSpPr>
+          <p:cNvPr id="5" name="Text Placeholder 4">
+            <a:extLst>
+              <a:ext uri="{FF2B5EF4-FFF2-40B4-BE49-F238E27FC236}">
+                <a16:creationId xmlns:a16="http://schemas.microsoft.com/office/drawing/2014/main" id="{3F241E8D-55C1-99C4-5EF5-10F746DDCF0A}"/>
+              </a:ext>
+            </a:extLst>
+          </p:cNvPr>
+          <p:cNvSpPr>
+            <a:spLocks noGrp="1"/>
+          </p:cNvSpPr>
+          <p:nvPr>
+            <p:ph type="body" sz="quarter" idx="16"/>
+          </p:nvPr>
+        </p:nvSpPr>
+        <p:spPr/>
+        <p:txBody>
+          <a:bodyPr/>
+          <a:lstStyle/>
+          <a:p>
+            <a:endParaRPr lang="en-US" dirty="0"/>
+          </a:p>
+        </p:txBody>
+      </p:sp>
+      <p:sp>
+        <p:nvSpPr>
+          <p:cNvPr id="6" name="Text Placeholder 5">
+            <a:extLst>
+              <a:ext uri="{FF2B5EF4-FFF2-40B4-BE49-F238E27FC236}">
+                <a16:creationId xmlns:a16="http://schemas.microsoft.com/office/drawing/2014/main" id="{52CF0AF2-9F88-0212-30F2-ADA3E42CCDF7}"/>
+              </a:ext>
+            </a:extLst>
+          </p:cNvPr>
+          <p:cNvSpPr>
+            <a:spLocks noGrp="1"/>
+          </p:cNvSpPr>
+          <p:nvPr>
+            <p:ph type="body" sz="quarter" idx="17"/>
+          </p:nvPr>
+        </p:nvSpPr>
+        <p:spPr/>
+        <p:txBody>
+          <a:bodyPr/>
+          <a:lstStyle/>
+          <a:p>
+            <a:endParaRPr lang="en-US"/>
+          </a:p>
+        </p:txBody>
+      </p:sp>
+    </p:spTree>
+    <p:extLst>
+      <p:ext uri="{BB962C8B-B14F-4D97-AF65-F5344CB8AC3E}">
+        <p14:creationId xmlns:p14="http://schemas.microsoft.com/office/powerpoint/2010/main" val="1863235849"/>
+      </p:ext>
+    </p:extLst>
+  </p:cSld>
+  <p:clrMapOvr>
+    <a:masterClrMapping/>
+  </p:clrMapOvr>
+</p:sld>
+</file>
+
+<file path=ppt/slides/slide6.xml><?xml version="1.0" encoding="utf-8"?>
+<p:sld xmlns:a="http://schemas.openxmlformats.org/drawingml/2006/main" xmlns:r="http://schemas.openxmlformats.org/officeDocument/2006/relationships" xmlns:p="http://schemas.openxmlformats.org/presentationml/2006/main">
+  <p:cSld>
+    <p:spTree>
+      <p:nvGrpSpPr>
+        <p:cNvPr id="1" name=""/>
+        <p:cNvGrpSpPr/>
+        <p:nvPr/>
+      </p:nvGrpSpPr>
+      <p:grpSpPr>
+        <a:xfrm>
+          <a:off x="0" y="0"/>
+          <a:ext cx="0" cy="0"/>
+          <a:chOff x="0" y="0"/>
+          <a:chExt cx="0" cy="0"/>
+        </a:xfrm>
+      </p:grpSpPr>
+      <p:sp>
+        <p:nvSpPr>
+          <p:cNvPr id="2" name="Title 1">
+            <a:extLst>
+              <a:ext uri="{FF2B5EF4-FFF2-40B4-BE49-F238E27FC236}">
                 <a16:creationId xmlns:a16="http://schemas.microsoft.com/office/drawing/2014/main" id="{C178F2BB-5E9E-FBDA-B15D-26F84DE6EB2F}"/>
               </a:ext>
             </a:extLst>
@@ -3437,7 +3640,7 @@
           <a:p>
             <a:fld id="{5911C0E6-D9CE-431C-92CB-BB39B872F930}" type="slidenum">
               <a:rPr lang="en-US" smtClean="0"/>
-              <a:t>5</a:t>
+              <a:t>6</a:t>
             </a:fld>
             <a:endParaRPr lang="en-US"/>
           </a:p>

--- a/20241001 NAF Update.pptx
+++ b/20241001 NAF Update.pptx
@@ -202,7 +202,7 @@
           <a:p>
             <a:fld id="{4299902A-6DB3-4A13-9B91-BEABFDA2FC16}" type="datetimeFigureOut">
               <a:rPr lang="en-US" smtClean="0"/>
-              <a:t>9/30/2024</a:t>
+              <a:t>10/1/2024</a:t>
             </a:fld>
             <a:endParaRPr lang="en-US"/>
           </a:p>
@@ -2353,128 +2353,6 @@
           <a:chExt cx="0" cy="0"/>
         </a:xfrm>
       </p:grpSpPr>
-      <p:grpSp>
-        <p:nvGrpSpPr>
-          <p:cNvPr id="15" name="Group 14">
-            <a:extLst>
-              <a:ext uri="{FF2B5EF4-FFF2-40B4-BE49-F238E27FC236}">
-                <a16:creationId xmlns:a16="http://schemas.microsoft.com/office/drawing/2014/main" id="{1A809A76-A979-80A9-D5A9-5F0F1D854B2E}"/>
-              </a:ext>
-            </a:extLst>
-          </p:cNvPr>
-          <p:cNvGrpSpPr/>
-          <p:nvPr/>
-        </p:nvGrpSpPr>
-        <p:grpSpPr>
-          <a:xfrm>
-            <a:off x="7515457" y="4067561"/>
-            <a:ext cx="4251837" cy="2653914"/>
-            <a:chOff x="1023877" y="4521200"/>
-            <a:chExt cx="3525073" cy="2200287"/>
-          </a:xfrm>
-        </p:grpSpPr>
-        <p:pic>
-          <p:nvPicPr>
-            <p:cNvPr id="16" name="Picture 32">
-              <a:extLst>
-                <a:ext uri="{FF2B5EF4-FFF2-40B4-BE49-F238E27FC236}">
-                  <a16:creationId xmlns:a16="http://schemas.microsoft.com/office/drawing/2014/main" id="{C011EF83-079E-99EB-73EE-C427EC55FDF7}"/>
-                </a:ext>
-              </a:extLst>
-            </p:cNvPr>
-            <p:cNvPicPr>
-              <a:picLocks noChangeAspect="1" noChangeArrowheads="1"/>
-            </p:cNvPicPr>
-            <p:nvPr/>
-          </p:nvPicPr>
-          <p:blipFill>
-            <a:blip r:embed="rId2">
-              <a:extLst>
-                <a:ext uri="{28A0092B-C50C-407E-A947-70E740481C1C}">
-                  <a14:useLocalDpi xmlns:a14="http://schemas.microsoft.com/office/drawing/2010/main" val="0"/>
-                </a:ext>
-              </a:extLst>
-            </a:blip>
-            <a:srcRect/>
-            <a:stretch>
-              <a:fillRect/>
-            </a:stretch>
-          </p:blipFill>
-          <p:spPr bwMode="auto">
-            <a:xfrm>
-              <a:off x="1023877" y="4587451"/>
-              <a:ext cx="3525073" cy="2134036"/>
-            </a:xfrm>
-            <a:prstGeom prst="rect">
-              <a:avLst/>
-            </a:prstGeom>
-            <a:noFill/>
-            <a:extLst>
-              <a:ext uri="{909E8E84-426E-40DD-AFC4-6F175D3DCCD1}">
-                <a14:hiddenFill xmlns:a14="http://schemas.microsoft.com/office/drawing/2010/main">
-                  <a:solidFill>
-                    <a:srgbClr val="FFFFFF"/>
-                  </a:solidFill>
-                </a14:hiddenFill>
-              </a:ext>
-            </a:extLst>
-          </p:spPr>
-        </p:pic>
-        <p:sp>
-          <p:nvSpPr>
-            <p:cNvPr id="17" name="Rectangle 16">
-              <a:extLst>
-                <a:ext uri="{FF2B5EF4-FFF2-40B4-BE49-F238E27FC236}">
-                  <a16:creationId xmlns:a16="http://schemas.microsoft.com/office/drawing/2014/main" id="{0B6240BF-E42B-787D-8CCC-0DBA482B7B95}"/>
-                </a:ext>
-              </a:extLst>
-            </p:cNvPr>
-            <p:cNvSpPr/>
-            <p:nvPr/>
-          </p:nvSpPr>
-          <p:spPr>
-            <a:xfrm>
-              <a:off x="1495693" y="4521200"/>
-              <a:ext cx="1797840" cy="254001"/>
-            </a:xfrm>
-            <a:prstGeom prst="rect">
-              <a:avLst/>
-            </a:prstGeom>
-            <a:solidFill>
-              <a:schemeClr val="bg1"/>
-            </a:solidFill>
-            <a:ln>
-              <a:solidFill>
-                <a:schemeClr val="bg1"/>
-              </a:solidFill>
-            </a:ln>
-          </p:spPr>
-          <p:style>
-            <a:lnRef idx="2">
-              <a:schemeClr val="accent1">
-                <a:shade val="15000"/>
-              </a:schemeClr>
-            </a:lnRef>
-            <a:fillRef idx="1">
-              <a:schemeClr val="accent1"/>
-            </a:fillRef>
-            <a:effectRef idx="0">
-              <a:schemeClr val="accent1"/>
-            </a:effectRef>
-            <a:fontRef idx="minor">
-              <a:schemeClr val="lt1"/>
-            </a:fontRef>
-          </p:style>
-          <p:txBody>
-            <a:bodyPr rtlCol="0" anchor="ctr"/>
-            <a:lstStyle/>
-            <a:p>
-              <a:pPr algn="ctr"/>
-              <a:endParaRPr lang="en-US"/>
-            </a:p>
-          </p:txBody>
-        </p:sp>
-      </p:grpSp>
       <p:sp>
         <p:nvSpPr>
           <p:cNvPr id="2" name="Title 1">
@@ -2521,12 +2399,14 @@
         </p:nvSpPr>
         <p:spPr>
           <a:xfrm>
-            <a:off x="838200" y="1081158"/>
+            <a:off x="838200" y="1327527"/>
             <a:ext cx="10515600" cy="670152"/>
           </a:xfrm>
         </p:spPr>
         <p:txBody>
-          <a:bodyPr/>
+          <a:bodyPr>
+            <a:normAutofit/>
+          </a:bodyPr>
           <a:lstStyle/>
           <a:p>
             <a:pPr>
@@ -2541,7 +2421,7 @@
               </a:spcAft>
             </a:pPr>
             <a:r>
-              <a:rPr lang="en-US" dirty="0"/>
+              <a:rPr lang="en-US" sz="2000" dirty="0"/>
               <a:t>Polymer morphology is important (but complicated) in nafion membranes</a:t>
             </a:r>
           </a:p>
@@ -2557,7 +2437,7 @@
                 <a:spcPts val="1000"/>
               </a:spcAft>
             </a:pPr>
-            <a:endParaRPr lang="en-US" dirty="0"/>
+            <a:endParaRPr lang="en-US" sz="2000" dirty="0"/>
           </a:p>
         </p:txBody>
       </p:sp>
@@ -2605,15 +2485,15 @@
           <p:nvPr/>
         </p:nvPicPr>
         <p:blipFill>
-          <a:blip r:embed="rId3"/>
+          <a:blip r:embed="rId2"/>
           <a:stretch>
             <a:fillRect/>
           </a:stretch>
         </p:blipFill>
         <p:spPr>
           <a:xfrm>
-            <a:off x="2111122" y="1800217"/>
-            <a:ext cx="2583503" cy="2105823"/>
+            <a:off x="1628461" y="1970599"/>
+            <a:ext cx="2318643" cy="1889935"/>
           </a:xfrm>
           <a:prstGeom prst="rect">
             <a:avLst/>
@@ -2634,8 +2514,8 @@
         </p:nvGrpSpPr>
         <p:grpSpPr>
           <a:xfrm>
-            <a:off x="5273163" y="1656308"/>
-            <a:ext cx="3393503" cy="2233698"/>
+            <a:off x="4267751" y="1913216"/>
+            <a:ext cx="3045602" cy="2004700"/>
             <a:chOff x="4958276" y="4175378"/>
             <a:chExt cx="3481125" cy="2291373"/>
           </a:xfrm>
@@ -2655,7 +2535,7 @@
             <p:nvPr/>
           </p:nvPicPr>
           <p:blipFill rotWithShape="1">
-            <a:blip r:embed="rId4"/>
+            <a:blip r:embed="rId3"/>
             <a:srcRect l="27794" r="29771"/>
             <a:stretch/>
           </p:blipFill>
@@ -2684,7 +2564,7 @@
             <p:nvPr/>
           </p:nvPicPr>
           <p:blipFill rotWithShape="1">
-            <a:blip r:embed="rId5"/>
+            <a:blip r:embed="rId4"/>
             <a:srcRect l="29673" r="23474" b="26968"/>
             <a:stretch/>
           </p:blipFill>
@@ -2713,8 +2593,8 @@
         </p:nvSpPr>
         <p:spPr>
           <a:xfrm>
-            <a:off x="2550624" y="3975229"/>
-            <a:ext cx="1627323" cy="369332"/>
+            <a:off x="1856357" y="3886120"/>
+            <a:ext cx="1627323" cy="338554"/>
           </a:xfrm>
           <a:prstGeom prst="rect">
             <a:avLst/>
@@ -2729,7 +2609,7 @@
           <a:p>
             <a:pPr algn="ctr"/>
             <a:r>
-              <a:rPr lang="en-US" i="1" dirty="0"/>
+              <a:rPr lang="en-US" sz="1600" i="1" dirty="0"/>
               <a:t>Experiment</a:t>
             </a:r>
           </a:p>
@@ -2749,8 +2629,8 @@
         </p:nvSpPr>
         <p:spPr>
           <a:xfrm>
-            <a:off x="6208781" y="3975229"/>
-            <a:ext cx="1627323" cy="369332"/>
+            <a:off x="4918197" y="3886120"/>
+            <a:ext cx="1627323" cy="338554"/>
           </a:xfrm>
           <a:prstGeom prst="rect">
             <a:avLst/>
@@ -2765,7 +2645,7 @@
           <a:p>
             <a:pPr algn="ctr"/>
             <a:r>
-              <a:rPr lang="en-US" i="1" dirty="0"/>
+              <a:rPr lang="en-US" sz="1600" i="1" dirty="0"/>
               <a:t>Theory</a:t>
             </a:r>
           </a:p>
@@ -2787,8 +2667,8 @@
         </p:nvSpPr>
         <p:spPr>
           <a:xfrm>
-            <a:off x="838200" y="4654607"/>
-            <a:ext cx="6538993" cy="1287432"/>
+            <a:off x="838200" y="4547437"/>
+            <a:ext cx="5830037" cy="1287432"/>
           </a:xfrm>
           <a:prstGeom prst="rect">
             <a:avLst/>
@@ -2987,8 +2867,8 @@
               </a:spcAft>
             </a:pPr>
             <a:r>
-              <a:rPr lang="en-US" dirty="0"/>
-              <a:t>Self-consistent field theory can provide nafion microstructure under coupled physics</a:t>
+              <a:rPr lang="en-US" sz="2000" dirty="0"/>
+              <a:t>Self-consistent field theory (SCFT) can provide nafion microstructure under coupled physics</a:t>
             </a:r>
           </a:p>
           <a:p>
@@ -3001,12 +2881,72 @@
               </a:spcAft>
             </a:pPr>
             <a:r>
-              <a:rPr lang="en-US" sz="2400" dirty="0"/>
+              <a:rPr lang="en-US" dirty="0"/>
               <a:t>Elasticity vs. charge vs. hydrophobicity</a:t>
             </a:r>
           </a:p>
         </p:txBody>
       </p:sp>
+      <p:pic>
+        <p:nvPicPr>
+          <p:cNvPr id="6" name="Picture 5">
+            <a:extLst>
+              <a:ext uri="{FF2B5EF4-FFF2-40B4-BE49-F238E27FC236}">
+                <a16:creationId xmlns:a16="http://schemas.microsoft.com/office/drawing/2014/main" id="{29F0D41C-F55D-65E9-5E47-0C888AD8826A}"/>
+              </a:ext>
+            </a:extLst>
+          </p:cNvPr>
+          <p:cNvPicPr>
+            <a:picLocks noChangeAspect="1"/>
+          </p:cNvPicPr>
+          <p:nvPr/>
+        </p:nvPicPr>
+        <p:blipFill>
+          <a:blip r:embed="rId5"/>
+          <a:stretch>
+            <a:fillRect/>
+          </a:stretch>
+        </p:blipFill>
+        <p:spPr>
+          <a:xfrm>
+            <a:off x="7153410" y="4353397"/>
+            <a:ext cx="2914380" cy="1900038"/>
+          </a:xfrm>
+          <a:prstGeom prst="rect">
+            <a:avLst/>
+          </a:prstGeom>
+        </p:spPr>
+      </p:pic>
+      <p:pic>
+        <p:nvPicPr>
+          <p:cNvPr id="8" name="Picture 7">
+            <a:extLst>
+              <a:ext uri="{FF2B5EF4-FFF2-40B4-BE49-F238E27FC236}">
+                <a16:creationId xmlns:a16="http://schemas.microsoft.com/office/drawing/2014/main" id="{FD6E0AED-0EB6-A502-C0BE-E14BAD5AA595}"/>
+              </a:ext>
+            </a:extLst>
+          </p:cNvPr>
+          <p:cNvPicPr>
+            <a:picLocks noChangeAspect="1"/>
+          </p:cNvPicPr>
+          <p:nvPr/>
+        </p:nvPicPr>
+        <p:blipFill>
+          <a:blip r:embed="rId6"/>
+          <a:stretch>
+            <a:fillRect/>
+          </a:stretch>
+        </p:blipFill>
+        <p:spPr>
+          <a:xfrm>
+            <a:off x="10688429" y="4704228"/>
+            <a:ext cx="1105637" cy="1238485"/>
+          </a:xfrm>
+          <a:prstGeom prst="rect">
+            <a:avLst/>
+          </a:prstGeom>
+        </p:spPr>
+      </p:pic>
     </p:spTree>
     <p:extLst>
       <p:ext uri="{BB962C8B-B14F-4D97-AF65-F5344CB8AC3E}">

--- a/20241001 NAF Update.pptx
+++ b/20241001 NAF Update.pptx
@@ -5,15 +5,16 @@
     <p:sldMasterId id="2147483648" r:id="rId1"/>
   </p:sldMasterIdLst>
   <p:notesMasterIdLst>
-    <p:notesMasterId r:id="rId8"/>
+    <p:notesMasterId r:id="rId9"/>
   </p:notesMasterIdLst>
   <p:sldIdLst>
     <p:sldId id="256" r:id="rId2"/>
     <p:sldId id="259" r:id="rId3"/>
     <p:sldId id="263" r:id="rId4"/>
-    <p:sldId id="257" r:id="rId5"/>
-    <p:sldId id="260" r:id="rId6"/>
-    <p:sldId id="262" r:id="rId7"/>
+    <p:sldId id="264" r:id="rId5"/>
+    <p:sldId id="257" r:id="rId6"/>
+    <p:sldId id="260" r:id="rId7"/>
+    <p:sldId id="262" r:id="rId8"/>
   </p:sldIdLst>
   <p:sldSz cx="12192000" cy="6858000"/>
   <p:notesSz cx="6858000" cy="9144000"/>
@@ -2991,8 +2992,8 @@
         </p:nvGrpSpPr>
         <p:grpSpPr>
           <a:xfrm>
-            <a:off x="6980491" y="1081158"/>
-            <a:ext cx="5085181" cy="3174071"/>
+            <a:off x="8040942" y="4162198"/>
+            <a:ext cx="3761591" cy="2347912"/>
             <a:chOff x="1023877" y="4521200"/>
             <a:chExt cx="3525073" cy="2200287"/>
           </a:xfrm>
@@ -3145,12 +3146,14 @@
         </p:nvSpPr>
         <p:spPr>
           <a:xfrm>
-            <a:off x="853698" y="1474253"/>
-            <a:ext cx="5940813" cy="2483452"/>
+            <a:off x="863869" y="1336657"/>
+            <a:ext cx="6728340" cy="2623614"/>
           </a:xfrm>
         </p:spPr>
         <p:txBody>
-          <a:bodyPr/>
+          <a:bodyPr>
+            <a:normAutofit/>
+          </a:bodyPr>
           <a:lstStyle/>
           <a:p>
             <a:pPr>
@@ -3165,8 +3168,12 @@
               </a:spcAft>
             </a:pPr>
             <a:r>
-              <a:rPr lang="en-US" dirty="0"/>
-              <a:t>Polymer: Nafion sidechains only</a:t>
+              <a:rPr lang="en-US" sz="2000" i="1" dirty="0" err="1"/>
+              <a:t>Subvolume</a:t>
+            </a:r>
+            <a:r>
+              <a:rPr lang="en-US" sz="2000" dirty="0"/>
+              <a:t>: Water-rich layer adj. to electrode</a:t>
             </a:r>
           </a:p>
           <a:p>
@@ -3182,8 +3189,12 @@
               </a:spcAft>
             </a:pPr>
             <a:r>
-              <a:rPr lang="en-US" dirty="0"/>
-              <a:t>Solvent: Explicit, water</a:t>
+              <a:rPr lang="en-US" sz="2000" i="1" dirty="0"/>
+              <a:t>Polymer</a:t>
+            </a:r>
+            <a:r>
+              <a:rPr lang="en-US" sz="2000" dirty="0"/>
+              <a:t>: Nafion sidechains only</a:t>
             </a:r>
           </a:p>
           <a:p>
@@ -3199,8 +3210,12 @@
               </a:spcAft>
             </a:pPr>
             <a:r>
-              <a:rPr lang="en-US" dirty="0"/>
-              <a:t>Ions: Salt solution</a:t>
+              <a:rPr lang="en-US" sz="2000" i="1" dirty="0"/>
+              <a:t>Solvent</a:t>
+            </a:r>
+            <a:r>
+              <a:rPr lang="en-US" sz="2000" dirty="0"/>
+              <a:t>: Explicit, water</a:t>
             </a:r>
           </a:p>
           <a:p>
@@ -3216,8 +3231,33 @@
               </a:spcAft>
             </a:pPr>
             <a:r>
-              <a:rPr lang="en-US" dirty="0"/>
-              <a:t>Charge: Surface, sidechain sulfonates (−), salt cation (+), salt anion (−)</a:t>
+              <a:rPr lang="en-US" sz="2000" i="1" dirty="0"/>
+              <a:t>Ions</a:t>
+            </a:r>
+            <a:r>
+              <a:rPr lang="en-US" sz="2000" dirty="0"/>
+              <a:t>: Salt solution</a:t>
+            </a:r>
+          </a:p>
+          <a:p>
+            <a:pPr>
+              <a:lnSpc>
+                <a:spcPct val="100000"/>
+              </a:lnSpc>
+              <a:spcBef>
+                <a:spcPts val="0"/>
+              </a:spcBef>
+              <a:spcAft>
+                <a:spcPts val="1000"/>
+              </a:spcAft>
+            </a:pPr>
+            <a:r>
+              <a:rPr lang="en-US" sz="2000" i="1" dirty="0"/>
+              <a:t>Charged species</a:t>
+            </a:r>
+            <a:r>
+              <a:rPr lang="en-US" sz="2000" dirty="0"/>
+              <a:t>: Surface (+/−), sidechain sulfonates (−), salt cation (+), salt anion (−)</a:t>
             </a:r>
           </a:p>
         </p:txBody>
@@ -3248,6 +3288,298 @@
               <a:t>3</a:t>
             </a:fld>
             <a:endParaRPr lang="en-US"/>
+          </a:p>
+        </p:txBody>
+      </p:sp>
+      <p:pic>
+        <p:nvPicPr>
+          <p:cNvPr id="11" name="Picture 10">
+            <a:extLst>
+              <a:ext uri="{FF2B5EF4-FFF2-40B4-BE49-F238E27FC236}">
+                <a16:creationId xmlns:a16="http://schemas.microsoft.com/office/drawing/2014/main" id="{94E8237A-C3F4-C740-9745-C629034934EB}"/>
+              </a:ext>
+            </a:extLst>
+          </p:cNvPr>
+          <p:cNvPicPr>
+            <a:picLocks noChangeAspect="1"/>
+          </p:cNvPicPr>
+          <p:nvPr/>
+        </p:nvPicPr>
+        <p:blipFill>
+          <a:blip r:embed="rId3"/>
+          <a:stretch>
+            <a:fillRect/>
+          </a:stretch>
+        </p:blipFill>
+        <p:spPr>
+          <a:xfrm>
+            <a:off x="8108676" y="1132395"/>
+            <a:ext cx="2743200" cy="3029803"/>
+          </a:xfrm>
+          <a:prstGeom prst="rect">
+            <a:avLst/>
+          </a:prstGeom>
+        </p:spPr>
+      </p:pic>
+      <p:sp>
+        <p:nvSpPr>
+          <p:cNvPr id="12" name="Content Placeholder 2">
+            <a:extLst>
+              <a:ext uri="{FF2B5EF4-FFF2-40B4-BE49-F238E27FC236}">
+                <a16:creationId xmlns:a16="http://schemas.microsoft.com/office/drawing/2014/main" id="{8B7EB487-8E93-0F9A-6AE4-B82FC9A69620}"/>
+              </a:ext>
+            </a:extLst>
+          </p:cNvPr>
+          <p:cNvSpPr txBox="1">
+            <a:spLocks/>
+          </p:cNvSpPr>
+          <p:nvPr/>
+        </p:nvSpPr>
+        <p:spPr>
+          <a:xfrm>
+            <a:off x="863870" y="4352183"/>
+            <a:ext cx="6375130" cy="2277217"/>
+          </a:xfrm>
+          <a:prstGeom prst="rect">
+            <a:avLst/>
+          </a:prstGeom>
+        </p:spPr>
+        <p:txBody>
+          <a:bodyPr vert="horz" lIns="91440" tIns="45720" rIns="91440" bIns="45720" rtlCol="0">
+            <a:normAutofit/>
+          </a:bodyPr>
+          <a:lstStyle>
+            <a:lvl1pPr marL="228600" indent="-228600" algn="l" defTabSz="914400" rtl="0" eaLnBrk="1" latinLnBrk="0" hangingPunct="1">
+              <a:lnSpc>
+                <a:spcPct val="100000"/>
+              </a:lnSpc>
+              <a:spcBef>
+                <a:spcPts val="1000"/>
+              </a:spcBef>
+              <a:spcAft>
+                <a:spcPts val="1200"/>
+              </a:spcAft>
+              <a:buFont typeface="Arial" panose="020B0604020202020204" pitchFamily="34" charset="0"/>
+              <a:buChar char="•"/>
+              <a:defRPr sz="2400" kern="1200">
+                <a:solidFill>
+                  <a:schemeClr val="tx1"/>
+                </a:solidFill>
+                <a:latin typeface="Lucida Grande" pitchFamily="2" charset="0"/>
+                <a:ea typeface="Lucida Grande" pitchFamily="2" charset="0"/>
+                <a:cs typeface="Lucida Grande" pitchFamily="2" charset="0"/>
+              </a:defRPr>
+            </a:lvl1pPr>
+            <a:lvl2pPr marL="685800" indent="-228600" algn="l" defTabSz="914400" rtl="0" eaLnBrk="1" latinLnBrk="0" hangingPunct="1">
+              <a:lnSpc>
+                <a:spcPct val="100000"/>
+              </a:lnSpc>
+              <a:spcBef>
+                <a:spcPts val="500"/>
+              </a:spcBef>
+              <a:spcAft>
+                <a:spcPts val="1200"/>
+              </a:spcAft>
+              <a:buFont typeface="Arial" panose="020B0604020202020204" pitchFamily="34" charset="0"/>
+              <a:buChar char="•"/>
+              <a:defRPr sz="2000" kern="1200">
+                <a:solidFill>
+                  <a:schemeClr val="tx1"/>
+                </a:solidFill>
+                <a:latin typeface="Lucida Grande" pitchFamily="2" charset="0"/>
+                <a:ea typeface="Lucida Grande" pitchFamily="2" charset="0"/>
+                <a:cs typeface="Lucida Grande" pitchFamily="2" charset="0"/>
+              </a:defRPr>
+            </a:lvl2pPr>
+            <a:lvl3pPr marL="1143000" indent="-228600" algn="l" defTabSz="914400" rtl="0" eaLnBrk="1" latinLnBrk="0" hangingPunct="1">
+              <a:lnSpc>
+                <a:spcPct val="100000"/>
+              </a:lnSpc>
+              <a:spcBef>
+                <a:spcPts val="500"/>
+              </a:spcBef>
+              <a:spcAft>
+                <a:spcPts val="1200"/>
+              </a:spcAft>
+              <a:buFont typeface="Arial" panose="020B0604020202020204" pitchFamily="34" charset="0"/>
+              <a:buChar char="•"/>
+              <a:defRPr sz="1800" kern="1200">
+                <a:solidFill>
+                  <a:schemeClr val="tx1"/>
+                </a:solidFill>
+                <a:latin typeface="Lucida Grande" pitchFamily="2" charset="0"/>
+                <a:ea typeface="Lucida Grande" pitchFamily="2" charset="0"/>
+                <a:cs typeface="Lucida Grande" pitchFamily="2" charset="0"/>
+              </a:defRPr>
+            </a:lvl3pPr>
+            <a:lvl4pPr marL="1600200" indent="-228600" algn="l" defTabSz="914400" rtl="0" eaLnBrk="1" latinLnBrk="0" hangingPunct="1">
+              <a:lnSpc>
+                <a:spcPct val="100000"/>
+              </a:lnSpc>
+              <a:spcBef>
+                <a:spcPts val="500"/>
+              </a:spcBef>
+              <a:spcAft>
+                <a:spcPts val="1200"/>
+              </a:spcAft>
+              <a:buFont typeface="Arial" panose="020B0604020202020204" pitchFamily="34" charset="0"/>
+              <a:buChar char="•"/>
+              <a:defRPr sz="1600" kern="1200">
+                <a:solidFill>
+                  <a:schemeClr val="tx1"/>
+                </a:solidFill>
+                <a:latin typeface="Lucida Grande" pitchFamily="2" charset="0"/>
+                <a:ea typeface="Lucida Grande" pitchFamily="2" charset="0"/>
+                <a:cs typeface="Lucida Grande" pitchFamily="2" charset="0"/>
+              </a:defRPr>
+            </a:lvl4pPr>
+            <a:lvl5pPr marL="2057400" indent="-228600" algn="l" defTabSz="914400" rtl="0" eaLnBrk="1" latinLnBrk="0" hangingPunct="1">
+              <a:lnSpc>
+                <a:spcPct val="100000"/>
+              </a:lnSpc>
+              <a:spcBef>
+                <a:spcPts val="500"/>
+              </a:spcBef>
+              <a:spcAft>
+                <a:spcPts val="1200"/>
+              </a:spcAft>
+              <a:buFont typeface="Arial" panose="020B0604020202020204" pitchFamily="34" charset="0"/>
+              <a:buChar char="•"/>
+              <a:defRPr sz="1600" kern="1200">
+                <a:solidFill>
+                  <a:schemeClr val="tx1"/>
+                </a:solidFill>
+                <a:latin typeface="Lucida Grande" pitchFamily="2" charset="0"/>
+                <a:ea typeface="Lucida Grande" pitchFamily="2" charset="0"/>
+                <a:cs typeface="Lucida Grande" pitchFamily="2" charset="0"/>
+              </a:defRPr>
+            </a:lvl5pPr>
+            <a:lvl6pPr marL="2514600" indent="-228600" algn="l" defTabSz="914400" rtl="0" eaLnBrk="1" latinLnBrk="0" hangingPunct="1">
+              <a:lnSpc>
+                <a:spcPct val="90000"/>
+              </a:lnSpc>
+              <a:spcBef>
+                <a:spcPts val="500"/>
+              </a:spcBef>
+              <a:buFont typeface="Arial" panose="020B0604020202020204" pitchFamily="34" charset="0"/>
+              <a:buChar char="•"/>
+              <a:defRPr sz="1800" kern="1200">
+                <a:solidFill>
+                  <a:schemeClr val="tx1"/>
+                </a:solidFill>
+                <a:latin typeface="+mn-lt"/>
+                <a:ea typeface="+mn-ea"/>
+                <a:cs typeface="+mn-cs"/>
+              </a:defRPr>
+            </a:lvl6pPr>
+            <a:lvl7pPr marL="2971800" indent="-228600" algn="l" defTabSz="914400" rtl="0" eaLnBrk="1" latinLnBrk="0" hangingPunct="1">
+              <a:lnSpc>
+                <a:spcPct val="90000"/>
+              </a:lnSpc>
+              <a:spcBef>
+                <a:spcPts val="500"/>
+              </a:spcBef>
+              <a:buFont typeface="Arial" panose="020B0604020202020204" pitchFamily="34" charset="0"/>
+              <a:buChar char="•"/>
+              <a:defRPr sz="1800" kern="1200">
+                <a:solidFill>
+                  <a:schemeClr val="tx1"/>
+                </a:solidFill>
+                <a:latin typeface="+mn-lt"/>
+                <a:ea typeface="+mn-ea"/>
+                <a:cs typeface="+mn-cs"/>
+              </a:defRPr>
+            </a:lvl7pPr>
+            <a:lvl8pPr marL="3429000" indent="-228600" algn="l" defTabSz="914400" rtl="0" eaLnBrk="1" latinLnBrk="0" hangingPunct="1">
+              <a:lnSpc>
+                <a:spcPct val="90000"/>
+              </a:lnSpc>
+              <a:spcBef>
+                <a:spcPts val="500"/>
+              </a:spcBef>
+              <a:buFont typeface="Arial" panose="020B0604020202020204" pitchFamily="34" charset="0"/>
+              <a:buChar char="•"/>
+              <a:defRPr sz="1800" kern="1200">
+                <a:solidFill>
+                  <a:schemeClr val="tx1"/>
+                </a:solidFill>
+                <a:latin typeface="+mn-lt"/>
+                <a:ea typeface="+mn-ea"/>
+                <a:cs typeface="+mn-cs"/>
+              </a:defRPr>
+            </a:lvl8pPr>
+            <a:lvl9pPr marL="3886200" indent="-228600" algn="l" defTabSz="914400" rtl="0" eaLnBrk="1" latinLnBrk="0" hangingPunct="1">
+              <a:lnSpc>
+                <a:spcPct val="90000"/>
+              </a:lnSpc>
+              <a:spcBef>
+                <a:spcPts val="500"/>
+              </a:spcBef>
+              <a:buFont typeface="Arial" panose="020B0604020202020204" pitchFamily="34" charset="0"/>
+              <a:buChar char="•"/>
+              <a:defRPr sz="1800" kern="1200">
+                <a:solidFill>
+                  <a:schemeClr val="tx1"/>
+                </a:solidFill>
+                <a:latin typeface="+mn-lt"/>
+                <a:ea typeface="+mn-ea"/>
+                <a:cs typeface="+mn-cs"/>
+              </a:defRPr>
+            </a:lvl9pPr>
+          </a:lstStyle>
+          <a:p>
+            <a:pPr marL="0" indent="0">
+              <a:spcBef>
+                <a:spcPts val="0"/>
+              </a:spcBef>
+              <a:spcAft>
+                <a:spcPts val="1000"/>
+              </a:spcAft>
+              <a:buNone/>
+            </a:pPr>
+            <a:r>
+              <a:rPr lang="en-US" sz="2000" dirty="0"/>
+              <a:t>Takeaways</a:t>
+            </a:r>
+          </a:p>
+          <a:p>
+            <a:pPr>
+              <a:spcBef>
+                <a:spcPts val="0"/>
+              </a:spcBef>
+              <a:spcAft>
+                <a:spcPts val="1000"/>
+              </a:spcAft>
+            </a:pPr>
+            <a:r>
+              <a:rPr lang="en-US" sz="2000" dirty="0"/>
+              <a:t>As surface charge becomes more positive, distribution of sulfonates shifts</a:t>
+            </a:r>
+          </a:p>
+          <a:p>
+            <a:pPr>
+              <a:spcBef>
+                <a:spcPts val="0"/>
+              </a:spcBef>
+              <a:spcAft>
+                <a:spcPts val="1000"/>
+              </a:spcAft>
+            </a:pPr>
+            <a:r>
+              <a:rPr lang="en-US" sz="2000" dirty="0"/>
+              <a:t>Proton concentration not as affected (see next slide)</a:t>
+            </a:r>
+          </a:p>
+          <a:p>
+            <a:pPr>
+              <a:spcBef>
+                <a:spcPts val="0"/>
+              </a:spcBef>
+              <a:spcAft>
+                <a:spcPts val="1000"/>
+              </a:spcAft>
+            </a:pPr>
+            <a:endParaRPr lang="en-US" sz="2000" dirty="0"/>
           </a:p>
         </p:txBody>
       </p:sp>
@@ -3286,6 +3618,2966 @@
           <p:cNvPr id="2" name="Title 1">
             <a:extLst>
               <a:ext uri="{FF2B5EF4-FFF2-40B4-BE49-F238E27FC236}">
+                <a16:creationId xmlns:a16="http://schemas.microsoft.com/office/drawing/2014/main" id="{94DF7F7F-A503-44AD-7BFC-CE768444B8CF}"/>
+              </a:ext>
+            </a:extLst>
+          </p:cNvPr>
+          <p:cNvSpPr>
+            <a:spLocks noGrp="1"/>
+          </p:cNvSpPr>
+          <p:nvPr>
+            <p:ph type="title"/>
+          </p:nvPr>
+        </p:nvSpPr>
+        <p:spPr/>
+        <p:txBody>
+          <a:bodyPr/>
+          <a:lstStyle/>
+          <a:p>
+            <a:r>
+              <a:rPr lang="en-US" dirty="0"/>
+              <a:t>This time: Model</a:t>
+            </a:r>
+          </a:p>
+        </p:txBody>
+      </p:sp>
+      <p:sp>
+        <p:nvSpPr>
+          <p:cNvPr id="3" name="Content Placeholder 2">
+            <a:extLst>
+              <a:ext uri="{FF2B5EF4-FFF2-40B4-BE49-F238E27FC236}">
+                <a16:creationId xmlns:a16="http://schemas.microsoft.com/office/drawing/2014/main" id="{40B6BB3A-7714-E155-B1A4-E0B7A130C5B5}"/>
+              </a:ext>
+            </a:extLst>
+          </p:cNvPr>
+          <p:cNvSpPr>
+            <a:spLocks noGrp="1"/>
+          </p:cNvSpPr>
+          <p:nvPr>
+            <p:ph idx="1"/>
+          </p:nvPr>
+        </p:nvSpPr>
+        <p:spPr>
+          <a:xfrm>
+            <a:off x="863869" y="1530546"/>
+            <a:ext cx="5911168" cy="2623614"/>
+          </a:xfrm>
+        </p:spPr>
+        <p:txBody>
+          <a:bodyPr>
+            <a:normAutofit/>
+          </a:bodyPr>
+          <a:lstStyle/>
+          <a:p>
+            <a:pPr>
+              <a:lnSpc>
+                <a:spcPct val="100000"/>
+              </a:lnSpc>
+              <a:spcBef>
+                <a:spcPts val="0"/>
+              </a:spcBef>
+              <a:spcAft>
+                <a:spcPts val="1000"/>
+              </a:spcAft>
+            </a:pPr>
+            <a:r>
+              <a:rPr lang="en-US" sz="2000" i="1" dirty="0" err="1"/>
+              <a:t>Subvolume</a:t>
+            </a:r>
+            <a:r>
+              <a:rPr lang="en-US" sz="2000" dirty="0"/>
+              <a:t>: </a:t>
+            </a:r>
+            <a:r>
+              <a:rPr lang="en-US" sz="2000" dirty="0">
+                <a:solidFill>
+                  <a:schemeClr val="accent6"/>
+                </a:solidFill>
+              </a:rPr>
+              <a:t>Bulk PEM </a:t>
+            </a:r>
+            <a:r>
+              <a:rPr lang="en-US" sz="2000" dirty="0"/>
+              <a:t>+ water-rich layer</a:t>
+            </a:r>
+          </a:p>
+          <a:p>
+            <a:pPr>
+              <a:lnSpc>
+                <a:spcPct val="100000"/>
+              </a:lnSpc>
+              <a:spcBef>
+                <a:spcPts val="0"/>
+              </a:spcBef>
+              <a:spcAft>
+                <a:spcPts val="1000"/>
+              </a:spcAft>
+            </a:pPr>
+            <a:r>
+              <a:rPr lang="en-US" sz="2000" i="1" dirty="0"/>
+              <a:t>Polymer</a:t>
+            </a:r>
+            <a:r>
+              <a:rPr lang="en-US" sz="2000" dirty="0"/>
+              <a:t>: </a:t>
+            </a:r>
+            <a:r>
+              <a:rPr lang="en-US" sz="2000" dirty="0">
+                <a:solidFill>
+                  <a:schemeClr val="accent6"/>
+                </a:solidFill>
+              </a:rPr>
+              <a:t>Const. PEM density </a:t>
+            </a:r>
+            <a:r>
+              <a:rPr lang="en-US" sz="2000" dirty="0"/>
+              <a:t>+ sidechains</a:t>
+            </a:r>
+          </a:p>
+          <a:p>
+            <a:pPr>
+              <a:lnSpc>
+                <a:spcPct val="100000"/>
+              </a:lnSpc>
+              <a:spcBef>
+                <a:spcPts val="0"/>
+              </a:spcBef>
+              <a:spcAft>
+                <a:spcPts val="1000"/>
+              </a:spcAft>
+            </a:pPr>
+            <a:r>
+              <a:rPr lang="en-US" sz="2000" i="1" dirty="0"/>
+              <a:t>Solvent</a:t>
+            </a:r>
+            <a:r>
+              <a:rPr lang="en-US" sz="2000" dirty="0"/>
+              <a:t>: Explicit, water</a:t>
+            </a:r>
+          </a:p>
+          <a:p>
+            <a:pPr>
+              <a:lnSpc>
+                <a:spcPct val="100000"/>
+              </a:lnSpc>
+              <a:spcBef>
+                <a:spcPts val="0"/>
+              </a:spcBef>
+              <a:spcAft>
+                <a:spcPts val="1000"/>
+              </a:spcAft>
+            </a:pPr>
+            <a:r>
+              <a:rPr lang="en-US" sz="2000" i="1" dirty="0"/>
+              <a:t>Ions</a:t>
+            </a:r>
+            <a:r>
+              <a:rPr lang="en-US" sz="2000" dirty="0"/>
+              <a:t>: </a:t>
+            </a:r>
+            <a:r>
+              <a:rPr lang="en-US" sz="2000" dirty="0">
+                <a:solidFill>
+                  <a:schemeClr val="accent6"/>
+                </a:solidFill>
+              </a:rPr>
+              <a:t>Sulfonate counterions</a:t>
+            </a:r>
+          </a:p>
+          <a:p>
+            <a:pPr>
+              <a:lnSpc>
+                <a:spcPct val="100000"/>
+              </a:lnSpc>
+              <a:spcBef>
+                <a:spcPts val="0"/>
+              </a:spcBef>
+              <a:spcAft>
+                <a:spcPts val="1000"/>
+              </a:spcAft>
+            </a:pPr>
+            <a:r>
+              <a:rPr lang="en-US" sz="2000" i="1" dirty="0"/>
+              <a:t>Charged species</a:t>
+            </a:r>
+            <a:r>
+              <a:rPr lang="en-US" sz="2000" dirty="0"/>
+              <a:t>: Surface (+/−), </a:t>
+            </a:r>
+            <a:br>
+              <a:rPr lang="en-US" sz="2000" dirty="0"/>
+            </a:br>
+            <a:r>
+              <a:rPr lang="en-US" sz="2000" dirty="0"/>
+              <a:t>sidechain sulfonates (−), </a:t>
+            </a:r>
+            <a:r>
+              <a:rPr lang="en-US" sz="2000" dirty="0">
+                <a:solidFill>
+                  <a:schemeClr val="accent6"/>
+                </a:solidFill>
+              </a:rPr>
+              <a:t>counterion (+)</a:t>
+            </a:r>
+          </a:p>
+        </p:txBody>
+      </p:sp>
+      <p:sp>
+        <p:nvSpPr>
+          <p:cNvPr id="4" name="Slide Number Placeholder 3">
+            <a:extLst>
+              <a:ext uri="{FF2B5EF4-FFF2-40B4-BE49-F238E27FC236}">
+                <a16:creationId xmlns:a16="http://schemas.microsoft.com/office/drawing/2014/main" id="{69844F62-6D7E-F6FB-0737-5BB93BFC0145}"/>
+              </a:ext>
+            </a:extLst>
+          </p:cNvPr>
+          <p:cNvSpPr>
+            <a:spLocks noGrp="1"/>
+          </p:cNvSpPr>
+          <p:nvPr>
+            <p:ph type="sldNum" sz="quarter" idx="12"/>
+          </p:nvPr>
+        </p:nvSpPr>
+        <p:spPr/>
+        <p:txBody>
+          <a:bodyPr/>
+          <a:lstStyle/>
+          <a:p>
+            <a:fld id="{5911C0E6-D9CE-431C-92CB-BB39B872F930}" type="slidenum">
+              <a:rPr lang="en-US" smtClean="0"/>
+              <a:t>4</a:t>
+            </a:fld>
+            <a:endParaRPr lang="en-US"/>
+          </a:p>
+        </p:txBody>
+      </p:sp>
+      <p:sp>
+        <p:nvSpPr>
+          <p:cNvPr id="12" name="Content Placeholder 2">
+            <a:extLst>
+              <a:ext uri="{FF2B5EF4-FFF2-40B4-BE49-F238E27FC236}">
+                <a16:creationId xmlns:a16="http://schemas.microsoft.com/office/drawing/2014/main" id="{8B7EB487-8E93-0F9A-6AE4-B82FC9A69620}"/>
+              </a:ext>
+            </a:extLst>
+          </p:cNvPr>
+          <p:cNvSpPr txBox="1">
+            <a:spLocks/>
+          </p:cNvSpPr>
+          <p:nvPr/>
+        </p:nvSpPr>
+        <p:spPr>
+          <a:xfrm>
+            <a:off x="863869" y="4443592"/>
+            <a:ext cx="8795014" cy="2084396"/>
+          </a:xfrm>
+          <a:prstGeom prst="rect">
+            <a:avLst/>
+          </a:prstGeom>
+        </p:spPr>
+        <p:txBody>
+          <a:bodyPr vert="horz" lIns="91440" tIns="45720" rIns="91440" bIns="45720" rtlCol="0">
+            <a:normAutofit/>
+          </a:bodyPr>
+          <a:lstStyle>
+            <a:lvl1pPr marL="228600" indent="-228600" algn="l" defTabSz="914400" rtl="0" eaLnBrk="1" latinLnBrk="0" hangingPunct="1">
+              <a:lnSpc>
+                <a:spcPct val="100000"/>
+              </a:lnSpc>
+              <a:spcBef>
+                <a:spcPts val="1000"/>
+              </a:spcBef>
+              <a:spcAft>
+                <a:spcPts val="1200"/>
+              </a:spcAft>
+              <a:buFont typeface="Arial" panose="020B0604020202020204" pitchFamily="34" charset="0"/>
+              <a:buChar char="•"/>
+              <a:defRPr sz="2400" kern="1200">
+                <a:solidFill>
+                  <a:schemeClr val="tx1"/>
+                </a:solidFill>
+                <a:latin typeface="Lucida Grande" pitchFamily="2" charset="0"/>
+                <a:ea typeface="Lucida Grande" pitchFamily="2" charset="0"/>
+                <a:cs typeface="Lucida Grande" pitchFamily="2" charset="0"/>
+              </a:defRPr>
+            </a:lvl1pPr>
+            <a:lvl2pPr marL="685800" indent="-228600" algn="l" defTabSz="914400" rtl="0" eaLnBrk="1" latinLnBrk="0" hangingPunct="1">
+              <a:lnSpc>
+                <a:spcPct val="100000"/>
+              </a:lnSpc>
+              <a:spcBef>
+                <a:spcPts val="500"/>
+              </a:spcBef>
+              <a:spcAft>
+                <a:spcPts val="1200"/>
+              </a:spcAft>
+              <a:buFont typeface="Arial" panose="020B0604020202020204" pitchFamily="34" charset="0"/>
+              <a:buChar char="•"/>
+              <a:defRPr sz="2000" kern="1200">
+                <a:solidFill>
+                  <a:schemeClr val="tx1"/>
+                </a:solidFill>
+                <a:latin typeface="Lucida Grande" pitchFamily="2" charset="0"/>
+                <a:ea typeface="Lucida Grande" pitchFamily="2" charset="0"/>
+                <a:cs typeface="Lucida Grande" pitchFamily="2" charset="0"/>
+              </a:defRPr>
+            </a:lvl2pPr>
+            <a:lvl3pPr marL="1143000" indent="-228600" algn="l" defTabSz="914400" rtl="0" eaLnBrk="1" latinLnBrk="0" hangingPunct="1">
+              <a:lnSpc>
+                <a:spcPct val="100000"/>
+              </a:lnSpc>
+              <a:spcBef>
+                <a:spcPts val="500"/>
+              </a:spcBef>
+              <a:spcAft>
+                <a:spcPts val="1200"/>
+              </a:spcAft>
+              <a:buFont typeface="Arial" panose="020B0604020202020204" pitchFamily="34" charset="0"/>
+              <a:buChar char="•"/>
+              <a:defRPr sz="1800" kern="1200">
+                <a:solidFill>
+                  <a:schemeClr val="tx1"/>
+                </a:solidFill>
+                <a:latin typeface="Lucida Grande" pitchFamily="2" charset="0"/>
+                <a:ea typeface="Lucida Grande" pitchFamily="2" charset="0"/>
+                <a:cs typeface="Lucida Grande" pitchFamily="2" charset="0"/>
+              </a:defRPr>
+            </a:lvl3pPr>
+            <a:lvl4pPr marL="1600200" indent="-228600" algn="l" defTabSz="914400" rtl="0" eaLnBrk="1" latinLnBrk="0" hangingPunct="1">
+              <a:lnSpc>
+                <a:spcPct val="100000"/>
+              </a:lnSpc>
+              <a:spcBef>
+                <a:spcPts val="500"/>
+              </a:spcBef>
+              <a:spcAft>
+                <a:spcPts val="1200"/>
+              </a:spcAft>
+              <a:buFont typeface="Arial" panose="020B0604020202020204" pitchFamily="34" charset="0"/>
+              <a:buChar char="•"/>
+              <a:defRPr sz="1600" kern="1200">
+                <a:solidFill>
+                  <a:schemeClr val="tx1"/>
+                </a:solidFill>
+                <a:latin typeface="Lucida Grande" pitchFamily="2" charset="0"/>
+                <a:ea typeface="Lucida Grande" pitchFamily="2" charset="0"/>
+                <a:cs typeface="Lucida Grande" pitchFamily="2" charset="0"/>
+              </a:defRPr>
+            </a:lvl4pPr>
+            <a:lvl5pPr marL="2057400" indent="-228600" algn="l" defTabSz="914400" rtl="0" eaLnBrk="1" latinLnBrk="0" hangingPunct="1">
+              <a:lnSpc>
+                <a:spcPct val="100000"/>
+              </a:lnSpc>
+              <a:spcBef>
+                <a:spcPts val="500"/>
+              </a:spcBef>
+              <a:spcAft>
+                <a:spcPts val="1200"/>
+              </a:spcAft>
+              <a:buFont typeface="Arial" panose="020B0604020202020204" pitchFamily="34" charset="0"/>
+              <a:buChar char="•"/>
+              <a:defRPr sz="1600" kern="1200">
+                <a:solidFill>
+                  <a:schemeClr val="tx1"/>
+                </a:solidFill>
+                <a:latin typeface="Lucida Grande" pitchFamily="2" charset="0"/>
+                <a:ea typeface="Lucida Grande" pitchFamily="2" charset="0"/>
+                <a:cs typeface="Lucida Grande" pitchFamily="2" charset="0"/>
+              </a:defRPr>
+            </a:lvl5pPr>
+            <a:lvl6pPr marL="2514600" indent="-228600" algn="l" defTabSz="914400" rtl="0" eaLnBrk="1" latinLnBrk="0" hangingPunct="1">
+              <a:lnSpc>
+                <a:spcPct val="90000"/>
+              </a:lnSpc>
+              <a:spcBef>
+                <a:spcPts val="500"/>
+              </a:spcBef>
+              <a:buFont typeface="Arial" panose="020B0604020202020204" pitchFamily="34" charset="0"/>
+              <a:buChar char="•"/>
+              <a:defRPr sz="1800" kern="1200">
+                <a:solidFill>
+                  <a:schemeClr val="tx1"/>
+                </a:solidFill>
+                <a:latin typeface="+mn-lt"/>
+                <a:ea typeface="+mn-ea"/>
+                <a:cs typeface="+mn-cs"/>
+              </a:defRPr>
+            </a:lvl6pPr>
+            <a:lvl7pPr marL="2971800" indent="-228600" algn="l" defTabSz="914400" rtl="0" eaLnBrk="1" latinLnBrk="0" hangingPunct="1">
+              <a:lnSpc>
+                <a:spcPct val="90000"/>
+              </a:lnSpc>
+              <a:spcBef>
+                <a:spcPts val="500"/>
+              </a:spcBef>
+              <a:buFont typeface="Arial" panose="020B0604020202020204" pitchFamily="34" charset="0"/>
+              <a:buChar char="•"/>
+              <a:defRPr sz="1800" kern="1200">
+                <a:solidFill>
+                  <a:schemeClr val="tx1"/>
+                </a:solidFill>
+                <a:latin typeface="+mn-lt"/>
+                <a:ea typeface="+mn-ea"/>
+                <a:cs typeface="+mn-cs"/>
+              </a:defRPr>
+            </a:lvl7pPr>
+            <a:lvl8pPr marL="3429000" indent="-228600" algn="l" defTabSz="914400" rtl="0" eaLnBrk="1" latinLnBrk="0" hangingPunct="1">
+              <a:lnSpc>
+                <a:spcPct val="90000"/>
+              </a:lnSpc>
+              <a:spcBef>
+                <a:spcPts val="500"/>
+              </a:spcBef>
+              <a:buFont typeface="Arial" panose="020B0604020202020204" pitchFamily="34" charset="0"/>
+              <a:buChar char="•"/>
+              <a:defRPr sz="1800" kern="1200">
+                <a:solidFill>
+                  <a:schemeClr val="tx1"/>
+                </a:solidFill>
+                <a:latin typeface="+mn-lt"/>
+                <a:ea typeface="+mn-ea"/>
+                <a:cs typeface="+mn-cs"/>
+              </a:defRPr>
+            </a:lvl8pPr>
+            <a:lvl9pPr marL="3886200" indent="-228600" algn="l" defTabSz="914400" rtl="0" eaLnBrk="1" latinLnBrk="0" hangingPunct="1">
+              <a:lnSpc>
+                <a:spcPct val="90000"/>
+              </a:lnSpc>
+              <a:spcBef>
+                <a:spcPts val="500"/>
+              </a:spcBef>
+              <a:buFont typeface="Arial" panose="020B0604020202020204" pitchFamily="34" charset="0"/>
+              <a:buChar char="•"/>
+              <a:defRPr sz="1800" kern="1200">
+                <a:solidFill>
+                  <a:schemeClr val="tx1"/>
+                </a:solidFill>
+                <a:latin typeface="+mn-lt"/>
+                <a:ea typeface="+mn-ea"/>
+                <a:cs typeface="+mn-cs"/>
+              </a:defRPr>
+            </a:lvl9pPr>
+          </a:lstStyle>
+          <a:p>
+            <a:pPr marL="0" indent="0">
+              <a:spcBef>
+                <a:spcPts val="0"/>
+              </a:spcBef>
+              <a:spcAft>
+                <a:spcPts val="1000"/>
+              </a:spcAft>
+              <a:buNone/>
+            </a:pPr>
+            <a:r>
+              <a:rPr lang="en-US" sz="2000" dirty="0"/>
+              <a:t>Reasons</a:t>
+            </a:r>
+          </a:p>
+          <a:p>
+            <a:pPr>
+              <a:spcBef>
+                <a:spcPts val="0"/>
+              </a:spcBef>
+              <a:spcAft>
+                <a:spcPts val="1000"/>
+              </a:spcAft>
+            </a:pPr>
+            <a:r>
+              <a:rPr lang="en-US" sz="2000" dirty="0"/>
+              <a:t>Additional bulk region needed to properly resolve proton distribution</a:t>
+            </a:r>
+          </a:p>
+          <a:p>
+            <a:pPr>
+              <a:spcBef>
+                <a:spcPts val="0"/>
+              </a:spcBef>
+              <a:spcAft>
+                <a:spcPts val="1000"/>
+              </a:spcAft>
+            </a:pPr>
+            <a:r>
+              <a:rPr lang="en-US" sz="2000" dirty="0"/>
+              <a:t>Humidity affects water layer thickness</a:t>
+            </a:r>
+          </a:p>
+        </p:txBody>
+      </p:sp>
+      <p:grpSp>
+        <p:nvGrpSpPr>
+          <p:cNvPr id="31" name="Group 30">
+            <a:extLst>
+              <a:ext uri="{FF2B5EF4-FFF2-40B4-BE49-F238E27FC236}">
+                <a16:creationId xmlns:a16="http://schemas.microsoft.com/office/drawing/2014/main" id="{E6D368C0-9F65-8155-C65D-4DD3912CEFB4}"/>
+              </a:ext>
+            </a:extLst>
+          </p:cNvPr>
+          <p:cNvGrpSpPr/>
+          <p:nvPr/>
+        </p:nvGrpSpPr>
+        <p:grpSpPr>
+          <a:xfrm>
+            <a:off x="6935275" y="1533408"/>
+            <a:ext cx="5019385" cy="3044104"/>
+            <a:chOff x="6992425" y="1652071"/>
+            <a:chExt cx="5019385" cy="3044104"/>
+          </a:xfrm>
+        </p:grpSpPr>
+        <p:grpSp>
+          <p:nvGrpSpPr>
+            <p:cNvPr id="30" name="Group 29">
+              <a:extLst>
+                <a:ext uri="{FF2B5EF4-FFF2-40B4-BE49-F238E27FC236}">
+                  <a16:creationId xmlns:a16="http://schemas.microsoft.com/office/drawing/2014/main" id="{65417CE8-9ABD-EA49-8A29-51A14ED22227}"/>
+                </a:ext>
+              </a:extLst>
+            </p:cNvPr>
+            <p:cNvGrpSpPr/>
+            <p:nvPr/>
+          </p:nvGrpSpPr>
+          <p:grpSpPr>
+            <a:xfrm>
+              <a:off x="6992425" y="2657612"/>
+              <a:ext cx="2605005" cy="1804086"/>
+              <a:chOff x="6968608" y="2657612"/>
+              <a:chExt cx="2605005" cy="1804086"/>
+            </a:xfrm>
+          </p:grpSpPr>
+          <p:sp>
+            <p:nvSpPr>
+              <p:cNvPr id="5" name="Rectangle 4">
+                <a:extLst>
+                  <a:ext uri="{FF2B5EF4-FFF2-40B4-BE49-F238E27FC236}">
+                    <a16:creationId xmlns:a16="http://schemas.microsoft.com/office/drawing/2014/main" id="{EFC8B1C7-B94E-2194-F31F-5DE8025A4CF4}"/>
+                  </a:ext>
+                </a:extLst>
+              </p:cNvPr>
+              <p:cNvSpPr/>
+              <p:nvPr/>
+            </p:nvSpPr>
+            <p:spPr>
+              <a:xfrm>
+                <a:off x="6979529" y="2679700"/>
+                <a:ext cx="2558672" cy="1777999"/>
+              </a:xfrm>
+              <a:prstGeom prst="rect">
+                <a:avLst/>
+              </a:prstGeom>
+              <a:pattFill prst="smConfetti">
+                <a:fgClr>
+                  <a:schemeClr val="tx1"/>
+                </a:fgClr>
+                <a:bgClr>
+                  <a:schemeClr val="bg1"/>
+                </a:bgClr>
+              </a:pattFill>
+              <a:ln>
+                <a:solidFill>
+                  <a:schemeClr val="bg1"/>
+                </a:solidFill>
+              </a:ln>
+            </p:spPr>
+            <p:style>
+              <a:lnRef idx="2">
+                <a:schemeClr val="accent1">
+                  <a:shade val="15000"/>
+                </a:schemeClr>
+              </a:lnRef>
+              <a:fillRef idx="1">
+                <a:schemeClr val="accent1"/>
+              </a:fillRef>
+              <a:effectRef idx="0">
+                <a:schemeClr val="accent1"/>
+              </a:effectRef>
+              <a:fontRef idx="minor">
+                <a:schemeClr val="lt1"/>
+              </a:fontRef>
+            </p:style>
+            <p:txBody>
+              <a:bodyPr rtlCol="0" anchor="ctr"/>
+              <a:lstStyle/>
+              <a:p>
+                <a:pPr algn="ctr"/>
+                <a:endParaRPr lang="en-US" dirty="0"/>
+              </a:p>
+            </p:txBody>
+          </p:sp>
+          <p:grpSp>
+            <p:nvGrpSpPr>
+              <p:cNvPr id="20" name="Group 19">
+                <a:extLst>
+                  <a:ext uri="{FF2B5EF4-FFF2-40B4-BE49-F238E27FC236}">
+                    <a16:creationId xmlns:a16="http://schemas.microsoft.com/office/drawing/2014/main" id="{10DC6BD9-3FAD-916D-218F-0C5B4BCB6BD1}"/>
+                  </a:ext>
+                </a:extLst>
+              </p:cNvPr>
+              <p:cNvGrpSpPr/>
+              <p:nvPr/>
+            </p:nvGrpSpPr>
+            <p:grpSpPr>
+              <a:xfrm>
+                <a:off x="7364442" y="2657612"/>
+                <a:ext cx="2209171" cy="1796088"/>
+                <a:chOff x="7364442" y="2657612"/>
+                <a:chExt cx="2209171" cy="1796088"/>
+              </a:xfrm>
+            </p:grpSpPr>
+            <p:sp>
+              <p:nvSpPr>
+                <p:cNvPr id="8" name="Freeform: Shape 7">
+                  <a:extLst>
+                    <a:ext uri="{FF2B5EF4-FFF2-40B4-BE49-F238E27FC236}">
+                      <a16:creationId xmlns:a16="http://schemas.microsoft.com/office/drawing/2014/main" id="{7FAFB78C-DEF3-74D4-87A5-84E230DE402A}"/>
+                    </a:ext>
+                  </a:extLst>
+                </p:cNvPr>
+                <p:cNvSpPr/>
+                <p:nvPr/>
+              </p:nvSpPr>
+              <p:spPr>
+                <a:xfrm>
+                  <a:off x="7364442" y="2728028"/>
+                  <a:ext cx="1314764" cy="756190"/>
+                </a:xfrm>
+                <a:custGeom>
+                  <a:avLst/>
+                  <a:gdLst>
+                    <a:gd name="connsiteX0" fmla="*/ 0 w 1388534"/>
+                    <a:gd name="connsiteY0" fmla="*/ 376306 h 798619"/>
+                    <a:gd name="connsiteX1" fmla="*/ 499534 w 1388534"/>
+                    <a:gd name="connsiteY1" fmla="*/ 274706 h 798619"/>
+                    <a:gd name="connsiteX2" fmla="*/ 457200 w 1388534"/>
+                    <a:gd name="connsiteY2" fmla="*/ 791173 h 798619"/>
+                    <a:gd name="connsiteX3" fmla="*/ 84667 w 1388534"/>
+                    <a:gd name="connsiteY3" fmla="*/ 571040 h 798619"/>
+                    <a:gd name="connsiteX4" fmla="*/ 338667 w 1388534"/>
+                    <a:gd name="connsiteY4" fmla="*/ 435573 h 798619"/>
+                    <a:gd name="connsiteX5" fmla="*/ 762000 w 1388534"/>
+                    <a:gd name="connsiteY5" fmla="*/ 418640 h 798619"/>
+                    <a:gd name="connsiteX6" fmla="*/ 939800 w 1388534"/>
+                    <a:gd name="connsiteY6" fmla="*/ 63040 h 798619"/>
+                    <a:gd name="connsiteX7" fmla="*/ 601134 w 1388534"/>
+                    <a:gd name="connsiteY7" fmla="*/ 46106 h 798619"/>
+                    <a:gd name="connsiteX8" fmla="*/ 1126067 w 1388534"/>
+                    <a:gd name="connsiteY8" fmla="*/ 537173 h 798619"/>
+                    <a:gd name="connsiteX9" fmla="*/ 1388534 w 1388534"/>
+                    <a:gd name="connsiteY9" fmla="*/ 300106 h 798619"/>
+                  </a:gdLst>
+                  <a:ahLst/>
+                  <a:cxnLst>
+                    <a:cxn ang="0">
+                      <a:pos x="connsiteX0" y="connsiteY0"/>
+                    </a:cxn>
+                    <a:cxn ang="0">
+                      <a:pos x="connsiteX1" y="connsiteY1"/>
+                    </a:cxn>
+                    <a:cxn ang="0">
+                      <a:pos x="connsiteX2" y="connsiteY2"/>
+                    </a:cxn>
+                    <a:cxn ang="0">
+                      <a:pos x="connsiteX3" y="connsiteY3"/>
+                    </a:cxn>
+                    <a:cxn ang="0">
+                      <a:pos x="connsiteX4" y="connsiteY4"/>
+                    </a:cxn>
+                    <a:cxn ang="0">
+                      <a:pos x="connsiteX5" y="connsiteY5"/>
+                    </a:cxn>
+                    <a:cxn ang="0">
+                      <a:pos x="connsiteX6" y="connsiteY6"/>
+                    </a:cxn>
+                    <a:cxn ang="0">
+                      <a:pos x="connsiteX7" y="connsiteY7"/>
+                    </a:cxn>
+                    <a:cxn ang="0">
+                      <a:pos x="connsiteX8" y="connsiteY8"/>
+                    </a:cxn>
+                    <a:cxn ang="0">
+                      <a:pos x="connsiteX9" y="connsiteY9"/>
+                    </a:cxn>
+                  </a:cxnLst>
+                  <a:rect l="l" t="t" r="r" b="b"/>
+                  <a:pathLst>
+                    <a:path w="1388534" h="798619">
+                      <a:moveTo>
+                        <a:pt x="0" y="376306"/>
+                      </a:moveTo>
+                      <a:cubicBezTo>
+                        <a:pt x="211667" y="290933"/>
+                        <a:pt x="423334" y="205561"/>
+                        <a:pt x="499534" y="274706"/>
+                      </a:cubicBezTo>
+                      <a:cubicBezTo>
+                        <a:pt x="575734" y="343850"/>
+                        <a:pt x="526344" y="741784"/>
+                        <a:pt x="457200" y="791173"/>
+                      </a:cubicBezTo>
+                      <a:cubicBezTo>
+                        <a:pt x="388056" y="840562"/>
+                        <a:pt x="104422" y="630307"/>
+                        <a:pt x="84667" y="571040"/>
+                      </a:cubicBezTo>
+                      <a:cubicBezTo>
+                        <a:pt x="64912" y="511773"/>
+                        <a:pt x="225778" y="460973"/>
+                        <a:pt x="338667" y="435573"/>
+                      </a:cubicBezTo>
+                      <a:cubicBezTo>
+                        <a:pt x="451556" y="410173"/>
+                        <a:pt x="661811" y="480729"/>
+                        <a:pt x="762000" y="418640"/>
+                      </a:cubicBezTo>
+                      <a:cubicBezTo>
+                        <a:pt x="862189" y="356551"/>
+                        <a:pt x="966611" y="125129"/>
+                        <a:pt x="939800" y="63040"/>
+                      </a:cubicBezTo>
+                      <a:cubicBezTo>
+                        <a:pt x="912989" y="951"/>
+                        <a:pt x="570090" y="-32916"/>
+                        <a:pt x="601134" y="46106"/>
+                      </a:cubicBezTo>
+                      <a:cubicBezTo>
+                        <a:pt x="632178" y="125128"/>
+                        <a:pt x="994834" y="494840"/>
+                        <a:pt x="1126067" y="537173"/>
+                      </a:cubicBezTo>
+                      <a:cubicBezTo>
+                        <a:pt x="1257300" y="579506"/>
+                        <a:pt x="1322917" y="439806"/>
+                        <a:pt x="1388534" y="300106"/>
+                      </a:cubicBezTo>
+                    </a:path>
+                  </a:pathLst>
+                </a:custGeom>
+                <a:noFill/>
+                <a:ln w="19050">
+                  <a:solidFill>
+                    <a:schemeClr val="accent1">
+                      <a:lumMod val="50000"/>
+                      <a:alpha val="60000"/>
+                    </a:schemeClr>
+                  </a:solidFill>
+                </a:ln>
+              </p:spPr>
+              <p:style>
+                <a:lnRef idx="2">
+                  <a:schemeClr val="accent1">
+                    <a:shade val="15000"/>
+                  </a:schemeClr>
+                </a:lnRef>
+                <a:fillRef idx="1">
+                  <a:schemeClr val="accent1"/>
+                </a:fillRef>
+                <a:effectRef idx="0">
+                  <a:schemeClr val="accent1"/>
+                </a:effectRef>
+                <a:fontRef idx="minor">
+                  <a:schemeClr val="lt1"/>
+                </a:fontRef>
+              </p:style>
+              <p:txBody>
+                <a:bodyPr rtlCol="0" anchor="ctr"/>
+                <a:lstStyle/>
+                <a:p>
+                  <a:pPr algn="ctr"/>
+                  <a:endParaRPr lang="en-US"/>
+                </a:p>
+              </p:txBody>
+            </p:sp>
+            <p:sp>
+              <p:nvSpPr>
+                <p:cNvPr id="9" name="Freeform: Shape 8">
+                  <a:extLst>
+                    <a:ext uri="{FF2B5EF4-FFF2-40B4-BE49-F238E27FC236}">
+                      <a16:creationId xmlns:a16="http://schemas.microsoft.com/office/drawing/2014/main" id="{69239AEE-7B01-2CC9-C278-81DF00D352D4}"/>
+                    </a:ext>
+                  </a:extLst>
+                </p:cNvPr>
+                <p:cNvSpPr/>
+                <p:nvPr/>
+              </p:nvSpPr>
+              <p:spPr>
+                <a:xfrm rot="6736070">
+                  <a:off x="7761713" y="3149690"/>
+                  <a:ext cx="622963" cy="1230185"/>
+                </a:xfrm>
+                <a:custGeom>
+                  <a:avLst/>
+                  <a:gdLst>
+                    <a:gd name="connsiteX0" fmla="*/ 622963 w 622963"/>
+                    <a:gd name="connsiteY0" fmla="*/ 1230185 h 1230185"/>
+                    <a:gd name="connsiteX1" fmla="*/ 360496 w 622963"/>
+                    <a:gd name="connsiteY1" fmla="*/ 1052385 h 1230185"/>
+                    <a:gd name="connsiteX2" fmla="*/ 487496 w 622963"/>
+                    <a:gd name="connsiteY2" fmla="*/ 722185 h 1230185"/>
+                    <a:gd name="connsiteX3" fmla="*/ 563696 w 622963"/>
+                    <a:gd name="connsiteY3" fmla="*/ 307319 h 1230185"/>
+                    <a:gd name="connsiteX4" fmla="*/ 72630 w 622963"/>
+                    <a:gd name="connsiteY4" fmla="*/ 248052 h 1230185"/>
+                    <a:gd name="connsiteX5" fmla="*/ 30296 w 622963"/>
+                    <a:gd name="connsiteY5" fmla="*/ 552852 h 1230185"/>
+                    <a:gd name="connsiteX6" fmla="*/ 343563 w 622963"/>
+                    <a:gd name="connsiteY6" fmla="*/ 485119 h 1230185"/>
+                    <a:gd name="connsiteX7" fmla="*/ 318163 w 622963"/>
+                    <a:gd name="connsiteY7" fmla="*/ 61785 h 1230185"/>
+                    <a:gd name="connsiteX8" fmla="*/ 606030 w 622963"/>
+                    <a:gd name="connsiteY8" fmla="*/ 10985 h 1230185"/>
+                  </a:gdLst>
+                  <a:ahLst/>
+                  <a:cxnLst>
+                    <a:cxn ang="0">
+                      <a:pos x="connsiteX0" y="connsiteY0"/>
+                    </a:cxn>
+                    <a:cxn ang="0">
+                      <a:pos x="connsiteX1" y="connsiteY1"/>
+                    </a:cxn>
+                    <a:cxn ang="0">
+                      <a:pos x="connsiteX2" y="connsiteY2"/>
+                    </a:cxn>
+                    <a:cxn ang="0">
+                      <a:pos x="connsiteX3" y="connsiteY3"/>
+                    </a:cxn>
+                    <a:cxn ang="0">
+                      <a:pos x="connsiteX4" y="connsiteY4"/>
+                    </a:cxn>
+                    <a:cxn ang="0">
+                      <a:pos x="connsiteX5" y="connsiteY5"/>
+                    </a:cxn>
+                    <a:cxn ang="0">
+                      <a:pos x="connsiteX6" y="connsiteY6"/>
+                    </a:cxn>
+                    <a:cxn ang="0">
+                      <a:pos x="connsiteX7" y="connsiteY7"/>
+                    </a:cxn>
+                    <a:cxn ang="0">
+                      <a:pos x="connsiteX8" y="connsiteY8"/>
+                    </a:cxn>
+                  </a:cxnLst>
+                  <a:rect l="l" t="t" r="r" b="b"/>
+                  <a:pathLst>
+                    <a:path w="622963" h="1230185">
+                      <a:moveTo>
+                        <a:pt x="622963" y="1230185"/>
+                      </a:moveTo>
+                      <a:cubicBezTo>
+                        <a:pt x="503018" y="1183618"/>
+                        <a:pt x="383074" y="1137052"/>
+                        <a:pt x="360496" y="1052385"/>
+                      </a:cubicBezTo>
+                      <a:cubicBezTo>
+                        <a:pt x="337918" y="967718"/>
+                        <a:pt x="453629" y="846363"/>
+                        <a:pt x="487496" y="722185"/>
+                      </a:cubicBezTo>
+                      <a:cubicBezTo>
+                        <a:pt x="521363" y="598007"/>
+                        <a:pt x="632840" y="386341"/>
+                        <a:pt x="563696" y="307319"/>
+                      </a:cubicBezTo>
+                      <a:cubicBezTo>
+                        <a:pt x="494552" y="228297"/>
+                        <a:pt x="161530" y="207130"/>
+                        <a:pt x="72630" y="248052"/>
+                      </a:cubicBezTo>
+                      <a:cubicBezTo>
+                        <a:pt x="-16270" y="288974"/>
+                        <a:pt x="-14859" y="513341"/>
+                        <a:pt x="30296" y="552852"/>
+                      </a:cubicBezTo>
+                      <a:cubicBezTo>
+                        <a:pt x="75451" y="592363"/>
+                        <a:pt x="295585" y="566963"/>
+                        <a:pt x="343563" y="485119"/>
+                      </a:cubicBezTo>
+                      <a:cubicBezTo>
+                        <a:pt x="391541" y="403275"/>
+                        <a:pt x="274419" y="140807"/>
+                        <a:pt x="318163" y="61785"/>
+                      </a:cubicBezTo>
+                      <a:cubicBezTo>
+                        <a:pt x="361907" y="-17237"/>
+                        <a:pt x="483968" y="-3126"/>
+                        <a:pt x="606030" y="10985"/>
+                      </a:cubicBezTo>
+                    </a:path>
+                  </a:pathLst>
+                </a:custGeom>
+                <a:noFill/>
+                <a:ln w="19050">
+                  <a:solidFill>
+                    <a:schemeClr val="accent1">
+                      <a:lumMod val="50000"/>
+                      <a:alpha val="60000"/>
+                    </a:schemeClr>
+                  </a:solidFill>
+                </a:ln>
+              </p:spPr>
+              <p:style>
+                <a:lnRef idx="2">
+                  <a:schemeClr val="accent1">
+                    <a:shade val="15000"/>
+                  </a:schemeClr>
+                </a:lnRef>
+                <a:fillRef idx="1">
+                  <a:schemeClr val="accent1"/>
+                </a:fillRef>
+                <a:effectRef idx="0">
+                  <a:schemeClr val="accent1"/>
+                </a:effectRef>
+                <a:fontRef idx="minor">
+                  <a:schemeClr val="lt1"/>
+                </a:fontRef>
+              </p:style>
+              <p:txBody>
+                <a:bodyPr rtlCol="0" anchor="ctr"/>
+                <a:lstStyle/>
+                <a:p>
+                  <a:pPr algn="ctr"/>
+                  <a:endParaRPr lang="en-US"/>
+                </a:p>
+              </p:txBody>
+            </p:sp>
+            <p:sp>
+              <p:nvSpPr>
+                <p:cNvPr id="10" name="Freeform: Shape 9">
+                  <a:extLst>
+                    <a:ext uri="{FF2B5EF4-FFF2-40B4-BE49-F238E27FC236}">
+                      <a16:creationId xmlns:a16="http://schemas.microsoft.com/office/drawing/2014/main" id="{FB0FCF4E-E32B-6676-EF60-C9DE3C5B21CB}"/>
+                    </a:ext>
+                  </a:extLst>
+                </p:cNvPr>
+                <p:cNvSpPr/>
+                <p:nvPr/>
+              </p:nvSpPr>
+              <p:spPr>
+                <a:xfrm>
+                  <a:off x="8589633" y="3322756"/>
+                  <a:ext cx="983980" cy="830441"/>
+                </a:xfrm>
+                <a:custGeom>
+                  <a:avLst/>
+                  <a:gdLst>
+                    <a:gd name="connsiteX0" fmla="*/ 61113 w 983980"/>
+                    <a:gd name="connsiteY0" fmla="*/ 830441 h 830441"/>
+                    <a:gd name="connsiteX1" fmla="*/ 205047 w 983980"/>
+                    <a:gd name="connsiteY1" fmla="*/ 627241 h 830441"/>
+                    <a:gd name="connsiteX2" fmla="*/ 1847 w 983980"/>
+                    <a:gd name="connsiteY2" fmla="*/ 271641 h 830441"/>
+                    <a:gd name="connsiteX3" fmla="*/ 348980 w 983980"/>
+                    <a:gd name="connsiteY3" fmla="*/ 237774 h 830441"/>
+                    <a:gd name="connsiteX4" fmla="*/ 806180 w 983980"/>
+                    <a:gd name="connsiteY4" fmla="*/ 144641 h 830441"/>
+                    <a:gd name="connsiteX5" fmla="*/ 645313 w 983980"/>
+                    <a:gd name="connsiteY5" fmla="*/ 9174 h 830441"/>
+                    <a:gd name="connsiteX6" fmla="*/ 323580 w 983980"/>
+                    <a:gd name="connsiteY6" fmla="*/ 424041 h 830441"/>
+                    <a:gd name="connsiteX7" fmla="*/ 814647 w 983980"/>
+                    <a:gd name="connsiteY7" fmla="*/ 500241 h 830441"/>
+                    <a:gd name="connsiteX8" fmla="*/ 983980 w 983980"/>
+                    <a:gd name="connsiteY8" fmla="*/ 271641 h 830441"/>
+                  </a:gdLst>
+                  <a:ahLst/>
+                  <a:cxnLst>
+                    <a:cxn ang="0">
+                      <a:pos x="connsiteX0" y="connsiteY0"/>
+                    </a:cxn>
+                    <a:cxn ang="0">
+                      <a:pos x="connsiteX1" y="connsiteY1"/>
+                    </a:cxn>
+                    <a:cxn ang="0">
+                      <a:pos x="connsiteX2" y="connsiteY2"/>
+                    </a:cxn>
+                    <a:cxn ang="0">
+                      <a:pos x="connsiteX3" y="connsiteY3"/>
+                    </a:cxn>
+                    <a:cxn ang="0">
+                      <a:pos x="connsiteX4" y="connsiteY4"/>
+                    </a:cxn>
+                    <a:cxn ang="0">
+                      <a:pos x="connsiteX5" y="connsiteY5"/>
+                    </a:cxn>
+                    <a:cxn ang="0">
+                      <a:pos x="connsiteX6" y="connsiteY6"/>
+                    </a:cxn>
+                    <a:cxn ang="0">
+                      <a:pos x="connsiteX7" y="connsiteY7"/>
+                    </a:cxn>
+                    <a:cxn ang="0">
+                      <a:pos x="connsiteX8" y="connsiteY8"/>
+                    </a:cxn>
+                  </a:cxnLst>
+                  <a:rect l="l" t="t" r="r" b="b"/>
+                  <a:pathLst>
+                    <a:path w="983980" h="830441">
+                      <a:moveTo>
+                        <a:pt x="61113" y="830441"/>
+                      </a:moveTo>
+                      <a:cubicBezTo>
+                        <a:pt x="138019" y="775407"/>
+                        <a:pt x="214925" y="720374"/>
+                        <a:pt x="205047" y="627241"/>
+                      </a:cubicBezTo>
+                      <a:cubicBezTo>
+                        <a:pt x="195169" y="534108"/>
+                        <a:pt x="-22142" y="336552"/>
+                        <a:pt x="1847" y="271641"/>
+                      </a:cubicBezTo>
+                      <a:cubicBezTo>
+                        <a:pt x="25836" y="206730"/>
+                        <a:pt x="214925" y="258941"/>
+                        <a:pt x="348980" y="237774"/>
+                      </a:cubicBezTo>
+                      <a:cubicBezTo>
+                        <a:pt x="483035" y="216607"/>
+                        <a:pt x="756791" y="182741"/>
+                        <a:pt x="806180" y="144641"/>
+                      </a:cubicBezTo>
+                      <a:cubicBezTo>
+                        <a:pt x="855569" y="106541"/>
+                        <a:pt x="725746" y="-37393"/>
+                        <a:pt x="645313" y="9174"/>
+                      </a:cubicBezTo>
+                      <a:cubicBezTo>
+                        <a:pt x="564880" y="55741"/>
+                        <a:pt x="295358" y="342197"/>
+                        <a:pt x="323580" y="424041"/>
+                      </a:cubicBezTo>
+                      <a:cubicBezTo>
+                        <a:pt x="351802" y="505885"/>
+                        <a:pt x="704580" y="525641"/>
+                        <a:pt x="814647" y="500241"/>
+                      </a:cubicBezTo>
+                      <a:cubicBezTo>
+                        <a:pt x="924714" y="474841"/>
+                        <a:pt x="954347" y="373241"/>
+                        <a:pt x="983980" y="271641"/>
+                      </a:cubicBezTo>
+                    </a:path>
+                  </a:pathLst>
+                </a:custGeom>
+                <a:noFill/>
+                <a:ln w="19050">
+                  <a:solidFill>
+                    <a:schemeClr val="accent1">
+                      <a:lumMod val="50000"/>
+                      <a:alpha val="60000"/>
+                    </a:schemeClr>
+                  </a:solidFill>
+                </a:ln>
+              </p:spPr>
+              <p:style>
+                <a:lnRef idx="2">
+                  <a:schemeClr val="accent1">
+                    <a:shade val="15000"/>
+                  </a:schemeClr>
+                </a:lnRef>
+                <a:fillRef idx="1">
+                  <a:schemeClr val="accent1"/>
+                </a:fillRef>
+                <a:effectRef idx="0">
+                  <a:schemeClr val="accent1"/>
+                </a:effectRef>
+                <a:fontRef idx="minor">
+                  <a:schemeClr val="lt1"/>
+                </a:fontRef>
+              </p:style>
+              <p:txBody>
+                <a:bodyPr rtlCol="0" anchor="ctr"/>
+                <a:lstStyle/>
+                <a:p>
+                  <a:pPr algn="ctr"/>
+                  <a:endParaRPr lang="en-US"/>
+                </a:p>
+              </p:txBody>
+            </p:sp>
+            <p:sp>
+              <p:nvSpPr>
+                <p:cNvPr id="13" name="Freeform: Shape 12">
+                  <a:extLst>
+                    <a:ext uri="{FF2B5EF4-FFF2-40B4-BE49-F238E27FC236}">
+                      <a16:creationId xmlns:a16="http://schemas.microsoft.com/office/drawing/2014/main" id="{C16911BC-7565-7FE7-F987-905AA9C5560E}"/>
+                    </a:ext>
+                  </a:extLst>
+                </p:cNvPr>
+                <p:cNvSpPr/>
+                <p:nvPr/>
+              </p:nvSpPr>
+              <p:spPr>
+                <a:xfrm rot="6736070">
+                  <a:off x="8636332" y="2354001"/>
+                  <a:ext cx="622963" cy="1230185"/>
+                </a:xfrm>
+                <a:custGeom>
+                  <a:avLst/>
+                  <a:gdLst>
+                    <a:gd name="connsiteX0" fmla="*/ 622963 w 622963"/>
+                    <a:gd name="connsiteY0" fmla="*/ 1230185 h 1230185"/>
+                    <a:gd name="connsiteX1" fmla="*/ 360496 w 622963"/>
+                    <a:gd name="connsiteY1" fmla="*/ 1052385 h 1230185"/>
+                    <a:gd name="connsiteX2" fmla="*/ 487496 w 622963"/>
+                    <a:gd name="connsiteY2" fmla="*/ 722185 h 1230185"/>
+                    <a:gd name="connsiteX3" fmla="*/ 563696 w 622963"/>
+                    <a:gd name="connsiteY3" fmla="*/ 307319 h 1230185"/>
+                    <a:gd name="connsiteX4" fmla="*/ 72630 w 622963"/>
+                    <a:gd name="connsiteY4" fmla="*/ 248052 h 1230185"/>
+                    <a:gd name="connsiteX5" fmla="*/ 30296 w 622963"/>
+                    <a:gd name="connsiteY5" fmla="*/ 552852 h 1230185"/>
+                    <a:gd name="connsiteX6" fmla="*/ 343563 w 622963"/>
+                    <a:gd name="connsiteY6" fmla="*/ 485119 h 1230185"/>
+                    <a:gd name="connsiteX7" fmla="*/ 318163 w 622963"/>
+                    <a:gd name="connsiteY7" fmla="*/ 61785 h 1230185"/>
+                    <a:gd name="connsiteX8" fmla="*/ 606030 w 622963"/>
+                    <a:gd name="connsiteY8" fmla="*/ 10985 h 1230185"/>
+                  </a:gdLst>
+                  <a:ahLst/>
+                  <a:cxnLst>
+                    <a:cxn ang="0">
+                      <a:pos x="connsiteX0" y="connsiteY0"/>
+                    </a:cxn>
+                    <a:cxn ang="0">
+                      <a:pos x="connsiteX1" y="connsiteY1"/>
+                    </a:cxn>
+                    <a:cxn ang="0">
+                      <a:pos x="connsiteX2" y="connsiteY2"/>
+                    </a:cxn>
+                    <a:cxn ang="0">
+                      <a:pos x="connsiteX3" y="connsiteY3"/>
+                    </a:cxn>
+                    <a:cxn ang="0">
+                      <a:pos x="connsiteX4" y="connsiteY4"/>
+                    </a:cxn>
+                    <a:cxn ang="0">
+                      <a:pos x="connsiteX5" y="connsiteY5"/>
+                    </a:cxn>
+                    <a:cxn ang="0">
+                      <a:pos x="connsiteX6" y="connsiteY6"/>
+                    </a:cxn>
+                    <a:cxn ang="0">
+                      <a:pos x="connsiteX7" y="connsiteY7"/>
+                    </a:cxn>
+                    <a:cxn ang="0">
+                      <a:pos x="connsiteX8" y="connsiteY8"/>
+                    </a:cxn>
+                  </a:cxnLst>
+                  <a:rect l="l" t="t" r="r" b="b"/>
+                  <a:pathLst>
+                    <a:path w="622963" h="1230185">
+                      <a:moveTo>
+                        <a:pt x="622963" y="1230185"/>
+                      </a:moveTo>
+                      <a:cubicBezTo>
+                        <a:pt x="503018" y="1183618"/>
+                        <a:pt x="383074" y="1137052"/>
+                        <a:pt x="360496" y="1052385"/>
+                      </a:cubicBezTo>
+                      <a:cubicBezTo>
+                        <a:pt x="337918" y="967718"/>
+                        <a:pt x="453629" y="846363"/>
+                        <a:pt x="487496" y="722185"/>
+                      </a:cubicBezTo>
+                      <a:cubicBezTo>
+                        <a:pt x="521363" y="598007"/>
+                        <a:pt x="632840" y="386341"/>
+                        <a:pt x="563696" y="307319"/>
+                      </a:cubicBezTo>
+                      <a:cubicBezTo>
+                        <a:pt x="494552" y="228297"/>
+                        <a:pt x="161530" y="207130"/>
+                        <a:pt x="72630" y="248052"/>
+                      </a:cubicBezTo>
+                      <a:cubicBezTo>
+                        <a:pt x="-16270" y="288974"/>
+                        <a:pt x="-14859" y="513341"/>
+                        <a:pt x="30296" y="552852"/>
+                      </a:cubicBezTo>
+                      <a:cubicBezTo>
+                        <a:pt x="75451" y="592363"/>
+                        <a:pt x="295585" y="566963"/>
+                        <a:pt x="343563" y="485119"/>
+                      </a:cubicBezTo>
+                      <a:cubicBezTo>
+                        <a:pt x="391541" y="403275"/>
+                        <a:pt x="274419" y="140807"/>
+                        <a:pt x="318163" y="61785"/>
+                      </a:cubicBezTo>
+                      <a:cubicBezTo>
+                        <a:pt x="361907" y="-17237"/>
+                        <a:pt x="483968" y="-3126"/>
+                        <a:pt x="606030" y="10985"/>
+                      </a:cubicBezTo>
+                    </a:path>
+                  </a:pathLst>
+                </a:custGeom>
+                <a:noFill/>
+                <a:ln w="19050">
+                  <a:solidFill>
+                    <a:schemeClr val="accent1">
+                      <a:lumMod val="50000"/>
+                      <a:alpha val="60000"/>
+                    </a:schemeClr>
+                  </a:solidFill>
+                </a:ln>
+              </p:spPr>
+              <p:style>
+                <a:lnRef idx="2">
+                  <a:schemeClr val="accent1">
+                    <a:shade val="15000"/>
+                  </a:schemeClr>
+                </a:lnRef>
+                <a:fillRef idx="1">
+                  <a:schemeClr val="accent1"/>
+                </a:fillRef>
+                <a:effectRef idx="0">
+                  <a:schemeClr val="accent1"/>
+                </a:effectRef>
+                <a:fontRef idx="minor">
+                  <a:schemeClr val="lt1"/>
+                </a:fontRef>
+              </p:style>
+              <p:txBody>
+                <a:bodyPr rtlCol="0" anchor="ctr"/>
+                <a:lstStyle/>
+                <a:p>
+                  <a:pPr algn="ctr"/>
+                  <a:endParaRPr lang="en-US"/>
+                </a:p>
+              </p:txBody>
+            </p:sp>
+            <p:sp>
+              <p:nvSpPr>
+                <p:cNvPr id="14" name="Freeform: Shape 13">
+                  <a:extLst>
+                    <a:ext uri="{FF2B5EF4-FFF2-40B4-BE49-F238E27FC236}">
+                      <a16:creationId xmlns:a16="http://schemas.microsoft.com/office/drawing/2014/main" id="{2B5CA19E-3C87-E6BB-BEA1-5B626C31BF75}"/>
+                    </a:ext>
+                  </a:extLst>
+                </p:cNvPr>
+                <p:cNvSpPr/>
+                <p:nvPr/>
+              </p:nvSpPr>
+              <p:spPr>
+                <a:xfrm rot="6736070">
+                  <a:off x="7949079" y="2788395"/>
+                  <a:ext cx="622963" cy="1230185"/>
+                </a:xfrm>
+                <a:custGeom>
+                  <a:avLst/>
+                  <a:gdLst>
+                    <a:gd name="connsiteX0" fmla="*/ 622963 w 622963"/>
+                    <a:gd name="connsiteY0" fmla="*/ 1230185 h 1230185"/>
+                    <a:gd name="connsiteX1" fmla="*/ 360496 w 622963"/>
+                    <a:gd name="connsiteY1" fmla="*/ 1052385 h 1230185"/>
+                    <a:gd name="connsiteX2" fmla="*/ 487496 w 622963"/>
+                    <a:gd name="connsiteY2" fmla="*/ 722185 h 1230185"/>
+                    <a:gd name="connsiteX3" fmla="*/ 563696 w 622963"/>
+                    <a:gd name="connsiteY3" fmla="*/ 307319 h 1230185"/>
+                    <a:gd name="connsiteX4" fmla="*/ 72630 w 622963"/>
+                    <a:gd name="connsiteY4" fmla="*/ 248052 h 1230185"/>
+                    <a:gd name="connsiteX5" fmla="*/ 30296 w 622963"/>
+                    <a:gd name="connsiteY5" fmla="*/ 552852 h 1230185"/>
+                    <a:gd name="connsiteX6" fmla="*/ 343563 w 622963"/>
+                    <a:gd name="connsiteY6" fmla="*/ 485119 h 1230185"/>
+                    <a:gd name="connsiteX7" fmla="*/ 318163 w 622963"/>
+                    <a:gd name="connsiteY7" fmla="*/ 61785 h 1230185"/>
+                    <a:gd name="connsiteX8" fmla="*/ 606030 w 622963"/>
+                    <a:gd name="connsiteY8" fmla="*/ 10985 h 1230185"/>
+                  </a:gdLst>
+                  <a:ahLst/>
+                  <a:cxnLst>
+                    <a:cxn ang="0">
+                      <a:pos x="connsiteX0" y="connsiteY0"/>
+                    </a:cxn>
+                    <a:cxn ang="0">
+                      <a:pos x="connsiteX1" y="connsiteY1"/>
+                    </a:cxn>
+                    <a:cxn ang="0">
+                      <a:pos x="connsiteX2" y="connsiteY2"/>
+                    </a:cxn>
+                    <a:cxn ang="0">
+                      <a:pos x="connsiteX3" y="connsiteY3"/>
+                    </a:cxn>
+                    <a:cxn ang="0">
+                      <a:pos x="connsiteX4" y="connsiteY4"/>
+                    </a:cxn>
+                    <a:cxn ang="0">
+                      <a:pos x="connsiteX5" y="connsiteY5"/>
+                    </a:cxn>
+                    <a:cxn ang="0">
+                      <a:pos x="connsiteX6" y="connsiteY6"/>
+                    </a:cxn>
+                    <a:cxn ang="0">
+                      <a:pos x="connsiteX7" y="connsiteY7"/>
+                    </a:cxn>
+                    <a:cxn ang="0">
+                      <a:pos x="connsiteX8" y="connsiteY8"/>
+                    </a:cxn>
+                  </a:cxnLst>
+                  <a:rect l="l" t="t" r="r" b="b"/>
+                  <a:pathLst>
+                    <a:path w="622963" h="1230185">
+                      <a:moveTo>
+                        <a:pt x="622963" y="1230185"/>
+                      </a:moveTo>
+                      <a:cubicBezTo>
+                        <a:pt x="503018" y="1183618"/>
+                        <a:pt x="383074" y="1137052"/>
+                        <a:pt x="360496" y="1052385"/>
+                      </a:cubicBezTo>
+                      <a:cubicBezTo>
+                        <a:pt x="337918" y="967718"/>
+                        <a:pt x="453629" y="846363"/>
+                        <a:pt x="487496" y="722185"/>
+                      </a:cubicBezTo>
+                      <a:cubicBezTo>
+                        <a:pt x="521363" y="598007"/>
+                        <a:pt x="632840" y="386341"/>
+                        <a:pt x="563696" y="307319"/>
+                      </a:cubicBezTo>
+                      <a:cubicBezTo>
+                        <a:pt x="494552" y="228297"/>
+                        <a:pt x="161530" y="207130"/>
+                        <a:pt x="72630" y="248052"/>
+                      </a:cubicBezTo>
+                      <a:cubicBezTo>
+                        <a:pt x="-16270" y="288974"/>
+                        <a:pt x="-14859" y="513341"/>
+                        <a:pt x="30296" y="552852"/>
+                      </a:cubicBezTo>
+                      <a:cubicBezTo>
+                        <a:pt x="75451" y="592363"/>
+                        <a:pt x="295585" y="566963"/>
+                        <a:pt x="343563" y="485119"/>
+                      </a:cubicBezTo>
+                      <a:cubicBezTo>
+                        <a:pt x="391541" y="403275"/>
+                        <a:pt x="274419" y="140807"/>
+                        <a:pt x="318163" y="61785"/>
+                      </a:cubicBezTo>
+                      <a:cubicBezTo>
+                        <a:pt x="361907" y="-17237"/>
+                        <a:pt x="483968" y="-3126"/>
+                        <a:pt x="606030" y="10985"/>
+                      </a:cubicBezTo>
+                    </a:path>
+                  </a:pathLst>
+                </a:custGeom>
+                <a:noFill/>
+                <a:ln w="19050">
+                  <a:solidFill>
+                    <a:schemeClr val="accent1">
+                      <a:lumMod val="50000"/>
+                      <a:alpha val="60000"/>
+                    </a:schemeClr>
+                  </a:solidFill>
+                </a:ln>
+              </p:spPr>
+              <p:style>
+                <a:lnRef idx="2">
+                  <a:schemeClr val="accent1">
+                    <a:shade val="15000"/>
+                  </a:schemeClr>
+                </a:lnRef>
+                <a:fillRef idx="1">
+                  <a:schemeClr val="accent1"/>
+                </a:fillRef>
+                <a:effectRef idx="0">
+                  <a:schemeClr val="accent1"/>
+                </a:effectRef>
+                <a:fontRef idx="minor">
+                  <a:schemeClr val="lt1"/>
+                </a:fontRef>
+              </p:style>
+              <p:txBody>
+                <a:bodyPr rtlCol="0" anchor="ctr"/>
+                <a:lstStyle/>
+                <a:p>
+                  <a:pPr algn="ctr"/>
+                  <a:endParaRPr lang="en-US"/>
+                </a:p>
+              </p:txBody>
+            </p:sp>
+            <p:sp>
+              <p:nvSpPr>
+                <p:cNvPr id="18" name="Freeform: Shape 17">
+                  <a:extLst>
+                    <a:ext uri="{FF2B5EF4-FFF2-40B4-BE49-F238E27FC236}">
+                      <a16:creationId xmlns:a16="http://schemas.microsoft.com/office/drawing/2014/main" id="{709004A9-D718-8C16-AF83-944320B7AA0C}"/>
+                    </a:ext>
+                  </a:extLst>
+                </p:cNvPr>
+                <p:cNvSpPr/>
+                <p:nvPr/>
+              </p:nvSpPr>
+              <p:spPr>
+                <a:xfrm>
+                  <a:off x="8552720" y="3914565"/>
+                  <a:ext cx="985481" cy="539135"/>
+                </a:xfrm>
+                <a:custGeom>
+                  <a:avLst/>
+                  <a:gdLst>
+                    <a:gd name="connsiteX0" fmla="*/ 61113 w 983980"/>
+                    <a:gd name="connsiteY0" fmla="*/ 830441 h 830441"/>
+                    <a:gd name="connsiteX1" fmla="*/ 205047 w 983980"/>
+                    <a:gd name="connsiteY1" fmla="*/ 627241 h 830441"/>
+                    <a:gd name="connsiteX2" fmla="*/ 1847 w 983980"/>
+                    <a:gd name="connsiteY2" fmla="*/ 271641 h 830441"/>
+                    <a:gd name="connsiteX3" fmla="*/ 348980 w 983980"/>
+                    <a:gd name="connsiteY3" fmla="*/ 237774 h 830441"/>
+                    <a:gd name="connsiteX4" fmla="*/ 806180 w 983980"/>
+                    <a:gd name="connsiteY4" fmla="*/ 144641 h 830441"/>
+                    <a:gd name="connsiteX5" fmla="*/ 645313 w 983980"/>
+                    <a:gd name="connsiteY5" fmla="*/ 9174 h 830441"/>
+                    <a:gd name="connsiteX6" fmla="*/ 323580 w 983980"/>
+                    <a:gd name="connsiteY6" fmla="*/ 424041 h 830441"/>
+                    <a:gd name="connsiteX7" fmla="*/ 814647 w 983980"/>
+                    <a:gd name="connsiteY7" fmla="*/ 500241 h 830441"/>
+                    <a:gd name="connsiteX8" fmla="*/ 983980 w 983980"/>
+                    <a:gd name="connsiteY8" fmla="*/ 271641 h 830441"/>
+                    <a:gd name="connsiteX0" fmla="*/ 62614 w 985481"/>
+                    <a:gd name="connsiteY0" fmla="*/ 830441 h 830441"/>
+                    <a:gd name="connsiteX1" fmla="*/ 168448 w 985481"/>
+                    <a:gd name="connsiteY1" fmla="*/ 539135 h 830441"/>
+                    <a:gd name="connsiteX2" fmla="*/ 3348 w 985481"/>
+                    <a:gd name="connsiteY2" fmla="*/ 271641 h 830441"/>
+                    <a:gd name="connsiteX3" fmla="*/ 350481 w 985481"/>
+                    <a:gd name="connsiteY3" fmla="*/ 237774 h 830441"/>
+                    <a:gd name="connsiteX4" fmla="*/ 807681 w 985481"/>
+                    <a:gd name="connsiteY4" fmla="*/ 144641 h 830441"/>
+                    <a:gd name="connsiteX5" fmla="*/ 646814 w 985481"/>
+                    <a:gd name="connsiteY5" fmla="*/ 9174 h 830441"/>
+                    <a:gd name="connsiteX6" fmla="*/ 325081 w 985481"/>
+                    <a:gd name="connsiteY6" fmla="*/ 424041 h 830441"/>
+                    <a:gd name="connsiteX7" fmla="*/ 816148 w 985481"/>
+                    <a:gd name="connsiteY7" fmla="*/ 500241 h 830441"/>
+                    <a:gd name="connsiteX8" fmla="*/ 985481 w 985481"/>
+                    <a:gd name="connsiteY8" fmla="*/ 271641 h 830441"/>
+                    <a:gd name="connsiteX0" fmla="*/ 168448 w 985481"/>
+                    <a:gd name="connsiteY0" fmla="*/ 539135 h 539135"/>
+                    <a:gd name="connsiteX1" fmla="*/ 3348 w 985481"/>
+                    <a:gd name="connsiteY1" fmla="*/ 271641 h 539135"/>
+                    <a:gd name="connsiteX2" fmla="*/ 350481 w 985481"/>
+                    <a:gd name="connsiteY2" fmla="*/ 237774 h 539135"/>
+                    <a:gd name="connsiteX3" fmla="*/ 807681 w 985481"/>
+                    <a:gd name="connsiteY3" fmla="*/ 144641 h 539135"/>
+                    <a:gd name="connsiteX4" fmla="*/ 646814 w 985481"/>
+                    <a:gd name="connsiteY4" fmla="*/ 9174 h 539135"/>
+                    <a:gd name="connsiteX5" fmla="*/ 325081 w 985481"/>
+                    <a:gd name="connsiteY5" fmla="*/ 424041 h 539135"/>
+                    <a:gd name="connsiteX6" fmla="*/ 816148 w 985481"/>
+                    <a:gd name="connsiteY6" fmla="*/ 500241 h 539135"/>
+                    <a:gd name="connsiteX7" fmla="*/ 985481 w 985481"/>
+                    <a:gd name="connsiteY7" fmla="*/ 271641 h 539135"/>
+                  </a:gdLst>
+                  <a:ahLst/>
+                  <a:cxnLst>
+                    <a:cxn ang="0">
+                      <a:pos x="connsiteX0" y="connsiteY0"/>
+                    </a:cxn>
+                    <a:cxn ang="0">
+                      <a:pos x="connsiteX1" y="connsiteY1"/>
+                    </a:cxn>
+                    <a:cxn ang="0">
+                      <a:pos x="connsiteX2" y="connsiteY2"/>
+                    </a:cxn>
+                    <a:cxn ang="0">
+                      <a:pos x="connsiteX3" y="connsiteY3"/>
+                    </a:cxn>
+                    <a:cxn ang="0">
+                      <a:pos x="connsiteX4" y="connsiteY4"/>
+                    </a:cxn>
+                    <a:cxn ang="0">
+                      <a:pos x="connsiteX5" y="connsiteY5"/>
+                    </a:cxn>
+                    <a:cxn ang="0">
+                      <a:pos x="connsiteX6" y="connsiteY6"/>
+                    </a:cxn>
+                    <a:cxn ang="0">
+                      <a:pos x="connsiteX7" y="connsiteY7"/>
+                    </a:cxn>
+                  </a:cxnLst>
+                  <a:rect l="l" t="t" r="r" b="b"/>
+                  <a:pathLst>
+                    <a:path w="985481" h="539135">
+                      <a:moveTo>
+                        <a:pt x="168448" y="539135"/>
+                      </a:moveTo>
+                      <a:cubicBezTo>
+                        <a:pt x="158570" y="446002"/>
+                        <a:pt x="-26991" y="321868"/>
+                        <a:pt x="3348" y="271641"/>
+                      </a:cubicBezTo>
+                      <a:cubicBezTo>
+                        <a:pt x="33687" y="221414"/>
+                        <a:pt x="216426" y="258941"/>
+                        <a:pt x="350481" y="237774"/>
+                      </a:cubicBezTo>
+                      <a:cubicBezTo>
+                        <a:pt x="484536" y="216607"/>
+                        <a:pt x="758292" y="182741"/>
+                        <a:pt x="807681" y="144641"/>
+                      </a:cubicBezTo>
+                      <a:cubicBezTo>
+                        <a:pt x="857070" y="106541"/>
+                        <a:pt x="727247" y="-37393"/>
+                        <a:pt x="646814" y="9174"/>
+                      </a:cubicBezTo>
+                      <a:cubicBezTo>
+                        <a:pt x="566381" y="55741"/>
+                        <a:pt x="296859" y="342197"/>
+                        <a:pt x="325081" y="424041"/>
+                      </a:cubicBezTo>
+                      <a:cubicBezTo>
+                        <a:pt x="353303" y="505885"/>
+                        <a:pt x="706081" y="525641"/>
+                        <a:pt x="816148" y="500241"/>
+                      </a:cubicBezTo>
+                      <a:cubicBezTo>
+                        <a:pt x="926215" y="474841"/>
+                        <a:pt x="955848" y="373241"/>
+                        <a:pt x="985481" y="271641"/>
+                      </a:cubicBezTo>
+                    </a:path>
+                  </a:pathLst>
+                </a:custGeom>
+                <a:noFill/>
+                <a:ln w="19050">
+                  <a:solidFill>
+                    <a:schemeClr val="accent1">
+                      <a:lumMod val="50000"/>
+                      <a:alpha val="60000"/>
+                    </a:schemeClr>
+                  </a:solidFill>
+                </a:ln>
+              </p:spPr>
+              <p:style>
+                <a:lnRef idx="2">
+                  <a:schemeClr val="accent1">
+                    <a:shade val="15000"/>
+                  </a:schemeClr>
+                </a:lnRef>
+                <a:fillRef idx="1">
+                  <a:schemeClr val="accent1"/>
+                </a:fillRef>
+                <a:effectRef idx="0">
+                  <a:schemeClr val="accent1"/>
+                </a:effectRef>
+                <a:fontRef idx="minor">
+                  <a:schemeClr val="lt1"/>
+                </a:fontRef>
+              </p:style>
+              <p:txBody>
+                <a:bodyPr rtlCol="0" anchor="ctr"/>
+                <a:lstStyle/>
+                <a:p>
+                  <a:pPr algn="ctr"/>
+                  <a:endParaRPr lang="en-US" dirty="0"/>
+                </a:p>
+              </p:txBody>
+            </p:sp>
+            <p:sp>
+              <p:nvSpPr>
+                <p:cNvPr id="19" name="Freeform: Shape 18">
+                  <a:extLst>
+                    <a:ext uri="{FF2B5EF4-FFF2-40B4-BE49-F238E27FC236}">
+                      <a16:creationId xmlns:a16="http://schemas.microsoft.com/office/drawing/2014/main" id="{18E3A808-13F8-67FA-62F9-0EFA625BF439}"/>
+                    </a:ext>
+                  </a:extLst>
+                </p:cNvPr>
+                <p:cNvSpPr/>
+                <p:nvPr/>
+              </p:nvSpPr>
+              <p:spPr>
+                <a:xfrm rot="15583033">
+                  <a:off x="7818879" y="3471436"/>
+                  <a:ext cx="622963" cy="1230185"/>
+                </a:xfrm>
+                <a:custGeom>
+                  <a:avLst/>
+                  <a:gdLst>
+                    <a:gd name="connsiteX0" fmla="*/ 622963 w 622963"/>
+                    <a:gd name="connsiteY0" fmla="*/ 1230185 h 1230185"/>
+                    <a:gd name="connsiteX1" fmla="*/ 360496 w 622963"/>
+                    <a:gd name="connsiteY1" fmla="*/ 1052385 h 1230185"/>
+                    <a:gd name="connsiteX2" fmla="*/ 487496 w 622963"/>
+                    <a:gd name="connsiteY2" fmla="*/ 722185 h 1230185"/>
+                    <a:gd name="connsiteX3" fmla="*/ 563696 w 622963"/>
+                    <a:gd name="connsiteY3" fmla="*/ 307319 h 1230185"/>
+                    <a:gd name="connsiteX4" fmla="*/ 72630 w 622963"/>
+                    <a:gd name="connsiteY4" fmla="*/ 248052 h 1230185"/>
+                    <a:gd name="connsiteX5" fmla="*/ 30296 w 622963"/>
+                    <a:gd name="connsiteY5" fmla="*/ 552852 h 1230185"/>
+                    <a:gd name="connsiteX6" fmla="*/ 343563 w 622963"/>
+                    <a:gd name="connsiteY6" fmla="*/ 485119 h 1230185"/>
+                    <a:gd name="connsiteX7" fmla="*/ 318163 w 622963"/>
+                    <a:gd name="connsiteY7" fmla="*/ 61785 h 1230185"/>
+                    <a:gd name="connsiteX8" fmla="*/ 606030 w 622963"/>
+                    <a:gd name="connsiteY8" fmla="*/ 10985 h 1230185"/>
+                  </a:gdLst>
+                  <a:ahLst/>
+                  <a:cxnLst>
+                    <a:cxn ang="0">
+                      <a:pos x="connsiteX0" y="connsiteY0"/>
+                    </a:cxn>
+                    <a:cxn ang="0">
+                      <a:pos x="connsiteX1" y="connsiteY1"/>
+                    </a:cxn>
+                    <a:cxn ang="0">
+                      <a:pos x="connsiteX2" y="connsiteY2"/>
+                    </a:cxn>
+                    <a:cxn ang="0">
+                      <a:pos x="connsiteX3" y="connsiteY3"/>
+                    </a:cxn>
+                    <a:cxn ang="0">
+                      <a:pos x="connsiteX4" y="connsiteY4"/>
+                    </a:cxn>
+                    <a:cxn ang="0">
+                      <a:pos x="connsiteX5" y="connsiteY5"/>
+                    </a:cxn>
+                    <a:cxn ang="0">
+                      <a:pos x="connsiteX6" y="connsiteY6"/>
+                    </a:cxn>
+                    <a:cxn ang="0">
+                      <a:pos x="connsiteX7" y="connsiteY7"/>
+                    </a:cxn>
+                    <a:cxn ang="0">
+                      <a:pos x="connsiteX8" y="connsiteY8"/>
+                    </a:cxn>
+                  </a:cxnLst>
+                  <a:rect l="l" t="t" r="r" b="b"/>
+                  <a:pathLst>
+                    <a:path w="622963" h="1230185">
+                      <a:moveTo>
+                        <a:pt x="622963" y="1230185"/>
+                      </a:moveTo>
+                      <a:cubicBezTo>
+                        <a:pt x="503018" y="1183618"/>
+                        <a:pt x="383074" y="1137052"/>
+                        <a:pt x="360496" y="1052385"/>
+                      </a:cubicBezTo>
+                      <a:cubicBezTo>
+                        <a:pt x="337918" y="967718"/>
+                        <a:pt x="453629" y="846363"/>
+                        <a:pt x="487496" y="722185"/>
+                      </a:cubicBezTo>
+                      <a:cubicBezTo>
+                        <a:pt x="521363" y="598007"/>
+                        <a:pt x="632840" y="386341"/>
+                        <a:pt x="563696" y="307319"/>
+                      </a:cubicBezTo>
+                      <a:cubicBezTo>
+                        <a:pt x="494552" y="228297"/>
+                        <a:pt x="161530" y="207130"/>
+                        <a:pt x="72630" y="248052"/>
+                      </a:cubicBezTo>
+                      <a:cubicBezTo>
+                        <a:pt x="-16270" y="288974"/>
+                        <a:pt x="-14859" y="513341"/>
+                        <a:pt x="30296" y="552852"/>
+                      </a:cubicBezTo>
+                      <a:cubicBezTo>
+                        <a:pt x="75451" y="592363"/>
+                        <a:pt x="295585" y="566963"/>
+                        <a:pt x="343563" y="485119"/>
+                      </a:cubicBezTo>
+                      <a:cubicBezTo>
+                        <a:pt x="391541" y="403275"/>
+                        <a:pt x="274419" y="140807"/>
+                        <a:pt x="318163" y="61785"/>
+                      </a:cubicBezTo>
+                      <a:cubicBezTo>
+                        <a:pt x="361907" y="-17237"/>
+                        <a:pt x="483968" y="-3126"/>
+                        <a:pt x="606030" y="10985"/>
+                      </a:cubicBezTo>
+                    </a:path>
+                  </a:pathLst>
+                </a:custGeom>
+                <a:noFill/>
+                <a:ln w="19050">
+                  <a:solidFill>
+                    <a:schemeClr val="accent1">
+                      <a:lumMod val="50000"/>
+                      <a:alpha val="60000"/>
+                    </a:schemeClr>
+                  </a:solidFill>
+                </a:ln>
+              </p:spPr>
+              <p:style>
+                <a:lnRef idx="2">
+                  <a:schemeClr val="accent1">
+                    <a:shade val="15000"/>
+                  </a:schemeClr>
+                </a:lnRef>
+                <a:fillRef idx="1">
+                  <a:schemeClr val="accent1"/>
+                </a:fillRef>
+                <a:effectRef idx="0">
+                  <a:schemeClr val="accent1"/>
+                </a:effectRef>
+                <a:fontRef idx="minor">
+                  <a:schemeClr val="lt1"/>
+                </a:fontRef>
+              </p:style>
+              <p:txBody>
+                <a:bodyPr rtlCol="0" anchor="ctr"/>
+                <a:lstStyle/>
+                <a:p>
+                  <a:pPr algn="ctr"/>
+                  <a:endParaRPr lang="en-US"/>
+                </a:p>
+              </p:txBody>
+            </p:sp>
+          </p:grpSp>
+          <p:grpSp>
+            <p:nvGrpSpPr>
+              <p:cNvPr id="22" name="Group 21">
+                <a:extLst>
+                  <a:ext uri="{FF2B5EF4-FFF2-40B4-BE49-F238E27FC236}">
+                    <a16:creationId xmlns:a16="http://schemas.microsoft.com/office/drawing/2014/main" id="{46502931-23CB-4B8F-E02F-10544AEFEE57}"/>
+                  </a:ext>
+                </a:extLst>
+              </p:cNvPr>
+              <p:cNvGrpSpPr/>
+              <p:nvPr/>
+            </p:nvGrpSpPr>
+            <p:grpSpPr>
+              <a:xfrm>
+                <a:off x="6968608" y="2665610"/>
+                <a:ext cx="2209171" cy="1796088"/>
+                <a:chOff x="7364442" y="2657612"/>
+                <a:chExt cx="2209171" cy="1796088"/>
+              </a:xfrm>
+            </p:grpSpPr>
+            <p:sp>
+              <p:nvSpPr>
+                <p:cNvPr id="23" name="Freeform: Shape 22">
+                  <a:extLst>
+                    <a:ext uri="{FF2B5EF4-FFF2-40B4-BE49-F238E27FC236}">
+                      <a16:creationId xmlns:a16="http://schemas.microsoft.com/office/drawing/2014/main" id="{32874452-8360-9F76-423E-BDA4C2F71B23}"/>
+                    </a:ext>
+                  </a:extLst>
+                </p:cNvPr>
+                <p:cNvSpPr/>
+                <p:nvPr/>
+              </p:nvSpPr>
+              <p:spPr>
+                <a:xfrm>
+                  <a:off x="7364442" y="2728028"/>
+                  <a:ext cx="1314764" cy="756190"/>
+                </a:xfrm>
+                <a:custGeom>
+                  <a:avLst/>
+                  <a:gdLst>
+                    <a:gd name="connsiteX0" fmla="*/ 0 w 1388534"/>
+                    <a:gd name="connsiteY0" fmla="*/ 376306 h 798619"/>
+                    <a:gd name="connsiteX1" fmla="*/ 499534 w 1388534"/>
+                    <a:gd name="connsiteY1" fmla="*/ 274706 h 798619"/>
+                    <a:gd name="connsiteX2" fmla="*/ 457200 w 1388534"/>
+                    <a:gd name="connsiteY2" fmla="*/ 791173 h 798619"/>
+                    <a:gd name="connsiteX3" fmla="*/ 84667 w 1388534"/>
+                    <a:gd name="connsiteY3" fmla="*/ 571040 h 798619"/>
+                    <a:gd name="connsiteX4" fmla="*/ 338667 w 1388534"/>
+                    <a:gd name="connsiteY4" fmla="*/ 435573 h 798619"/>
+                    <a:gd name="connsiteX5" fmla="*/ 762000 w 1388534"/>
+                    <a:gd name="connsiteY5" fmla="*/ 418640 h 798619"/>
+                    <a:gd name="connsiteX6" fmla="*/ 939800 w 1388534"/>
+                    <a:gd name="connsiteY6" fmla="*/ 63040 h 798619"/>
+                    <a:gd name="connsiteX7" fmla="*/ 601134 w 1388534"/>
+                    <a:gd name="connsiteY7" fmla="*/ 46106 h 798619"/>
+                    <a:gd name="connsiteX8" fmla="*/ 1126067 w 1388534"/>
+                    <a:gd name="connsiteY8" fmla="*/ 537173 h 798619"/>
+                    <a:gd name="connsiteX9" fmla="*/ 1388534 w 1388534"/>
+                    <a:gd name="connsiteY9" fmla="*/ 300106 h 798619"/>
+                  </a:gdLst>
+                  <a:ahLst/>
+                  <a:cxnLst>
+                    <a:cxn ang="0">
+                      <a:pos x="connsiteX0" y="connsiteY0"/>
+                    </a:cxn>
+                    <a:cxn ang="0">
+                      <a:pos x="connsiteX1" y="connsiteY1"/>
+                    </a:cxn>
+                    <a:cxn ang="0">
+                      <a:pos x="connsiteX2" y="connsiteY2"/>
+                    </a:cxn>
+                    <a:cxn ang="0">
+                      <a:pos x="connsiteX3" y="connsiteY3"/>
+                    </a:cxn>
+                    <a:cxn ang="0">
+                      <a:pos x="connsiteX4" y="connsiteY4"/>
+                    </a:cxn>
+                    <a:cxn ang="0">
+                      <a:pos x="connsiteX5" y="connsiteY5"/>
+                    </a:cxn>
+                    <a:cxn ang="0">
+                      <a:pos x="connsiteX6" y="connsiteY6"/>
+                    </a:cxn>
+                    <a:cxn ang="0">
+                      <a:pos x="connsiteX7" y="connsiteY7"/>
+                    </a:cxn>
+                    <a:cxn ang="0">
+                      <a:pos x="connsiteX8" y="connsiteY8"/>
+                    </a:cxn>
+                    <a:cxn ang="0">
+                      <a:pos x="connsiteX9" y="connsiteY9"/>
+                    </a:cxn>
+                  </a:cxnLst>
+                  <a:rect l="l" t="t" r="r" b="b"/>
+                  <a:pathLst>
+                    <a:path w="1388534" h="798619">
+                      <a:moveTo>
+                        <a:pt x="0" y="376306"/>
+                      </a:moveTo>
+                      <a:cubicBezTo>
+                        <a:pt x="211667" y="290933"/>
+                        <a:pt x="423334" y="205561"/>
+                        <a:pt x="499534" y="274706"/>
+                      </a:cubicBezTo>
+                      <a:cubicBezTo>
+                        <a:pt x="575734" y="343850"/>
+                        <a:pt x="526344" y="741784"/>
+                        <a:pt x="457200" y="791173"/>
+                      </a:cubicBezTo>
+                      <a:cubicBezTo>
+                        <a:pt x="388056" y="840562"/>
+                        <a:pt x="104422" y="630307"/>
+                        <a:pt x="84667" y="571040"/>
+                      </a:cubicBezTo>
+                      <a:cubicBezTo>
+                        <a:pt x="64912" y="511773"/>
+                        <a:pt x="225778" y="460973"/>
+                        <a:pt x="338667" y="435573"/>
+                      </a:cubicBezTo>
+                      <a:cubicBezTo>
+                        <a:pt x="451556" y="410173"/>
+                        <a:pt x="661811" y="480729"/>
+                        <a:pt x="762000" y="418640"/>
+                      </a:cubicBezTo>
+                      <a:cubicBezTo>
+                        <a:pt x="862189" y="356551"/>
+                        <a:pt x="966611" y="125129"/>
+                        <a:pt x="939800" y="63040"/>
+                      </a:cubicBezTo>
+                      <a:cubicBezTo>
+                        <a:pt x="912989" y="951"/>
+                        <a:pt x="570090" y="-32916"/>
+                        <a:pt x="601134" y="46106"/>
+                      </a:cubicBezTo>
+                      <a:cubicBezTo>
+                        <a:pt x="632178" y="125128"/>
+                        <a:pt x="994834" y="494840"/>
+                        <a:pt x="1126067" y="537173"/>
+                      </a:cubicBezTo>
+                      <a:cubicBezTo>
+                        <a:pt x="1257300" y="579506"/>
+                        <a:pt x="1322917" y="439806"/>
+                        <a:pt x="1388534" y="300106"/>
+                      </a:cubicBezTo>
+                    </a:path>
+                  </a:pathLst>
+                </a:custGeom>
+                <a:noFill/>
+                <a:ln w="19050">
+                  <a:solidFill>
+                    <a:schemeClr val="accent1">
+                      <a:lumMod val="50000"/>
+                      <a:alpha val="60000"/>
+                    </a:schemeClr>
+                  </a:solidFill>
+                </a:ln>
+              </p:spPr>
+              <p:style>
+                <a:lnRef idx="2">
+                  <a:schemeClr val="accent1">
+                    <a:shade val="15000"/>
+                  </a:schemeClr>
+                </a:lnRef>
+                <a:fillRef idx="1">
+                  <a:schemeClr val="accent1"/>
+                </a:fillRef>
+                <a:effectRef idx="0">
+                  <a:schemeClr val="accent1"/>
+                </a:effectRef>
+                <a:fontRef idx="minor">
+                  <a:schemeClr val="lt1"/>
+                </a:fontRef>
+              </p:style>
+              <p:txBody>
+                <a:bodyPr rtlCol="0" anchor="ctr"/>
+                <a:lstStyle/>
+                <a:p>
+                  <a:pPr algn="ctr"/>
+                  <a:endParaRPr lang="en-US"/>
+                </a:p>
+              </p:txBody>
+            </p:sp>
+            <p:sp>
+              <p:nvSpPr>
+                <p:cNvPr id="24" name="Freeform: Shape 23">
+                  <a:extLst>
+                    <a:ext uri="{FF2B5EF4-FFF2-40B4-BE49-F238E27FC236}">
+                      <a16:creationId xmlns:a16="http://schemas.microsoft.com/office/drawing/2014/main" id="{DB6856CB-DFC8-14A9-9600-A00E5CE78EED}"/>
+                    </a:ext>
+                  </a:extLst>
+                </p:cNvPr>
+                <p:cNvSpPr/>
+                <p:nvPr/>
+              </p:nvSpPr>
+              <p:spPr>
+                <a:xfrm rot="6736070">
+                  <a:off x="7761713" y="3149690"/>
+                  <a:ext cx="622963" cy="1230185"/>
+                </a:xfrm>
+                <a:custGeom>
+                  <a:avLst/>
+                  <a:gdLst>
+                    <a:gd name="connsiteX0" fmla="*/ 622963 w 622963"/>
+                    <a:gd name="connsiteY0" fmla="*/ 1230185 h 1230185"/>
+                    <a:gd name="connsiteX1" fmla="*/ 360496 w 622963"/>
+                    <a:gd name="connsiteY1" fmla="*/ 1052385 h 1230185"/>
+                    <a:gd name="connsiteX2" fmla="*/ 487496 w 622963"/>
+                    <a:gd name="connsiteY2" fmla="*/ 722185 h 1230185"/>
+                    <a:gd name="connsiteX3" fmla="*/ 563696 w 622963"/>
+                    <a:gd name="connsiteY3" fmla="*/ 307319 h 1230185"/>
+                    <a:gd name="connsiteX4" fmla="*/ 72630 w 622963"/>
+                    <a:gd name="connsiteY4" fmla="*/ 248052 h 1230185"/>
+                    <a:gd name="connsiteX5" fmla="*/ 30296 w 622963"/>
+                    <a:gd name="connsiteY5" fmla="*/ 552852 h 1230185"/>
+                    <a:gd name="connsiteX6" fmla="*/ 343563 w 622963"/>
+                    <a:gd name="connsiteY6" fmla="*/ 485119 h 1230185"/>
+                    <a:gd name="connsiteX7" fmla="*/ 318163 w 622963"/>
+                    <a:gd name="connsiteY7" fmla="*/ 61785 h 1230185"/>
+                    <a:gd name="connsiteX8" fmla="*/ 606030 w 622963"/>
+                    <a:gd name="connsiteY8" fmla="*/ 10985 h 1230185"/>
+                  </a:gdLst>
+                  <a:ahLst/>
+                  <a:cxnLst>
+                    <a:cxn ang="0">
+                      <a:pos x="connsiteX0" y="connsiteY0"/>
+                    </a:cxn>
+                    <a:cxn ang="0">
+                      <a:pos x="connsiteX1" y="connsiteY1"/>
+                    </a:cxn>
+                    <a:cxn ang="0">
+                      <a:pos x="connsiteX2" y="connsiteY2"/>
+                    </a:cxn>
+                    <a:cxn ang="0">
+                      <a:pos x="connsiteX3" y="connsiteY3"/>
+                    </a:cxn>
+                    <a:cxn ang="0">
+                      <a:pos x="connsiteX4" y="connsiteY4"/>
+                    </a:cxn>
+                    <a:cxn ang="0">
+                      <a:pos x="connsiteX5" y="connsiteY5"/>
+                    </a:cxn>
+                    <a:cxn ang="0">
+                      <a:pos x="connsiteX6" y="connsiteY6"/>
+                    </a:cxn>
+                    <a:cxn ang="0">
+                      <a:pos x="connsiteX7" y="connsiteY7"/>
+                    </a:cxn>
+                    <a:cxn ang="0">
+                      <a:pos x="connsiteX8" y="connsiteY8"/>
+                    </a:cxn>
+                  </a:cxnLst>
+                  <a:rect l="l" t="t" r="r" b="b"/>
+                  <a:pathLst>
+                    <a:path w="622963" h="1230185">
+                      <a:moveTo>
+                        <a:pt x="622963" y="1230185"/>
+                      </a:moveTo>
+                      <a:cubicBezTo>
+                        <a:pt x="503018" y="1183618"/>
+                        <a:pt x="383074" y="1137052"/>
+                        <a:pt x="360496" y="1052385"/>
+                      </a:cubicBezTo>
+                      <a:cubicBezTo>
+                        <a:pt x="337918" y="967718"/>
+                        <a:pt x="453629" y="846363"/>
+                        <a:pt x="487496" y="722185"/>
+                      </a:cubicBezTo>
+                      <a:cubicBezTo>
+                        <a:pt x="521363" y="598007"/>
+                        <a:pt x="632840" y="386341"/>
+                        <a:pt x="563696" y="307319"/>
+                      </a:cubicBezTo>
+                      <a:cubicBezTo>
+                        <a:pt x="494552" y="228297"/>
+                        <a:pt x="161530" y="207130"/>
+                        <a:pt x="72630" y="248052"/>
+                      </a:cubicBezTo>
+                      <a:cubicBezTo>
+                        <a:pt x="-16270" y="288974"/>
+                        <a:pt x="-14859" y="513341"/>
+                        <a:pt x="30296" y="552852"/>
+                      </a:cubicBezTo>
+                      <a:cubicBezTo>
+                        <a:pt x="75451" y="592363"/>
+                        <a:pt x="295585" y="566963"/>
+                        <a:pt x="343563" y="485119"/>
+                      </a:cubicBezTo>
+                      <a:cubicBezTo>
+                        <a:pt x="391541" y="403275"/>
+                        <a:pt x="274419" y="140807"/>
+                        <a:pt x="318163" y="61785"/>
+                      </a:cubicBezTo>
+                      <a:cubicBezTo>
+                        <a:pt x="361907" y="-17237"/>
+                        <a:pt x="483968" y="-3126"/>
+                        <a:pt x="606030" y="10985"/>
+                      </a:cubicBezTo>
+                    </a:path>
+                  </a:pathLst>
+                </a:custGeom>
+                <a:noFill/>
+                <a:ln w="19050">
+                  <a:solidFill>
+                    <a:schemeClr val="accent1">
+                      <a:lumMod val="50000"/>
+                      <a:alpha val="60000"/>
+                    </a:schemeClr>
+                  </a:solidFill>
+                </a:ln>
+              </p:spPr>
+              <p:style>
+                <a:lnRef idx="2">
+                  <a:schemeClr val="accent1">
+                    <a:shade val="15000"/>
+                  </a:schemeClr>
+                </a:lnRef>
+                <a:fillRef idx="1">
+                  <a:schemeClr val="accent1"/>
+                </a:fillRef>
+                <a:effectRef idx="0">
+                  <a:schemeClr val="accent1"/>
+                </a:effectRef>
+                <a:fontRef idx="minor">
+                  <a:schemeClr val="lt1"/>
+                </a:fontRef>
+              </p:style>
+              <p:txBody>
+                <a:bodyPr rtlCol="0" anchor="ctr"/>
+                <a:lstStyle/>
+                <a:p>
+                  <a:pPr algn="ctr"/>
+                  <a:endParaRPr lang="en-US"/>
+                </a:p>
+              </p:txBody>
+            </p:sp>
+            <p:sp>
+              <p:nvSpPr>
+                <p:cNvPr id="25" name="Freeform: Shape 24">
+                  <a:extLst>
+                    <a:ext uri="{FF2B5EF4-FFF2-40B4-BE49-F238E27FC236}">
+                      <a16:creationId xmlns:a16="http://schemas.microsoft.com/office/drawing/2014/main" id="{6FF25A3F-E910-B706-AF21-961582260913}"/>
+                    </a:ext>
+                  </a:extLst>
+                </p:cNvPr>
+                <p:cNvSpPr/>
+                <p:nvPr/>
+              </p:nvSpPr>
+              <p:spPr>
+                <a:xfrm>
+                  <a:off x="8589633" y="3322756"/>
+                  <a:ext cx="983980" cy="830441"/>
+                </a:xfrm>
+                <a:custGeom>
+                  <a:avLst/>
+                  <a:gdLst>
+                    <a:gd name="connsiteX0" fmla="*/ 61113 w 983980"/>
+                    <a:gd name="connsiteY0" fmla="*/ 830441 h 830441"/>
+                    <a:gd name="connsiteX1" fmla="*/ 205047 w 983980"/>
+                    <a:gd name="connsiteY1" fmla="*/ 627241 h 830441"/>
+                    <a:gd name="connsiteX2" fmla="*/ 1847 w 983980"/>
+                    <a:gd name="connsiteY2" fmla="*/ 271641 h 830441"/>
+                    <a:gd name="connsiteX3" fmla="*/ 348980 w 983980"/>
+                    <a:gd name="connsiteY3" fmla="*/ 237774 h 830441"/>
+                    <a:gd name="connsiteX4" fmla="*/ 806180 w 983980"/>
+                    <a:gd name="connsiteY4" fmla="*/ 144641 h 830441"/>
+                    <a:gd name="connsiteX5" fmla="*/ 645313 w 983980"/>
+                    <a:gd name="connsiteY5" fmla="*/ 9174 h 830441"/>
+                    <a:gd name="connsiteX6" fmla="*/ 323580 w 983980"/>
+                    <a:gd name="connsiteY6" fmla="*/ 424041 h 830441"/>
+                    <a:gd name="connsiteX7" fmla="*/ 814647 w 983980"/>
+                    <a:gd name="connsiteY7" fmla="*/ 500241 h 830441"/>
+                    <a:gd name="connsiteX8" fmla="*/ 983980 w 983980"/>
+                    <a:gd name="connsiteY8" fmla="*/ 271641 h 830441"/>
+                  </a:gdLst>
+                  <a:ahLst/>
+                  <a:cxnLst>
+                    <a:cxn ang="0">
+                      <a:pos x="connsiteX0" y="connsiteY0"/>
+                    </a:cxn>
+                    <a:cxn ang="0">
+                      <a:pos x="connsiteX1" y="connsiteY1"/>
+                    </a:cxn>
+                    <a:cxn ang="0">
+                      <a:pos x="connsiteX2" y="connsiteY2"/>
+                    </a:cxn>
+                    <a:cxn ang="0">
+                      <a:pos x="connsiteX3" y="connsiteY3"/>
+                    </a:cxn>
+                    <a:cxn ang="0">
+                      <a:pos x="connsiteX4" y="connsiteY4"/>
+                    </a:cxn>
+                    <a:cxn ang="0">
+                      <a:pos x="connsiteX5" y="connsiteY5"/>
+                    </a:cxn>
+                    <a:cxn ang="0">
+                      <a:pos x="connsiteX6" y="connsiteY6"/>
+                    </a:cxn>
+                    <a:cxn ang="0">
+                      <a:pos x="connsiteX7" y="connsiteY7"/>
+                    </a:cxn>
+                    <a:cxn ang="0">
+                      <a:pos x="connsiteX8" y="connsiteY8"/>
+                    </a:cxn>
+                  </a:cxnLst>
+                  <a:rect l="l" t="t" r="r" b="b"/>
+                  <a:pathLst>
+                    <a:path w="983980" h="830441">
+                      <a:moveTo>
+                        <a:pt x="61113" y="830441"/>
+                      </a:moveTo>
+                      <a:cubicBezTo>
+                        <a:pt x="138019" y="775407"/>
+                        <a:pt x="214925" y="720374"/>
+                        <a:pt x="205047" y="627241"/>
+                      </a:cubicBezTo>
+                      <a:cubicBezTo>
+                        <a:pt x="195169" y="534108"/>
+                        <a:pt x="-22142" y="336552"/>
+                        <a:pt x="1847" y="271641"/>
+                      </a:cubicBezTo>
+                      <a:cubicBezTo>
+                        <a:pt x="25836" y="206730"/>
+                        <a:pt x="214925" y="258941"/>
+                        <a:pt x="348980" y="237774"/>
+                      </a:cubicBezTo>
+                      <a:cubicBezTo>
+                        <a:pt x="483035" y="216607"/>
+                        <a:pt x="756791" y="182741"/>
+                        <a:pt x="806180" y="144641"/>
+                      </a:cubicBezTo>
+                      <a:cubicBezTo>
+                        <a:pt x="855569" y="106541"/>
+                        <a:pt x="725746" y="-37393"/>
+                        <a:pt x="645313" y="9174"/>
+                      </a:cubicBezTo>
+                      <a:cubicBezTo>
+                        <a:pt x="564880" y="55741"/>
+                        <a:pt x="295358" y="342197"/>
+                        <a:pt x="323580" y="424041"/>
+                      </a:cubicBezTo>
+                      <a:cubicBezTo>
+                        <a:pt x="351802" y="505885"/>
+                        <a:pt x="704580" y="525641"/>
+                        <a:pt x="814647" y="500241"/>
+                      </a:cubicBezTo>
+                      <a:cubicBezTo>
+                        <a:pt x="924714" y="474841"/>
+                        <a:pt x="954347" y="373241"/>
+                        <a:pt x="983980" y="271641"/>
+                      </a:cubicBezTo>
+                    </a:path>
+                  </a:pathLst>
+                </a:custGeom>
+                <a:noFill/>
+                <a:ln w="19050">
+                  <a:solidFill>
+                    <a:schemeClr val="accent1">
+                      <a:lumMod val="50000"/>
+                      <a:alpha val="60000"/>
+                    </a:schemeClr>
+                  </a:solidFill>
+                </a:ln>
+              </p:spPr>
+              <p:style>
+                <a:lnRef idx="2">
+                  <a:schemeClr val="accent1">
+                    <a:shade val="15000"/>
+                  </a:schemeClr>
+                </a:lnRef>
+                <a:fillRef idx="1">
+                  <a:schemeClr val="accent1"/>
+                </a:fillRef>
+                <a:effectRef idx="0">
+                  <a:schemeClr val="accent1"/>
+                </a:effectRef>
+                <a:fontRef idx="minor">
+                  <a:schemeClr val="lt1"/>
+                </a:fontRef>
+              </p:style>
+              <p:txBody>
+                <a:bodyPr rtlCol="0" anchor="ctr"/>
+                <a:lstStyle/>
+                <a:p>
+                  <a:pPr algn="ctr"/>
+                  <a:endParaRPr lang="en-US"/>
+                </a:p>
+              </p:txBody>
+            </p:sp>
+            <p:sp>
+              <p:nvSpPr>
+                <p:cNvPr id="26" name="Freeform: Shape 25">
+                  <a:extLst>
+                    <a:ext uri="{FF2B5EF4-FFF2-40B4-BE49-F238E27FC236}">
+                      <a16:creationId xmlns:a16="http://schemas.microsoft.com/office/drawing/2014/main" id="{5C9ADE42-28AE-C963-0AE7-9238EAF8E9AD}"/>
+                    </a:ext>
+                  </a:extLst>
+                </p:cNvPr>
+                <p:cNvSpPr/>
+                <p:nvPr/>
+              </p:nvSpPr>
+              <p:spPr>
+                <a:xfrm rot="6736070">
+                  <a:off x="8636332" y="2354001"/>
+                  <a:ext cx="622963" cy="1230185"/>
+                </a:xfrm>
+                <a:custGeom>
+                  <a:avLst/>
+                  <a:gdLst>
+                    <a:gd name="connsiteX0" fmla="*/ 622963 w 622963"/>
+                    <a:gd name="connsiteY0" fmla="*/ 1230185 h 1230185"/>
+                    <a:gd name="connsiteX1" fmla="*/ 360496 w 622963"/>
+                    <a:gd name="connsiteY1" fmla="*/ 1052385 h 1230185"/>
+                    <a:gd name="connsiteX2" fmla="*/ 487496 w 622963"/>
+                    <a:gd name="connsiteY2" fmla="*/ 722185 h 1230185"/>
+                    <a:gd name="connsiteX3" fmla="*/ 563696 w 622963"/>
+                    <a:gd name="connsiteY3" fmla="*/ 307319 h 1230185"/>
+                    <a:gd name="connsiteX4" fmla="*/ 72630 w 622963"/>
+                    <a:gd name="connsiteY4" fmla="*/ 248052 h 1230185"/>
+                    <a:gd name="connsiteX5" fmla="*/ 30296 w 622963"/>
+                    <a:gd name="connsiteY5" fmla="*/ 552852 h 1230185"/>
+                    <a:gd name="connsiteX6" fmla="*/ 343563 w 622963"/>
+                    <a:gd name="connsiteY6" fmla="*/ 485119 h 1230185"/>
+                    <a:gd name="connsiteX7" fmla="*/ 318163 w 622963"/>
+                    <a:gd name="connsiteY7" fmla="*/ 61785 h 1230185"/>
+                    <a:gd name="connsiteX8" fmla="*/ 606030 w 622963"/>
+                    <a:gd name="connsiteY8" fmla="*/ 10985 h 1230185"/>
+                  </a:gdLst>
+                  <a:ahLst/>
+                  <a:cxnLst>
+                    <a:cxn ang="0">
+                      <a:pos x="connsiteX0" y="connsiteY0"/>
+                    </a:cxn>
+                    <a:cxn ang="0">
+                      <a:pos x="connsiteX1" y="connsiteY1"/>
+                    </a:cxn>
+                    <a:cxn ang="0">
+                      <a:pos x="connsiteX2" y="connsiteY2"/>
+                    </a:cxn>
+                    <a:cxn ang="0">
+                      <a:pos x="connsiteX3" y="connsiteY3"/>
+                    </a:cxn>
+                    <a:cxn ang="0">
+                      <a:pos x="connsiteX4" y="connsiteY4"/>
+                    </a:cxn>
+                    <a:cxn ang="0">
+                      <a:pos x="connsiteX5" y="connsiteY5"/>
+                    </a:cxn>
+                    <a:cxn ang="0">
+                      <a:pos x="connsiteX6" y="connsiteY6"/>
+                    </a:cxn>
+                    <a:cxn ang="0">
+                      <a:pos x="connsiteX7" y="connsiteY7"/>
+                    </a:cxn>
+                    <a:cxn ang="0">
+                      <a:pos x="connsiteX8" y="connsiteY8"/>
+                    </a:cxn>
+                  </a:cxnLst>
+                  <a:rect l="l" t="t" r="r" b="b"/>
+                  <a:pathLst>
+                    <a:path w="622963" h="1230185">
+                      <a:moveTo>
+                        <a:pt x="622963" y="1230185"/>
+                      </a:moveTo>
+                      <a:cubicBezTo>
+                        <a:pt x="503018" y="1183618"/>
+                        <a:pt x="383074" y="1137052"/>
+                        <a:pt x="360496" y="1052385"/>
+                      </a:cubicBezTo>
+                      <a:cubicBezTo>
+                        <a:pt x="337918" y="967718"/>
+                        <a:pt x="453629" y="846363"/>
+                        <a:pt x="487496" y="722185"/>
+                      </a:cubicBezTo>
+                      <a:cubicBezTo>
+                        <a:pt x="521363" y="598007"/>
+                        <a:pt x="632840" y="386341"/>
+                        <a:pt x="563696" y="307319"/>
+                      </a:cubicBezTo>
+                      <a:cubicBezTo>
+                        <a:pt x="494552" y="228297"/>
+                        <a:pt x="161530" y="207130"/>
+                        <a:pt x="72630" y="248052"/>
+                      </a:cubicBezTo>
+                      <a:cubicBezTo>
+                        <a:pt x="-16270" y="288974"/>
+                        <a:pt x="-14859" y="513341"/>
+                        <a:pt x="30296" y="552852"/>
+                      </a:cubicBezTo>
+                      <a:cubicBezTo>
+                        <a:pt x="75451" y="592363"/>
+                        <a:pt x="295585" y="566963"/>
+                        <a:pt x="343563" y="485119"/>
+                      </a:cubicBezTo>
+                      <a:cubicBezTo>
+                        <a:pt x="391541" y="403275"/>
+                        <a:pt x="274419" y="140807"/>
+                        <a:pt x="318163" y="61785"/>
+                      </a:cubicBezTo>
+                      <a:cubicBezTo>
+                        <a:pt x="361907" y="-17237"/>
+                        <a:pt x="483968" y="-3126"/>
+                        <a:pt x="606030" y="10985"/>
+                      </a:cubicBezTo>
+                    </a:path>
+                  </a:pathLst>
+                </a:custGeom>
+                <a:noFill/>
+                <a:ln w="19050">
+                  <a:solidFill>
+                    <a:schemeClr val="accent1">
+                      <a:lumMod val="50000"/>
+                      <a:alpha val="60000"/>
+                    </a:schemeClr>
+                  </a:solidFill>
+                </a:ln>
+              </p:spPr>
+              <p:style>
+                <a:lnRef idx="2">
+                  <a:schemeClr val="accent1">
+                    <a:shade val="15000"/>
+                  </a:schemeClr>
+                </a:lnRef>
+                <a:fillRef idx="1">
+                  <a:schemeClr val="accent1"/>
+                </a:fillRef>
+                <a:effectRef idx="0">
+                  <a:schemeClr val="accent1"/>
+                </a:effectRef>
+                <a:fontRef idx="minor">
+                  <a:schemeClr val="lt1"/>
+                </a:fontRef>
+              </p:style>
+              <p:txBody>
+                <a:bodyPr rtlCol="0" anchor="ctr"/>
+                <a:lstStyle/>
+                <a:p>
+                  <a:pPr algn="ctr"/>
+                  <a:endParaRPr lang="en-US"/>
+                </a:p>
+              </p:txBody>
+            </p:sp>
+            <p:sp>
+              <p:nvSpPr>
+                <p:cNvPr id="27" name="Freeform: Shape 26">
+                  <a:extLst>
+                    <a:ext uri="{FF2B5EF4-FFF2-40B4-BE49-F238E27FC236}">
+                      <a16:creationId xmlns:a16="http://schemas.microsoft.com/office/drawing/2014/main" id="{6F1C54A2-33A1-0C07-6688-36642EF111D2}"/>
+                    </a:ext>
+                  </a:extLst>
+                </p:cNvPr>
+                <p:cNvSpPr/>
+                <p:nvPr/>
+              </p:nvSpPr>
+              <p:spPr>
+                <a:xfrm rot="6736070">
+                  <a:off x="7949079" y="2788395"/>
+                  <a:ext cx="622963" cy="1230185"/>
+                </a:xfrm>
+                <a:custGeom>
+                  <a:avLst/>
+                  <a:gdLst>
+                    <a:gd name="connsiteX0" fmla="*/ 622963 w 622963"/>
+                    <a:gd name="connsiteY0" fmla="*/ 1230185 h 1230185"/>
+                    <a:gd name="connsiteX1" fmla="*/ 360496 w 622963"/>
+                    <a:gd name="connsiteY1" fmla="*/ 1052385 h 1230185"/>
+                    <a:gd name="connsiteX2" fmla="*/ 487496 w 622963"/>
+                    <a:gd name="connsiteY2" fmla="*/ 722185 h 1230185"/>
+                    <a:gd name="connsiteX3" fmla="*/ 563696 w 622963"/>
+                    <a:gd name="connsiteY3" fmla="*/ 307319 h 1230185"/>
+                    <a:gd name="connsiteX4" fmla="*/ 72630 w 622963"/>
+                    <a:gd name="connsiteY4" fmla="*/ 248052 h 1230185"/>
+                    <a:gd name="connsiteX5" fmla="*/ 30296 w 622963"/>
+                    <a:gd name="connsiteY5" fmla="*/ 552852 h 1230185"/>
+                    <a:gd name="connsiteX6" fmla="*/ 343563 w 622963"/>
+                    <a:gd name="connsiteY6" fmla="*/ 485119 h 1230185"/>
+                    <a:gd name="connsiteX7" fmla="*/ 318163 w 622963"/>
+                    <a:gd name="connsiteY7" fmla="*/ 61785 h 1230185"/>
+                    <a:gd name="connsiteX8" fmla="*/ 606030 w 622963"/>
+                    <a:gd name="connsiteY8" fmla="*/ 10985 h 1230185"/>
+                  </a:gdLst>
+                  <a:ahLst/>
+                  <a:cxnLst>
+                    <a:cxn ang="0">
+                      <a:pos x="connsiteX0" y="connsiteY0"/>
+                    </a:cxn>
+                    <a:cxn ang="0">
+                      <a:pos x="connsiteX1" y="connsiteY1"/>
+                    </a:cxn>
+                    <a:cxn ang="0">
+                      <a:pos x="connsiteX2" y="connsiteY2"/>
+                    </a:cxn>
+                    <a:cxn ang="0">
+                      <a:pos x="connsiteX3" y="connsiteY3"/>
+                    </a:cxn>
+                    <a:cxn ang="0">
+                      <a:pos x="connsiteX4" y="connsiteY4"/>
+                    </a:cxn>
+                    <a:cxn ang="0">
+                      <a:pos x="connsiteX5" y="connsiteY5"/>
+                    </a:cxn>
+                    <a:cxn ang="0">
+                      <a:pos x="connsiteX6" y="connsiteY6"/>
+                    </a:cxn>
+                    <a:cxn ang="0">
+                      <a:pos x="connsiteX7" y="connsiteY7"/>
+                    </a:cxn>
+                    <a:cxn ang="0">
+                      <a:pos x="connsiteX8" y="connsiteY8"/>
+                    </a:cxn>
+                  </a:cxnLst>
+                  <a:rect l="l" t="t" r="r" b="b"/>
+                  <a:pathLst>
+                    <a:path w="622963" h="1230185">
+                      <a:moveTo>
+                        <a:pt x="622963" y="1230185"/>
+                      </a:moveTo>
+                      <a:cubicBezTo>
+                        <a:pt x="503018" y="1183618"/>
+                        <a:pt x="383074" y="1137052"/>
+                        <a:pt x="360496" y="1052385"/>
+                      </a:cubicBezTo>
+                      <a:cubicBezTo>
+                        <a:pt x="337918" y="967718"/>
+                        <a:pt x="453629" y="846363"/>
+                        <a:pt x="487496" y="722185"/>
+                      </a:cubicBezTo>
+                      <a:cubicBezTo>
+                        <a:pt x="521363" y="598007"/>
+                        <a:pt x="632840" y="386341"/>
+                        <a:pt x="563696" y="307319"/>
+                      </a:cubicBezTo>
+                      <a:cubicBezTo>
+                        <a:pt x="494552" y="228297"/>
+                        <a:pt x="161530" y="207130"/>
+                        <a:pt x="72630" y="248052"/>
+                      </a:cubicBezTo>
+                      <a:cubicBezTo>
+                        <a:pt x="-16270" y="288974"/>
+                        <a:pt x="-14859" y="513341"/>
+                        <a:pt x="30296" y="552852"/>
+                      </a:cubicBezTo>
+                      <a:cubicBezTo>
+                        <a:pt x="75451" y="592363"/>
+                        <a:pt x="295585" y="566963"/>
+                        <a:pt x="343563" y="485119"/>
+                      </a:cubicBezTo>
+                      <a:cubicBezTo>
+                        <a:pt x="391541" y="403275"/>
+                        <a:pt x="274419" y="140807"/>
+                        <a:pt x="318163" y="61785"/>
+                      </a:cubicBezTo>
+                      <a:cubicBezTo>
+                        <a:pt x="361907" y="-17237"/>
+                        <a:pt x="483968" y="-3126"/>
+                        <a:pt x="606030" y="10985"/>
+                      </a:cubicBezTo>
+                    </a:path>
+                  </a:pathLst>
+                </a:custGeom>
+                <a:noFill/>
+                <a:ln w="19050">
+                  <a:solidFill>
+                    <a:schemeClr val="accent1">
+                      <a:lumMod val="50000"/>
+                      <a:alpha val="60000"/>
+                    </a:schemeClr>
+                  </a:solidFill>
+                </a:ln>
+              </p:spPr>
+              <p:style>
+                <a:lnRef idx="2">
+                  <a:schemeClr val="accent1">
+                    <a:shade val="15000"/>
+                  </a:schemeClr>
+                </a:lnRef>
+                <a:fillRef idx="1">
+                  <a:schemeClr val="accent1"/>
+                </a:fillRef>
+                <a:effectRef idx="0">
+                  <a:schemeClr val="accent1"/>
+                </a:effectRef>
+                <a:fontRef idx="minor">
+                  <a:schemeClr val="lt1"/>
+                </a:fontRef>
+              </p:style>
+              <p:txBody>
+                <a:bodyPr rtlCol="0" anchor="ctr"/>
+                <a:lstStyle/>
+                <a:p>
+                  <a:pPr algn="ctr"/>
+                  <a:endParaRPr lang="en-US"/>
+                </a:p>
+              </p:txBody>
+            </p:sp>
+            <p:sp>
+              <p:nvSpPr>
+                <p:cNvPr id="28" name="Freeform: Shape 27">
+                  <a:extLst>
+                    <a:ext uri="{FF2B5EF4-FFF2-40B4-BE49-F238E27FC236}">
+                      <a16:creationId xmlns:a16="http://schemas.microsoft.com/office/drawing/2014/main" id="{C4531E76-B452-765B-D3FE-3B3275CF450B}"/>
+                    </a:ext>
+                  </a:extLst>
+                </p:cNvPr>
+                <p:cNvSpPr/>
+                <p:nvPr/>
+              </p:nvSpPr>
+              <p:spPr>
+                <a:xfrm>
+                  <a:off x="8552720" y="3914565"/>
+                  <a:ext cx="985481" cy="539135"/>
+                </a:xfrm>
+                <a:custGeom>
+                  <a:avLst/>
+                  <a:gdLst>
+                    <a:gd name="connsiteX0" fmla="*/ 61113 w 983980"/>
+                    <a:gd name="connsiteY0" fmla="*/ 830441 h 830441"/>
+                    <a:gd name="connsiteX1" fmla="*/ 205047 w 983980"/>
+                    <a:gd name="connsiteY1" fmla="*/ 627241 h 830441"/>
+                    <a:gd name="connsiteX2" fmla="*/ 1847 w 983980"/>
+                    <a:gd name="connsiteY2" fmla="*/ 271641 h 830441"/>
+                    <a:gd name="connsiteX3" fmla="*/ 348980 w 983980"/>
+                    <a:gd name="connsiteY3" fmla="*/ 237774 h 830441"/>
+                    <a:gd name="connsiteX4" fmla="*/ 806180 w 983980"/>
+                    <a:gd name="connsiteY4" fmla="*/ 144641 h 830441"/>
+                    <a:gd name="connsiteX5" fmla="*/ 645313 w 983980"/>
+                    <a:gd name="connsiteY5" fmla="*/ 9174 h 830441"/>
+                    <a:gd name="connsiteX6" fmla="*/ 323580 w 983980"/>
+                    <a:gd name="connsiteY6" fmla="*/ 424041 h 830441"/>
+                    <a:gd name="connsiteX7" fmla="*/ 814647 w 983980"/>
+                    <a:gd name="connsiteY7" fmla="*/ 500241 h 830441"/>
+                    <a:gd name="connsiteX8" fmla="*/ 983980 w 983980"/>
+                    <a:gd name="connsiteY8" fmla="*/ 271641 h 830441"/>
+                    <a:gd name="connsiteX0" fmla="*/ 62614 w 985481"/>
+                    <a:gd name="connsiteY0" fmla="*/ 830441 h 830441"/>
+                    <a:gd name="connsiteX1" fmla="*/ 168448 w 985481"/>
+                    <a:gd name="connsiteY1" fmla="*/ 539135 h 830441"/>
+                    <a:gd name="connsiteX2" fmla="*/ 3348 w 985481"/>
+                    <a:gd name="connsiteY2" fmla="*/ 271641 h 830441"/>
+                    <a:gd name="connsiteX3" fmla="*/ 350481 w 985481"/>
+                    <a:gd name="connsiteY3" fmla="*/ 237774 h 830441"/>
+                    <a:gd name="connsiteX4" fmla="*/ 807681 w 985481"/>
+                    <a:gd name="connsiteY4" fmla="*/ 144641 h 830441"/>
+                    <a:gd name="connsiteX5" fmla="*/ 646814 w 985481"/>
+                    <a:gd name="connsiteY5" fmla="*/ 9174 h 830441"/>
+                    <a:gd name="connsiteX6" fmla="*/ 325081 w 985481"/>
+                    <a:gd name="connsiteY6" fmla="*/ 424041 h 830441"/>
+                    <a:gd name="connsiteX7" fmla="*/ 816148 w 985481"/>
+                    <a:gd name="connsiteY7" fmla="*/ 500241 h 830441"/>
+                    <a:gd name="connsiteX8" fmla="*/ 985481 w 985481"/>
+                    <a:gd name="connsiteY8" fmla="*/ 271641 h 830441"/>
+                    <a:gd name="connsiteX0" fmla="*/ 168448 w 985481"/>
+                    <a:gd name="connsiteY0" fmla="*/ 539135 h 539135"/>
+                    <a:gd name="connsiteX1" fmla="*/ 3348 w 985481"/>
+                    <a:gd name="connsiteY1" fmla="*/ 271641 h 539135"/>
+                    <a:gd name="connsiteX2" fmla="*/ 350481 w 985481"/>
+                    <a:gd name="connsiteY2" fmla="*/ 237774 h 539135"/>
+                    <a:gd name="connsiteX3" fmla="*/ 807681 w 985481"/>
+                    <a:gd name="connsiteY3" fmla="*/ 144641 h 539135"/>
+                    <a:gd name="connsiteX4" fmla="*/ 646814 w 985481"/>
+                    <a:gd name="connsiteY4" fmla="*/ 9174 h 539135"/>
+                    <a:gd name="connsiteX5" fmla="*/ 325081 w 985481"/>
+                    <a:gd name="connsiteY5" fmla="*/ 424041 h 539135"/>
+                    <a:gd name="connsiteX6" fmla="*/ 816148 w 985481"/>
+                    <a:gd name="connsiteY6" fmla="*/ 500241 h 539135"/>
+                    <a:gd name="connsiteX7" fmla="*/ 985481 w 985481"/>
+                    <a:gd name="connsiteY7" fmla="*/ 271641 h 539135"/>
+                  </a:gdLst>
+                  <a:ahLst/>
+                  <a:cxnLst>
+                    <a:cxn ang="0">
+                      <a:pos x="connsiteX0" y="connsiteY0"/>
+                    </a:cxn>
+                    <a:cxn ang="0">
+                      <a:pos x="connsiteX1" y="connsiteY1"/>
+                    </a:cxn>
+                    <a:cxn ang="0">
+                      <a:pos x="connsiteX2" y="connsiteY2"/>
+                    </a:cxn>
+                    <a:cxn ang="0">
+                      <a:pos x="connsiteX3" y="connsiteY3"/>
+                    </a:cxn>
+                    <a:cxn ang="0">
+                      <a:pos x="connsiteX4" y="connsiteY4"/>
+                    </a:cxn>
+                    <a:cxn ang="0">
+                      <a:pos x="connsiteX5" y="connsiteY5"/>
+                    </a:cxn>
+                    <a:cxn ang="0">
+                      <a:pos x="connsiteX6" y="connsiteY6"/>
+                    </a:cxn>
+                    <a:cxn ang="0">
+                      <a:pos x="connsiteX7" y="connsiteY7"/>
+                    </a:cxn>
+                  </a:cxnLst>
+                  <a:rect l="l" t="t" r="r" b="b"/>
+                  <a:pathLst>
+                    <a:path w="985481" h="539135">
+                      <a:moveTo>
+                        <a:pt x="168448" y="539135"/>
+                      </a:moveTo>
+                      <a:cubicBezTo>
+                        <a:pt x="158570" y="446002"/>
+                        <a:pt x="-26991" y="321868"/>
+                        <a:pt x="3348" y="271641"/>
+                      </a:cubicBezTo>
+                      <a:cubicBezTo>
+                        <a:pt x="33687" y="221414"/>
+                        <a:pt x="216426" y="258941"/>
+                        <a:pt x="350481" y="237774"/>
+                      </a:cubicBezTo>
+                      <a:cubicBezTo>
+                        <a:pt x="484536" y="216607"/>
+                        <a:pt x="758292" y="182741"/>
+                        <a:pt x="807681" y="144641"/>
+                      </a:cubicBezTo>
+                      <a:cubicBezTo>
+                        <a:pt x="857070" y="106541"/>
+                        <a:pt x="727247" y="-37393"/>
+                        <a:pt x="646814" y="9174"/>
+                      </a:cubicBezTo>
+                      <a:cubicBezTo>
+                        <a:pt x="566381" y="55741"/>
+                        <a:pt x="296859" y="342197"/>
+                        <a:pt x="325081" y="424041"/>
+                      </a:cubicBezTo>
+                      <a:cubicBezTo>
+                        <a:pt x="353303" y="505885"/>
+                        <a:pt x="706081" y="525641"/>
+                        <a:pt x="816148" y="500241"/>
+                      </a:cubicBezTo>
+                      <a:cubicBezTo>
+                        <a:pt x="926215" y="474841"/>
+                        <a:pt x="955848" y="373241"/>
+                        <a:pt x="985481" y="271641"/>
+                      </a:cubicBezTo>
+                    </a:path>
+                  </a:pathLst>
+                </a:custGeom>
+                <a:noFill/>
+                <a:ln w="19050">
+                  <a:solidFill>
+                    <a:schemeClr val="accent1">
+                      <a:lumMod val="50000"/>
+                      <a:alpha val="60000"/>
+                    </a:schemeClr>
+                  </a:solidFill>
+                </a:ln>
+              </p:spPr>
+              <p:style>
+                <a:lnRef idx="2">
+                  <a:schemeClr val="accent1">
+                    <a:shade val="15000"/>
+                  </a:schemeClr>
+                </a:lnRef>
+                <a:fillRef idx="1">
+                  <a:schemeClr val="accent1"/>
+                </a:fillRef>
+                <a:effectRef idx="0">
+                  <a:schemeClr val="accent1"/>
+                </a:effectRef>
+                <a:fontRef idx="minor">
+                  <a:schemeClr val="lt1"/>
+                </a:fontRef>
+              </p:style>
+              <p:txBody>
+                <a:bodyPr rtlCol="0" anchor="ctr"/>
+                <a:lstStyle/>
+                <a:p>
+                  <a:pPr algn="ctr"/>
+                  <a:endParaRPr lang="en-US" dirty="0"/>
+                </a:p>
+              </p:txBody>
+            </p:sp>
+            <p:sp>
+              <p:nvSpPr>
+                <p:cNvPr id="29" name="Freeform: Shape 28">
+                  <a:extLst>
+                    <a:ext uri="{FF2B5EF4-FFF2-40B4-BE49-F238E27FC236}">
+                      <a16:creationId xmlns:a16="http://schemas.microsoft.com/office/drawing/2014/main" id="{64CD6521-7C69-BFFB-364F-DCBA51593F2F}"/>
+                    </a:ext>
+                  </a:extLst>
+                </p:cNvPr>
+                <p:cNvSpPr/>
+                <p:nvPr/>
+              </p:nvSpPr>
+              <p:spPr>
+                <a:xfrm rot="15583033">
+                  <a:off x="7818879" y="3471436"/>
+                  <a:ext cx="622963" cy="1230185"/>
+                </a:xfrm>
+                <a:custGeom>
+                  <a:avLst/>
+                  <a:gdLst>
+                    <a:gd name="connsiteX0" fmla="*/ 622963 w 622963"/>
+                    <a:gd name="connsiteY0" fmla="*/ 1230185 h 1230185"/>
+                    <a:gd name="connsiteX1" fmla="*/ 360496 w 622963"/>
+                    <a:gd name="connsiteY1" fmla="*/ 1052385 h 1230185"/>
+                    <a:gd name="connsiteX2" fmla="*/ 487496 w 622963"/>
+                    <a:gd name="connsiteY2" fmla="*/ 722185 h 1230185"/>
+                    <a:gd name="connsiteX3" fmla="*/ 563696 w 622963"/>
+                    <a:gd name="connsiteY3" fmla="*/ 307319 h 1230185"/>
+                    <a:gd name="connsiteX4" fmla="*/ 72630 w 622963"/>
+                    <a:gd name="connsiteY4" fmla="*/ 248052 h 1230185"/>
+                    <a:gd name="connsiteX5" fmla="*/ 30296 w 622963"/>
+                    <a:gd name="connsiteY5" fmla="*/ 552852 h 1230185"/>
+                    <a:gd name="connsiteX6" fmla="*/ 343563 w 622963"/>
+                    <a:gd name="connsiteY6" fmla="*/ 485119 h 1230185"/>
+                    <a:gd name="connsiteX7" fmla="*/ 318163 w 622963"/>
+                    <a:gd name="connsiteY7" fmla="*/ 61785 h 1230185"/>
+                    <a:gd name="connsiteX8" fmla="*/ 606030 w 622963"/>
+                    <a:gd name="connsiteY8" fmla="*/ 10985 h 1230185"/>
+                  </a:gdLst>
+                  <a:ahLst/>
+                  <a:cxnLst>
+                    <a:cxn ang="0">
+                      <a:pos x="connsiteX0" y="connsiteY0"/>
+                    </a:cxn>
+                    <a:cxn ang="0">
+                      <a:pos x="connsiteX1" y="connsiteY1"/>
+                    </a:cxn>
+                    <a:cxn ang="0">
+                      <a:pos x="connsiteX2" y="connsiteY2"/>
+                    </a:cxn>
+                    <a:cxn ang="0">
+                      <a:pos x="connsiteX3" y="connsiteY3"/>
+                    </a:cxn>
+                    <a:cxn ang="0">
+                      <a:pos x="connsiteX4" y="connsiteY4"/>
+                    </a:cxn>
+                    <a:cxn ang="0">
+                      <a:pos x="connsiteX5" y="connsiteY5"/>
+                    </a:cxn>
+                    <a:cxn ang="0">
+                      <a:pos x="connsiteX6" y="connsiteY6"/>
+                    </a:cxn>
+                    <a:cxn ang="0">
+                      <a:pos x="connsiteX7" y="connsiteY7"/>
+                    </a:cxn>
+                    <a:cxn ang="0">
+                      <a:pos x="connsiteX8" y="connsiteY8"/>
+                    </a:cxn>
+                  </a:cxnLst>
+                  <a:rect l="l" t="t" r="r" b="b"/>
+                  <a:pathLst>
+                    <a:path w="622963" h="1230185">
+                      <a:moveTo>
+                        <a:pt x="622963" y="1230185"/>
+                      </a:moveTo>
+                      <a:cubicBezTo>
+                        <a:pt x="503018" y="1183618"/>
+                        <a:pt x="383074" y="1137052"/>
+                        <a:pt x="360496" y="1052385"/>
+                      </a:cubicBezTo>
+                      <a:cubicBezTo>
+                        <a:pt x="337918" y="967718"/>
+                        <a:pt x="453629" y="846363"/>
+                        <a:pt x="487496" y="722185"/>
+                      </a:cubicBezTo>
+                      <a:cubicBezTo>
+                        <a:pt x="521363" y="598007"/>
+                        <a:pt x="632840" y="386341"/>
+                        <a:pt x="563696" y="307319"/>
+                      </a:cubicBezTo>
+                      <a:cubicBezTo>
+                        <a:pt x="494552" y="228297"/>
+                        <a:pt x="161530" y="207130"/>
+                        <a:pt x="72630" y="248052"/>
+                      </a:cubicBezTo>
+                      <a:cubicBezTo>
+                        <a:pt x="-16270" y="288974"/>
+                        <a:pt x="-14859" y="513341"/>
+                        <a:pt x="30296" y="552852"/>
+                      </a:cubicBezTo>
+                      <a:cubicBezTo>
+                        <a:pt x="75451" y="592363"/>
+                        <a:pt x="295585" y="566963"/>
+                        <a:pt x="343563" y="485119"/>
+                      </a:cubicBezTo>
+                      <a:cubicBezTo>
+                        <a:pt x="391541" y="403275"/>
+                        <a:pt x="274419" y="140807"/>
+                        <a:pt x="318163" y="61785"/>
+                      </a:cubicBezTo>
+                      <a:cubicBezTo>
+                        <a:pt x="361907" y="-17237"/>
+                        <a:pt x="483968" y="-3126"/>
+                        <a:pt x="606030" y="10985"/>
+                      </a:cubicBezTo>
+                    </a:path>
+                  </a:pathLst>
+                </a:custGeom>
+                <a:noFill/>
+                <a:ln w="19050">
+                  <a:solidFill>
+                    <a:schemeClr val="accent1">
+                      <a:lumMod val="50000"/>
+                      <a:alpha val="60000"/>
+                    </a:schemeClr>
+                  </a:solidFill>
+                </a:ln>
+              </p:spPr>
+              <p:style>
+                <a:lnRef idx="2">
+                  <a:schemeClr val="accent1">
+                    <a:shade val="15000"/>
+                  </a:schemeClr>
+                </a:lnRef>
+                <a:fillRef idx="1">
+                  <a:schemeClr val="accent1"/>
+                </a:fillRef>
+                <a:effectRef idx="0">
+                  <a:schemeClr val="accent1"/>
+                </a:effectRef>
+                <a:fontRef idx="minor">
+                  <a:schemeClr val="lt1"/>
+                </a:fontRef>
+              </p:style>
+              <p:txBody>
+                <a:bodyPr rtlCol="0" anchor="ctr"/>
+                <a:lstStyle/>
+                <a:p>
+                  <a:pPr algn="ctr"/>
+                  <a:endParaRPr lang="en-US"/>
+                </a:p>
+              </p:txBody>
+            </p:sp>
+          </p:grpSp>
+        </p:grpSp>
+        <p:pic>
+          <p:nvPicPr>
+            <p:cNvPr id="11" name="Picture 10">
+              <a:extLst>
+                <a:ext uri="{FF2B5EF4-FFF2-40B4-BE49-F238E27FC236}">
+                  <a16:creationId xmlns:a16="http://schemas.microsoft.com/office/drawing/2014/main" id="{94E8237A-C3F4-C740-9745-C629034934EB}"/>
+                </a:ext>
+              </a:extLst>
+            </p:cNvPr>
+            <p:cNvPicPr>
+              <a:picLocks noChangeAspect="1"/>
+            </p:cNvPicPr>
+            <p:nvPr/>
+          </p:nvPicPr>
+          <p:blipFill>
+            <a:blip r:embed="rId2"/>
+            <a:stretch>
+              <a:fillRect/>
+            </a:stretch>
+          </p:blipFill>
+          <p:spPr>
+            <a:xfrm>
+              <a:off x="9268610" y="1652071"/>
+              <a:ext cx="2743200" cy="3029803"/>
+            </a:xfrm>
+            <a:prstGeom prst="rect">
+              <a:avLst/>
+            </a:prstGeom>
+          </p:spPr>
+        </p:pic>
+        <p:sp>
+          <p:nvSpPr>
+            <p:cNvPr id="6" name="Rectangle 5">
+              <a:extLst>
+                <a:ext uri="{FF2B5EF4-FFF2-40B4-BE49-F238E27FC236}">
+                  <a16:creationId xmlns:a16="http://schemas.microsoft.com/office/drawing/2014/main" id="{591B4744-41EC-CE5D-CC37-4C15DF7DC35A}"/>
+                </a:ext>
+              </a:extLst>
+            </p:cNvPr>
+            <p:cNvSpPr/>
+            <p:nvPr/>
+          </p:nvSpPr>
+          <p:spPr>
+            <a:xfrm>
+              <a:off x="9156699" y="4457699"/>
+              <a:ext cx="804333" cy="238476"/>
+            </a:xfrm>
+            <a:prstGeom prst="rect">
+              <a:avLst/>
+            </a:prstGeom>
+            <a:solidFill>
+              <a:schemeClr val="bg1"/>
+            </a:solidFill>
+            <a:ln>
+              <a:solidFill>
+                <a:schemeClr val="bg1"/>
+              </a:solidFill>
+            </a:ln>
+          </p:spPr>
+          <p:style>
+            <a:lnRef idx="2">
+              <a:schemeClr val="accent1">
+                <a:shade val="15000"/>
+              </a:schemeClr>
+            </a:lnRef>
+            <a:fillRef idx="1">
+              <a:schemeClr val="accent1"/>
+            </a:fillRef>
+            <a:effectRef idx="0">
+              <a:schemeClr val="accent1"/>
+            </a:effectRef>
+            <a:fontRef idx="minor">
+              <a:schemeClr val="lt1"/>
+            </a:fontRef>
+          </p:style>
+          <p:txBody>
+            <a:bodyPr rtlCol="0" anchor="ctr"/>
+            <a:lstStyle/>
+            <a:p>
+              <a:pPr algn="ctr"/>
+              <a:endParaRPr lang="en-US"/>
+            </a:p>
+          </p:txBody>
+        </p:sp>
+      </p:grpSp>
+    </p:spTree>
+    <p:extLst>
+      <p:ext uri="{BB962C8B-B14F-4D97-AF65-F5344CB8AC3E}">
+        <p14:creationId xmlns:p14="http://schemas.microsoft.com/office/powerpoint/2010/main" val="1244010897"/>
+      </p:ext>
+    </p:extLst>
+  </p:cSld>
+  <p:clrMapOvr>
+    <a:masterClrMapping/>
+  </p:clrMapOvr>
+</p:sld>
+</file>
+
+<file path=ppt/slides/slide5.xml><?xml version="1.0" encoding="utf-8"?>
+<p:sld xmlns:a="http://schemas.openxmlformats.org/drawingml/2006/main" xmlns:r="http://schemas.openxmlformats.org/officeDocument/2006/relationships" xmlns:p="http://schemas.openxmlformats.org/presentationml/2006/main">
+  <p:cSld>
+    <p:spTree>
+      <p:nvGrpSpPr>
+        <p:cNvPr id="1" name=""/>
+        <p:cNvGrpSpPr/>
+        <p:nvPr/>
+      </p:nvGrpSpPr>
+      <p:grpSpPr>
+        <a:xfrm>
+          <a:off x="0" y="0"/>
+          <a:ext cx="0" cy="0"/>
+          <a:chOff x="0" y="0"/>
+          <a:chExt cx="0" cy="0"/>
+        </a:xfrm>
+      </p:grpSpPr>
+      <p:sp>
+        <p:nvSpPr>
+          <p:cNvPr id="2" name="Title 1">
+            <a:extLst>
+              <a:ext uri="{FF2B5EF4-FFF2-40B4-BE49-F238E27FC236}">
                 <a16:creationId xmlns:a16="http://schemas.microsoft.com/office/drawing/2014/main" id="{4041FD49-51CB-4608-A3ED-30B7E304CBD6}"/>
               </a:ext>
             </a:extLst>
@@ -3302,7 +6594,10 @@
           <a:bodyPr/>
           <a:lstStyle/>
           <a:p>
-            <a:endParaRPr lang="en-US" dirty="0"/>
+            <a:r>
+              <a:rPr lang="en-US" dirty="0"/>
+              <a:t>Bulk PEM – Flory-Huggins MFT</a:t>
+            </a:r>
           </a:p>
         </p:txBody>
       </p:sp>
@@ -3329,12 +6624,782 @@
           <a:p>
             <a:fld id="{5911C0E6-D9CE-431C-92CB-BB39B872F930}" type="slidenum">
               <a:rPr lang="en-US" smtClean="0"/>
-              <a:t>4</a:t>
+              <a:t>5</a:t>
             </a:fld>
             <a:endParaRPr lang="en-US"/>
           </a:p>
         </p:txBody>
       </p:sp>
+      <mc:AlternateContent xmlns:mc="http://schemas.openxmlformats.org/markup-compatibility/2006">
+        <mc:Choice xmlns:a14="http://schemas.microsoft.com/office/drawing/2010/main" Requires="a14">
+          <p:sp>
+            <p:nvSpPr>
+              <p:cNvPr id="4" name="Content Placeholder 2">
+                <a:extLst>
+                  <a:ext uri="{FF2B5EF4-FFF2-40B4-BE49-F238E27FC236}">
+                    <a16:creationId xmlns:a16="http://schemas.microsoft.com/office/drawing/2014/main" id="{CFD6211D-1354-A341-685A-04C79EF706D9}"/>
+                  </a:ext>
+                </a:extLst>
+              </p:cNvPr>
+              <p:cNvSpPr txBox="1">
+                <a:spLocks/>
+              </p:cNvSpPr>
+              <p:nvPr/>
+            </p:nvSpPr>
+            <p:spPr>
+              <a:xfrm>
+                <a:off x="860292" y="1344604"/>
+                <a:ext cx="9179057" cy="1408121"/>
+              </a:xfrm>
+              <a:prstGeom prst="rect">
+                <a:avLst/>
+              </a:prstGeom>
+            </p:spPr>
+            <p:txBody>
+              <a:bodyPr vert="horz" lIns="91440" tIns="45720" rIns="91440" bIns="45720" rtlCol="0">
+                <a:normAutofit/>
+              </a:bodyPr>
+              <a:lstStyle>
+                <a:lvl1pPr marL="228600" indent="-228600" algn="l" defTabSz="914400" rtl="0" eaLnBrk="1" latinLnBrk="0" hangingPunct="1">
+                  <a:lnSpc>
+                    <a:spcPct val="100000"/>
+                  </a:lnSpc>
+                  <a:spcBef>
+                    <a:spcPts val="1000"/>
+                  </a:spcBef>
+                  <a:spcAft>
+                    <a:spcPts val="1200"/>
+                  </a:spcAft>
+                  <a:buFont typeface="Arial" panose="020B0604020202020204" pitchFamily="34" charset="0"/>
+                  <a:buChar char="•"/>
+                  <a:defRPr sz="2400" kern="1200">
+                    <a:solidFill>
+                      <a:schemeClr val="tx1"/>
+                    </a:solidFill>
+                    <a:latin typeface="Lucida Grande" pitchFamily="2" charset="0"/>
+                    <a:ea typeface="Lucida Grande" pitchFamily="2" charset="0"/>
+                    <a:cs typeface="Lucida Grande" pitchFamily="2" charset="0"/>
+                  </a:defRPr>
+                </a:lvl1pPr>
+                <a:lvl2pPr marL="685800" indent="-228600" algn="l" defTabSz="914400" rtl="0" eaLnBrk="1" latinLnBrk="0" hangingPunct="1">
+                  <a:lnSpc>
+                    <a:spcPct val="100000"/>
+                  </a:lnSpc>
+                  <a:spcBef>
+                    <a:spcPts val="500"/>
+                  </a:spcBef>
+                  <a:spcAft>
+                    <a:spcPts val="1200"/>
+                  </a:spcAft>
+                  <a:buFont typeface="Arial" panose="020B0604020202020204" pitchFamily="34" charset="0"/>
+                  <a:buChar char="•"/>
+                  <a:defRPr sz="2000" kern="1200">
+                    <a:solidFill>
+                      <a:schemeClr val="tx1"/>
+                    </a:solidFill>
+                    <a:latin typeface="Lucida Grande" pitchFamily="2" charset="0"/>
+                    <a:ea typeface="Lucida Grande" pitchFamily="2" charset="0"/>
+                    <a:cs typeface="Lucida Grande" pitchFamily="2" charset="0"/>
+                  </a:defRPr>
+                </a:lvl2pPr>
+                <a:lvl3pPr marL="1143000" indent="-228600" algn="l" defTabSz="914400" rtl="0" eaLnBrk="1" latinLnBrk="0" hangingPunct="1">
+                  <a:lnSpc>
+                    <a:spcPct val="100000"/>
+                  </a:lnSpc>
+                  <a:spcBef>
+                    <a:spcPts val="500"/>
+                  </a:spcBef>
+                  <a:spcAft>
+                    <a:spcPts val="1200"/>
+                  </a:spcAft>
+                  <a:buFont typeface="Arial" panose="020B0604020202020204" pitchFamily="34" charset="0"/>
+                  <a:buChar char="•"/>
+                  <a:defRPr sz="1800" kern="1200">
+                    <a:solidFill>
+                      <a:schemeClr val="tx1"/>
+                    </a:solidFill>
+                    <a:latin typeface="Lucida Grande" pitchFamily="2" charset="0"/>
+                    <a:ea typeface="Lucida Grande" pitchFamily="2" charset="0"/>
+                    <a:cs typeface="Lucida Grande" pitchFamily="2" charset="0"/>
+                  </a:defRPr>
+                </a:lvl3pPr>
+                <a:lvl4pPr marL="1600200" indent="-228600" algn="l" defTabSz="914400" rtl="0" eaLnBrk="1" latinLnBrk="0" hangingPunct="1">
+                  <a:lnSpc>
+                    <a:spcPct val="100000"/>
+                  </a:lnSpc>
+                  <a:spcBef>
+                    <a:spcPts val="500"/>
+                  </a:spcBef>
+                  <a:spcAft>
+                    <a:spcPts val="1200"/>
+                  </a:spcAft>
+                  <a:buFont typeface="Arial" panose="020B0604020202020204" pitchFamily="34" charset="0"/>
+                  <a:buChar char="•"/>
+                  <a:defRPr sz="1600" kern="1200">
+                    <a:solidFill>
+                      <a:schemeClr val="tx1"/>
+                    </a:solidFill>
+                    <a:latin typeface="Lucida Grande" pitchFamily="2" charset="0"/>
+                    <a:ea typeface="Lucida Grande" pitchFamily="2" charset="0"/>
+                    <a:cs typeface="Lucida Grande" pitchFamily="2" charset="0"/>
+                  </a:defRPr>
+                </a:lvl4pPr>
+                <a:lvl5pPr marL="2057400" indent="-228600" algn="l" defTabSz="914400" rtl="0" eaLnBrk="1" latinLnBrk="0" hangingPunct="1">
+                  <a:lnSpc>
+                    <a:spcPct val="100000"/>
+                  </a:lnSpc>
+                  <a:spcBef>
+                    <a:spcPts val="500"/>
+                  </a:spcBef>
+                  <a:spcAft>
+                    <a:spcPts val="1200"/>
+                  </a:spcAft>
+                  <a:buFont typeface="Arial" panose="020B0604020202020204" pitchFamily="34" charset="0"/>
+                  <a:buChar char="•"/>
+                  <a:defRPr sz="1600" kern="1200">
+                    <a:solidFill>
+                      <a:schemeClr val="tx1"/>
+                    </a:solidFill>
+                    <a:latin typeface="Lucida Grande" pitchFamily="2" charset="0"/>
+                    <a:ea typeface="Lucida Grande" pitchFamily="2" charset="0"/>
+                    <a:cs typeface="Lucida Grande" pitchFamily="2" charset="0"/>
+                  </a:defRPr>
+                </a:lvl5pPr>
+                <a:lvl6pPr marL="2514600" indent="-228600" algn="l" defTabSz="914400" rtl="0" eaLnBrk="1" latinLnBrk="0" hangingPunct="1">
+                  <a:lnSpc>
+                    <a:spcPct val="90000"/>
+                  </a:lnSpc>
+                  <a:spcBef>
+                    <a:spcPts val="500"/>
+                  </a:spcBef>
+                  <a:buFont typeface="Arial" panose="020B0604020202020204" pitchFamily="34" charset="0"/>
+                  <a:buChar char="•"/>
+                  <a:defRPr sz="1800" kern="1200">
+                    <a:solidFill>
+                      <a:schemeClr val="tx1"/>
+                    </a:solidFill>
+                    <a:latin typeface="+mn-lt"/>
+                    <a:ea typeface="+mn-ea"/>
+                    <a:cs typeface="+mn-cs"/>
+                  </a:defRPr>
+                </a:lvl6pPr>
+                <a:lvl7pPr marL="2971800" indent="-228600" algn="l" defTabSz="914400" rtl="0" eaLnBrk="1" latinLnBrk="0" hangingPunct="1">
+                  <a:lnSpc>
+                    <a:spcPct val="90000"/>
+                  </a:lnSpc>
+                  <a:spcBef>
+                    <a:spcPts val="500"/>
+                  </a:spcBef>
+                  <a:buFont typeface="Arial" panose="020B0604020202020204" pitchFamily="34" charset="0"/>
+                  <a:buChar char="•"/>
+                  <a:defRPr sz="1800" kern="1200">
+                    <a:solidFill>
+                      <a:schemeClr val="tx1"/>
+                    </a:solidFill>
+                    <a:latin typeface="+mn-lt"/>
+                    <a:ea typeface="+mn-ea"/>
+                    <a:cs typeface="+mn-cs"/>
+                  </a:defRPr>
+                </a:lvl7pPr>
+                <a:lvl8pPr marL="3429000" indent="-228600" algn="l" defTabSz="914400" rtl="0" eaLnBrk="1" latinLnBrk="0" hangingPunct="1">
+                  <a:lnSpc>
+                    <a:spcPct val="90000"/>
+                  </a:lnSpc>
+                  <a:spcBef>
+                    <a:spcPts val="500"/>
+                  </a:spcBef>
+                  <a:buFont typeface="Arial" panose="020B0604020202020204" pitchFamily="34" charset="0"/>
+                  <a:buChar char="•"/>
+                  <a:defRPr sz="1800" kern="1200">
+                    <a:solidFill>
+                      <a:schemeClr val="tx1"/>
+                    </a:solidFill>
+                    <a:latin typeface="+mn-lt"/>
+                    <a:ea typeface="+mn-ea"/>
+                    <a:cs typeface="+mn-cs"/>
+                  </a:defRPr>
+                </a:lvl8pPr>
+                <a:lvl9pPr marL="3886200" indent="-228600" algn="l" defTabSz="914400" rtl="0" eaLnBrk="1" latinLnBrk="0" hangingPunct="1">
+                  <a:lnSpc>
+                    <a:spcPct val="90000"/>
+                  </a:lnSpc>
+                  <a:spcBef>
+                    <a:spcPts val="500"/>
+                  </a:spcBef>
+                  <a:buFont typeface="Arial" panose="020B0604020202020204" pitchFamily="34" charset="0"/>
+                  <a:buChar char="•"/>
+                  <a:defRPr sz="1800" kern="1200">
+                    <a:solidFill>
+                      <a:schemeClr val="tx1"/>
+                    </a:solidFill>
+                    <a:latin typeface="+mn-lt"/>
+                    <a:ea typeface="+mn-ea"/>
+                    <a:cs typeface="+mn-cs"/>
+                  </a:defRPr>
+                </a:lvl9pPr>
+              </a:lstStyle>
+              <a:p>
+                <a:pPr marL="0" indent="0">
+                  <a:spcBef>
+                    <a:spcPts val="0"/>
+                  </a:spcBef>
+                  <a:spcAft>
+                    <a:spcPts val="1000"/>
+                  </a:spcAft>
+                  <a:buNone/>
+                </a:pPr>
+                <a:r>
+                  <a:rPr lang="en-US" sz="2000" dirty="0"/>
+                  <a:t>Assumptions</a:t>
+                </a:r>
+              </a:p>
+              <a:p>
+                <a:pPr>
+                  <a:spcBef>
+                    <a:spcPts val="0"/>
+                  </a:spcBef>
+                  <a:spcAft>
+                    <a:spcPts val="1000"/>
+                  </a:spcAft>
+                </a:pPr>
+                <a:r>
+                  <a:rPr lang="en-US" sz="2000" dirty="0"/>
+                  <a:t>Mean-field: polymer and solvent densities treated as homogeneous</a:t>
+                </a:r>
+              </a:p>
+              <a:p>
+                <a:pPr>
+                  <a:spcBef>
+                    <a:spcPts val="0"/>
+                  </a:spcBef>
+                  <a:spcAft>
+                    <a:spcPts val="1000"/>
+                  </a:spcAft>
+                </a:pPr>
+                <a:r>
+                  <a:rPr lang="en-US" sz="2000" dirty="0"/>
+                  <a:t>Interactions: polymer—solvent (hydrophobicity) through some </a:t>
+                </a:r>
+                <a14:m>
+                  <m:oMath xmlns:m="http://schemas.openxmlformats.org/officeDocument/2006/math">
+                    <m:r>
+                      <a:rPr lang="en-US" sz="2000" b="0" i="1" smtClean="0">
+                        <a:latin typeface="Cambria Math" panose="02040503050406030204" pitchFamily="18" charset="0"/>
+                      </a:rPr>
+                      <m:t>𝜒</m:t>
+                    </m:r>
+                  </m:oMath>
+                </a14:m>
+                <a:r>
+                  <a:rPr lang="en-US" sz="2000" dirty="0"/>
+                  <a:t> parameter</a:t>
+                </a:r>
+              </a:p>
+            </p:txBody>
+          </p:sp>
+        </mc:Choice>
+        <mc:Fallback>
+          <p:sp>
+            <p:nvSpPr>
+              <p:cNvPr id="4" name="Content Placeholder 2">
+                <a:extLst>
+                  <a:ext uri="{FF2B5EF4-FFF2-40B4-BE49-F238E27FC236}">
+                    <a16:creationId xmlns:a16="http://schemas.microsoft.com/office/drawing/2014/main" id="{CFD6211D-1354-A341-685A-04C79EF706D9}"/>
+                  </a:ext>
+                </a:extLst>
+              </p:cNvPr>
+              <p:cNvSpPr txBox="1">
+                <a:spLocks noRot="1" noChangeAspect="1" noMove="1" noResize="1" noEditPoints="1" noAdjustHandles="1" noChangeArrowheads="1" noChangeShapeType="1" noTextEdit="1"/>
+              </p:cNvSpPr>
+              <p:nvPr/>
+            </p:nvSpPr>
+            <p:spPr>
+              <a:xfrm>
+                <a:off x="860292" y="1344604"/>
+                <a:ext cx="9179057" cy="1408121"/>
+              </a:xfrm>
+              <a:prstGeom prst="rect">
+                <a:avLst/>
+              </a:prstGeom>
+              <a:blipFill>
+                <a:blip r:embed="rId2"/>
+                <a:stretch>
+                  <a:fillRect l="-664" t="-2165"/>
+                </a:stretch>
+              </a:blipFill>
+            </p:spPr>
+            <p:txBody>
+              <a:bodyPr/>
+              <a:lstStyle/>
+              <a:p>
+                <a:r>
+                  <a:rPr lang="en-US">
+                    <a:noFill/>
+                  </a:rPr>
+                  <a:t> </a:t>
+                </a:r>
+              </a:p>
+            </p:txBody>
+          </p:sp>
+        </mc:Fallback>
+      </mc:AlternateContent>
+      <p:sp>
+        <p:nvSpPr>
+          <p:cNvPr id="5" name="Content Placeholder 2">
+            <a:extLst>
+              <a:ext uri="{FF2B5EF4-FFF2-40B4-BE49-F238E27FC236}">
+                <a16:creationId xmlns:a16="http://schemas.microsoft.com/office/drawing/2014/main" id="{3796D8AE-D17E-8581-2857-EF3EE9627DE8}"/>
+              </a:ext>
+            </a:extLst>
+          </p:cNvPr>
+          <p:cNvSpPr txBox="1">
+            <a:spLocks/>
+          </p:cNvSpPr>
+          <p:nvPr/>
+        </p:nvSpPr>
+        <p:spPr>
+          <a:xfrm>
+            <a:off x="860292" y="2868604"/>
+            <a:ext cx="2025783" cy="444517"/>
+          </a:xfrm>
+          <a:prstGeom prst="rect">
+            <a:avLst/>
+          </a:prstGeom>
+        </p:spPr>
+        <p:txBody>
+          <a:bodyPr vert="horz" lIns="91440" tIns="45720" rIns="91440" bIns="45720" rtlCol="0">
+            <a:normAutofit/>
+          </a:bodyPr>
+          <a:lstStyle>
+            <a:lvl1pPr marL="228600" indent="-228600" algn="l" defTabSz="914400" rtl="0" eaLnBrk="1" latinLnBrk="0" hangingPunct="1">
+              <a:lnSpc>
+                <a:spcPct val="100000"/>
+              </a:lnSpc>
+              <a:spcBef>
+                <a:spcPts val="1000"/>
+              </a:spcBef>
+              <a:spcAft>
+                <a:spcPts val="1200"/>
+              </a:spcAft>
+              <a:buFont typeface="Arial" panose="020B0604020202020204" pitchFamily="34" charset="0"/>
+              <a:buChar char="•"/>
+              <a:defRPr sz="2400" kern="1200">
+                <a:solidFill>
+                  <a:schemeClr val="tx1"/>
+                </a:solidFill>
+                <a:latin typeface="Lucida Grande" pitchFamily="2" charset="0"/>
+                <a:ea typeface="Lucida Grande" pitchFamily="2" charset="0"/>
+                <a:cs typeface="Lucida Grande" pitchFamily="2" charset="0"/>
+              </a:defRPr>
+            </a:lvl1pPr>
+            <a:lvl2pPr marL="685800" indent="-228600" algn="l" defTabSz="914400" rtl="0" eaLnBrk="1" latinLnBrk="0" hangingPunct="1">
+              <a:lnSpc>
+                <a:spcPct val="100000"/>
+              </a:lnSpc>
+              <a:spcBef>
+                <a:spcPts val="500"/>
+              </a:spcBef>
+              <a:spcAft>
+                <a:spcPts val="1200"/>
+              </a:spcAft>
+              <a:buFont typeface="Arial" panose="020B0604020202020204" pitchFamily="34" charset="0"/>
+              <a:buChar char="•"/>
+              <a:defRPr sz="2000" kern="1200">
+                <a:solidFill>
+                  <a:schemeClr val="tx1"/>
+                </a:solidFill>
+                <a:latin typeface="Lucida Grande" pitchFamily="2" charset="0"/>
+                <a:ea typeface="Lucida Grande" pitchFamily="2" charset="0"/>
+                <a:cs typeface="Lucida Grande" pitchFamily="2" charset="0"/>
+              </a:defRPr>
+            </a:lvl2pPr>
+            <a:lvl3pPr marL="1143000" indent="-228600" algn="l" defTabSz="914400" rtl="0" eaLnBrk="1" latinLnBrk="0" hangingPunct="1">
+              <a:lnSpc>
+                <a:spcPct val="100000"/>
+              </a:lnSpc>
+              <a:spcBef>
+                <a:spcPts val="500"/>
+              </a:spcBef>
+              <a:spcAft>
+                <a:spcPts val="1200"/>
+              </a:spcAft>
+              <a:buFont typeface="Arial" panose="020B0604020202020204" pitchFamily="34" charset="0"/>
+              <a:buChar char="•"/>
+              <a:defRPr sz="1800" kern="1200">
+                <a:solidFill>
+                  <a:schemeClr val="tx1"/>
+                </a:solidFill>
+                <a:latin typeface="Lucida Grande" pitchFamily="2" charset="0"/>
+                <a:ea typeface="Lucida Grande" pitchFamily="2" charset="0"/>
+                <a:cs typeface="Lucida Grande" pitchFamily="2" charset="0"/>
+              </a:defRPr>
+            </a:lvl3pPr>
+            <a:lvl4pPr marL="1600200" indent="-228600" algn="l" defTabSz="914400" rtl="0" eaLnBrk="1" latinLnBrk="0" hangingPunct="1">
+              <a:lnSpc>
+                <a:spcPct val="100000"/>
+              </a:lnSpc>
+              <a:spcBef>
+                <a:spcPts val="500"/>
+              </a:spcBef>
+              <a:spcAft>
+                <a:spcPts val="1200"/>
+              </a:spcAft>
+              <a:buFont typeface="Arial" panose="020B0604020202020204" pitchFamily="34" charset="0"/>
+              <a:buChar char="•"/>
+              <a:defRPr sz="1600" kern="1200">
+                <a:solidFill>
+                  <a:schemeClr val="tx1"/>
+                </a:solidFill>
+                <a:latin typeface="Lucida Grande" pitchFamily="2" charset="0"/>
+                <a:ea typeface="Lucida Grande" pitchFamily="2" charset="0"/>
+                <a:cs typeface="Lucida Grande" pitchFamily="2" charset="0"/>
+              </a:defRPr>
+            </a:lvl4pPr>
+            <a:lvl5pPr marL="2057400" indent="-228600" algn="l" defTabSz="914400" rtl="0" eaLnBrk="1" latinLnBrk="0" hangingPunct="1">
+              <a:lnSpc>
+                <a:spcPct val="100000"/>
+              </a:lnSpc>
+              <a:spcBef>
+                <a:spcPts val="500"/>
+              </a:spcBef>
+              <a:spcAft>
+                <a:spcPts val="1200"/>
+              </a:spcAft>
+              <a:buFont typeface="Arial" panose="020B0604020202020204" pitchFamily="34" charset="0"/>
+              <a:buChar char="•"/>
+              <a:defRPr sz="1600" kern="1200">
+                <a:solidFill>
+                  <a:schemeClr val="tx1"/>
+                </a:solidFill>
+                <a:latin typeface="Lucida Grande" pitchFamily="2" charset="0"/>
+                <a:ea typeface="Lucida Grande" pitchFamily="2" charset="0"/>
+                <a:cs typeface="Lucida Grande" pitchFamily="2" charset="0"/>
+              </a:defRPr>
+            </a:lvl5pPr>
+            <a:lvl6pPr marL="2514600" indent="-228600" algn="l" defTabSz="914400" rtl="0" eaLnBrk="1" latinLnBrk="0" hangingPunct="1">
+              <a:lnSpc>
+                <a:spcPct val="90000"/>
+              </a:lnSpc>
+              <a:spcBef>
+                <a:spcPts val="500"/>
+              </a:spcBef>
+              <a:buFont typeface="Arial" panose="020B0604020202020204" pitchFamily="34" charset="0"/>
+              <a:buChar char="•"/>
+              <a:defRPr sz="1800" kern="1200">
+                <a:solidFill>
+                  <a:schemeClr val="tx1"/>
+                </a:solidFill>
+                <a:latin typeface="+mn-lt"/>
+                <a:ea typeface="+mn-ea"/>
+                <a:cs typeface="+mn-cs"/>
+              </a:defRPr>
+            </a:lvl6pPr>
+            <a:lvl7pPr marL="2971800" indent="-228600" algn="l" defTabSz="914400" rtl="0" eaLnBrk="1" latinLnBrk="0" hangingPunct="1">
+              <a:lnSpc>
+                <a:spcPct val="90000"/>
+              </a:lnSpc>
+              <a:spcBef>
+                <a:spcPts val="500"/>
+              </a:spcBef>
+              <a:buFont typeface="Arial" panose="020B0604020202020204" pitchFamily="34" charset="0"/>
+              <a:buChar char="•"/>
+              <a:defRPr sz="1800" kern="1200">
+                <a:solidFill>
+                  <a:schemeClr val="tx1"/>
+                </a:solidFill>
+                <a:latin typeface="+mn-lt"/>
+                <a:ea typeface="+mn-ea"/>
+                <a:cs typeface="+mn-cs"/>
+              </a:defRPr>
+            </a:lvl7pPr>
+            <a:lvl8pPr marL="3429000" indent="-228600" algn="l" defTabSz="914400" rtl="0" eaLnBrk="1" latinLnBrk="0" hangingPunct="1">
+              <a:lnSpc>
+                <a:spcPct val="90000"/>
+              </a:lnSpc>
+              <a:spcBef>
+                <a:spcPts val="500"/>
+              </a:spcBef>
+              <a:buFont typeface="Arial" panose="020B0604020202020204" pitchFamily="34" charset="0"/>
+              <a:buChar char="•"/>
+              <a:defRPr sz="1800" kern="1200">
+                <a:solidFill>
+                  <a:schemeClr val="tx1"/>
+                </a:solidFill>
+                <a:latin typeface="+mn-lt"/>
+                <a:ea typeface="+mn-ea"/>
+                <a:cs typeface="+mn-cs"/>
+              </a:defRPr>
+            </a:lvl8pPr>
+            <a:lvl9pPr marL="3886200" indent="-228600" algn="l" defTabSz="914400" rtl="0" eaLnBrk="1" latinLnBrk="0" hangingPunct="1">
+              <a:lnSpc>
+                <a:spcPct val="90000"/>
+              </a:lnSpc>
+              <a:spcBef>
+                <a:spcPts val="500"/>
+              </a:spcBef>
+              <a:buFont typeface="Arial" panose="020B0604020202020204" pitchFamily="34" charset="0"/>
+              <a:buChar char="•"/>
+              <a:defRPr sz="1800" kern="1200">
+                <a:solidFill>
+                  <a:schemeClr val="tx1"/>
+                </a:solidFill>
+                <a:latin typeface="+mn-lt"/>
+                <a:ea typeface="+mn-ea"/>
+                <a:cs typeface="+mn-cs"/>
+              </a:defRPr>
+            </a:lvl9pPr>
+          </a:lstStyle>
+          <a:p>
+            <a:pPr marL="0" indent="0">
+              <a:spcBef>
+                <a:spcPts val="0"/>
+              </a:spcBef>
+              <a:spcAft>
+                <a:spcPts val="1000"/>
+              </a:spcAft>
+              <a:buNone/>
+            </a:pPr>
+            <a:r>
+              <a:rPr lang="en-US" sz="2000" dirty="0"/>
+              <a:t>Building blocks</a:t>
+            </a:r>
+          </a:p>
+        </p:txBody>
+      </p:sp>
+      <p:pic>
+        <p:nvPicPr>
+          <p:cNvPr id="7" name="Picture 6">
+            <a:extLst>
+              <a:ext uri="{FF2B5EF4-FFF2-40B4-BE49-F238E27FC236}">
+                <a16:creationId xmlns:a16="http://schemas.microsoft.com/office/drawing/2014/main" id="{0C6C1993-975C-0DD1-9653-B44EE19C8C3B}"/>
+              </a:ext>
+            </a:extLst>
+          </p:cNvPr>
+          <p:cNvPicPr>
+            <a:picLocks noChangeAspect="1"/>
+          </p:cNvPicPr>
+          <p:nvPr/>
+        </p:nvPicPr>
+        <p:blipFill>
+          <a:blip r:embed="rId3"/>
+          <a:stretch>
+            <a:fillRect/>
+          </a:stretch>
+        </p:blipFill>
+        <p:spPr>
+          <a:xfrm>
+            <a:off x="1318744" y="3429000"/>
+            <a:ext cx="6716062" cy="1209844"/>
+          </a:xfrm>
+          <a:prstGeom prst="rect">
+            <a:avLst/>
+          </a:prstGeom>
+        </p:spPr>
+      </p:pic>
+      <p:sp>
+        <p:nvSpPr>
+          <p:cNvPr id="8" name="TextBox 7">
+            <a:extLst>
+              <a:ext uri="{FF2B5EF4-FFF2-40B4-BE49-F238E27FC236}">
+                <a16:creationId xmlns:a16="http://schemas.microsoft.com/office/drawing/2014/main" id="{95F6DC49-6AE9-3C07-B66D-AB27D6F060B5}"/>
+              </a:ext>
+            </a:extLst>
+          </p:cNvPr>
+          <p:cNvSpPr txBox="1"/>
+          <p:nvPr/>
+        </p:nvSpPr>
+        <p:spPr>
+          <a:xfrm>
+            <a:off x="8963493" y="3586171"/>
+            <a:ext cx="3000375" cy="369332"/>
+          </a:xfrm>
+          <a:prstGeom prst="rect">
+            <a:avLst/>
+          </a:prstGeom>
+          <a:noFill/>
+        </p:spPr>
+        <p:txBody>
+          <a:bodyPr wrap="square" rtlCol="0">
+            <a:spAutoFit/>
+          </a:bodyPr>
+          <a:lstStyle/>
+          <a:p>
+            <a:pPr algn="ctr"/>
+            <a:r>
+              <a:rPr lang="en-US" i="1" dirty="0"/>
+              <a:t>F-H Helmholtz free energy</a:t>
+            </a:r>
+          </a:p>
+        </p:txBody>
+      </p:sp>
+      <p:sp>
+        <p:nvSpPr>
+          <p:cNvPr id="9" name="TextBox 8">
+            <a:extLst>
+              <a:ext uri="{FF2B5EF4-FFF2-40B4-BE49-F238E27FC236}">
+                <a16:creationId xmlns:a16="http://schemas.microsoft.com/office/drawing/2014/main" id="{F9D3B149-1039-0DB4-5FC0-8F0C71FC1456}"/>
+              </a:ext>
+            </a:extLst>
+          </p:cNvPr>
+          <p:cNvSpPr txBox="1"/>
+          <p:nvPr/>
+        </p:nvSpPr>
+        <p:spPr>
+          <a:xfrm>
+            <a:off x="8963493" y="3955503"/>
+            <a:ext cx="3000375" cy="584775"/>
+          </a:xfrm>
+          <a:prstGeom prst="rect">
+            <a:avLst/>
+          </a:prstGeom>
+          <a:noFill/>
+        </p:spPr>
+        <p:txBody>
+          <a:bodyPr wrap="square" rtlCol="0">
+            <a:spAutoFit/>
+          </a:bodyPr>
+          <a:lstStyle/>
+          <a:p>
+            <a:pPr algn="ctr"/>
+            <a:r>
+              <a:rPr lang="en-US" sz="1600" dirty="0"/>
+              <a:t>(lattice version here, but can be generalized to MF)</a:t>
+            </a:r>
+          </a:p>
+        </p:txBody>
+      </p:sp>
+      <p:pic>
+        <p:nvPicPr>
+          <p:cNvPr id="11" name="Picture 10">
+            <a:extLst>
+              <a:ext uri="{FF2B5EF4-FFF2-40B4-BE49-F238E27FC236}">
+                <a16:creationId xmlns:a16="http://schemas.microsoft.com/office/drawing/2014/main" id="{FBDB7952-7B49-4F34-7E17-3C23DCFE28F1}"/>
+              </a:ext>
+            </a:extLst>
+          </p:cNvPr>
+          <p:cNvPicPr>
+            <a:picLocks noChangeAspect="1"/>
+          </p:cNvPicPr>
+          <p:nvPr/>
+        </p:nvPicPr>
+        <p:blipFill>
+          <a:blip r:embed="rId4"/>
+          <a:stretch>
+            <a:fillRect/>
+          </a:stretch>
+        </p:blipFill>
+        <p:spPr>
+          <a:xfrm>
+            <a:off x="1318744" y="4833672"/>
+            <a:ext cx="2924388" cy="411242"/>
+          </a:xfrm>
+          <a:prstGeom prst="rect">
+            <a:avLst/>
+          </a:prstGeom>
+        </p:spPr>
+      </p:pic>
+      <p:sp>
+        <p:nvSpPr>
+          <p:cNvPr id="12" name="TextBox 11">
+            <a:extLst>
+              <a:ext uri="{FF2B5EF4-FFF2-40B4-BE49-F238E27FC236}">
+                <a16:creationId xmlns:a16="http://schemas.microsoft.com/office/drawing/2014/main" id="{479A8862-DB49-D127-ABA9-AC810A66B953}"/>
+              </a:ext>
+            </a:extLst>
+          </p:cNvPr>
+          <p:cNvSpPr txBox="1"/>
+          <p:nvPr/>
+        </p:nvSpPr>
+        <p:spPr>
+          <a:xfrm>
+            <a:off x="8801055" y="4950306"/>
+            <a:ext cx="3000375" cy="369332"/>
+          </a:xfrm>
+          <a:prstGeom prst="rect">
+            <a:avLst/>
+          </a:prstGeom>
+          <a:noFill/>
+        </p:spPr>
+        <p:txBody>
+          <a:bodyPr wrap="square" rtlCol="0">
+            <a:spAutoFit/>
+          </a:bodyPr>
+          <a:lstStyle/>
+          <a:p>
+            <a:pPr algn="ctr"/>
+            <a:r>
+              <a:rPr lang="en-US" i="1" dirty="0"/>
+              <a:t>Gibbs free energy</a:t>
+            </a:r>
+          </a:p>
+        </p:txBody>
+      </p:sp>
+      <p:sp>
+        <p:nvSpPr>
+          <p:cNvPr id="15" name="TextBox 14">
+            <a:extLst>
+              <a:ext uri="{FF2B5EF4-FFF2-40B4-BE49-F238E27FC236}">
+                <a16:creationId xmlns:a16="http://schemas.microsoft.com/office/drawing/2014/main" id="{7B72CDBF-87FF-1C0C-F076-8B0ADAEC0D77}"/>
+              </a:ext>
+            </a:extLst>
+          </p:cNvPr>
+          <p:cNvSpPr txBox="1"/>
+          <p:nvPr/>
+        </p:nvSpPr>
+        <p:spPr>
+          <a:xfrm>
+            <a:off x="8801055" y="5987018"/>
+            <a:ext cx="3000375" cy="369332"/>
+          </a:xfrm>
+          <a:prstGeom prst="rect">
+            <a:avLst/>
+          </a:prstGeom>
+          <a:noFill/>
+        </p:spPr>
+        <p:txBody>
+          <a:bodyPr wrap="square" rtlCol="0">
+            <a:spAutoFit/>
+          </a:bodyPr>
+          <a:lstStyle/>
+          <a:p>
+            <a:pPr algn="ctr"/>
+            <a:r>
+              <a:rPr lang="en-US" i="1" dirty="0"/>
+              <a:t>Solvent chemical potential</a:t>
+            </a:r>
+          </a:p>
+        </p:txBody>
+      </p:sp>
+      <p:pic>
+        <p:nvPicPr>
+          <p:cNvPr id="17" name="Picture 16">
+            <a:extLst>
+              <a:ext uri="{FF2B5EF4-FFF2-40B4-BE49-F238E27FC236}">
+                <a16:creationId xmlns:a16="http://schemas.microsoft.com/office/drawing/2014/main" id="{DD1E8C87-EE1C-008A-B557-F27BB410DE5D}"/>
+              </a:ext>
+            </a:extLst>
+          </p:cNvPr>
+          <p:cNvPicPr>
+            <a:picLocks noChangeAspect="1"/>
+          </p:cNvPicPr>
+          <p:nvPr/>
+        </p:nvPicPr>
+        <p:blipFill>
+          <a:blip r:embed="rId5"/>
+          <a:stretch>
+            <a:fillRect/>
+          </a:stretch>
+        </p:blipFill>
+        <p:spPr>
+          <a:xfrm>
+            <a:off x="1318744" y="5396266"/>
+            <a:ext cx="7201905" cy="1448002"/>
+          </a:xfrm>
+          <a:prstGeom prst="rect">
+            <a:avLst/>
+          </a:prstGeom>
+        </p:spPr>
+      </p:pic>
     </p:spTree>
     <p:extLst>
       <p:ext uri="{BB962C8B-B14F-4D97-AF65-F5344CB8AC3E}">
@@ -3348,7 +7413,7 @@
 </p:sld>
 </file>
 
-<file path=ppt/slides/slide5.xml><?xml version="1.0" encoding="utf-8"?>
+<file path=ppt/slides/slide6.xml><?xml version="1.0" encoding="utf-8"?>
 <p:sld xmlns:a="http://schemas.openxmlformats.org/drawingml/2006/main" xmlns:r="http://schemas.openxmlformats.org/officeDocument/2006/relationships" xmlns:p="http://schemas.openxmlformats.org/presentationml/2006/main">
   <p:cSld>
     <p:spTree>
@@ -3418,7 +7483,7 @@
           <a:p>
             <a:fld id="{5911C0E6-D9CE-431C-92CB-BB39B872F930}" type="slidenum">
               <a:rPr lang="en-US" smtClean="0"/>
-              <a:t>5</a:t>
+              <a:t>6</a:t>
             </a:fld>
             <a:endParaRPr lang="en-US" dirty="0"/>
           </a:p>
@@ -3512,7 +7577,7 @@
 </p:sld>
 </file>
 
-<file path=ppt/slides/slide6.xml><?xml version="1.0" encoding="utf-8"?>
+<file path=ppt/slides/slide7.xml><?xml version="1.0" encoding="utf-8"?>
 <p:sld xmlns:a="http://schemas.openxmlformats.org/drawingml/2006/main" xmlns:r="http://schemas.openxmlformats.org/officeDocument/2006/relationships" xmlns:p="http://schemas.openxmlformats.org/presentationml/2006/main">
   <p:cSld>
     <p:spTree>
@@ -3580,7 +7645,7 @@
           <a:p>
             <a:fld id="{5911C0E6-D9CE-431C-92CB-BB39B872F930}" type="slidenum">
               <a:rPr lang="en-US" smtClean="0"/>
-              <a:t>6</a:t>
+              <a:t>7</a:t>
             </a:fld>
             <a:endParaRPr lang="en-US"/>
           </a:p>

--- a/20241001 NAF Update.pptx
+++ b/20241001 NAF Update.pptx
@@ -5,7 +5,7 @@
     <p:sldMasterId id="2147483648" r:id="rId1"/>
   </p:sldMasterIdLst>
   <p:notesMasterIdLst>
-    <p:notesMasterId r:id="rId9"/>
+    <p:notesMasterId r:id="rId12"/>
   </p:notesMasterIdLst>
   <p:sldIdLst>
     <p:sldId id="256" r:id="rId2"/>
@@ -13,8 +13,11 @@
     <p:sldId id="263" r:id="rId4"/>
     <p:sldId id="264" r:id="rId5"/>
     <p:sldId id="257" r:id="rId6"/>
-    <p:sldId id="260" r:id="rId7"/>
-    <p:sldId id="262" r:id="rId8"/>
+    <p:sldId id="265" r:id="rId7"/>
+    <p:sldId id="266" r:id="rId8"/>
+    <p:sldId id="267" r:id="rId9"/>
+    <p:sldId id="260" r:id="rId10"/>
+    <p:sldId id="262" r:id="rId11"/>
   </p:sldIdLst>
   <p:sldSz cx="12192000" cy="6858000"/>
   <p:notesSz cx="6858000" cy="9144000"/>
@@ -2337,6 +2340,93 @@
 </p:sld>
 </file>
 
+<file path=ppt/slides/slide10.xml><?xml version="1.0" encoding="utf-8"?>
+<p:sld xmlns:a="http://schemas.openxmlformats.org/drawingml/2006/main" xmlns:r="http://schemas.openxmlformats.org/officeDocument/2006/relationships" xmlns:p="http://schemas.openxmlformats.org/presentationml/2006/main">
+  <p:cSld>
+    <p:spTree>
+      <p:nvGrpSpPr>
+        <p:cNvPr id="1" name=""/>
+        <p:cNvGrpSpPr/>
+        <p:nvPr/>
+      </p:nvGrpSpPr>
+      <p:grpSpPr>
+        <a:xfrm>
+          <a:off x="0" y="0"/>
+          <a:ext cx="0" cy="0"/>
+          <a:chOff x="0" y="0"/>
+          <a:chExt cx="0" cy="0"/>
+        </a:xfrm>
+      </p:grpSpPr>
+      <p:sp>
+        <p:nvSpPr>
+          <p:cNvPr id="2" name="Title 1">
+            <a:extLst>
+              <a:ext uri="{FF2B5EF4-FFF2-40B4-BE49-F238E27FC236}">
+                <a16:creationId xmlns:a16="http://schemas.microsoft.com/office/drawing/2014/main" id="{C178F2BB-5E9E-FBDA-B15D-26F84DE6EB2F}"/>
+              </a:ext>
+            </a:extLst>
+          </p:cNvPr>
+          <p:cNvSpPr>
+            <a:spLocks noGrp="1"/>
+          </p:cNvSpPr>
+          <p:nvPr>
+            <p:ph type="title"/>
+          </p:nvPr>
+        </p:nvSpPr>
+        <p:spPr/>
+        <p:txBody>
+          <a:bodyPr/>
+          <a:lstStyle/>
+          <a:p>
+            <a:r>
+              <a:rPr lang="en-US" dirty="0"/>
+              <a:t>test</a:t>
+            </a:r>
+          </a:p>
+        </p:txBody>
+      </p:sp>
+      <p:sp>
+        <p:nvSpPr>
+          <p:cNvPr id="3" name="Slide Number Placeholder 2">
+            <a:extLst>
+              <a:ext uri="{FF2B5EF4-FFF2-40B4-BE49-F238E27FC236}">
+                <a16:creationId xmlns:a16="http://schemas.microsoft.com/office/drawing/2014/main" id="{93FD622D-708A-F241-2841-11D37F6571E4}"/>
+              </a:ext>
+            </a:extLst>
+          </p:cNvPr>
+          <p:cNvSpPr>
+            <a:spLocks noGrp="1"/>
+          </p:cNvSpPr>
+          <p:nvPr>
+            <p:ph type="sldNum" sz="quarter" idx="12"/>
+          </p:nvPr>
+        </p:nvSpPr>
+        <p:spPr/>
+        <p:txBody>
+          <a:bodyPr/>
+          <a:lstStyle/>
+          <a:p>
+            <a:fld id="{5911C0E6-D9CE-431C-92CB-BB39B872F930}" type="slidenum">
+              <a:rPr lang="en-US" smtClean="0"/>
+              <a:t>10</a:t>
+            </a:fld>
+            <a:endParaRPr lang="en-US"/>
+          </a:p>
+        </p:txBody>
+      </p:sp>
+    </p:spTree>
+    <p:extLst>
+      <p:ext uri="{BB962C8B-B14F-4D97-AF65-F5344CB8AC3E}">
+        <p14:creationId xmlns:p14="http://schemas.microsoft.com/office/powerpoint/2010/main" val="2967026883"/>
+      </p:ext>
+    </p:extLst>
+  </p:cSld>
+  <p:clrMapOvr>
+    <a:masterClrMapping/>
+  </p:clrMapOvr>
+</p:sld>
+</file>
+
 <file path=ppt/slides/slide2.xml><?xml version="1.0" encoding="utf-8"?>
 <p:sld xmlns:a="http://schemas.openxmlformats.org/drawingml/2006/main" xmlns:r="http://schemas.openxmlformats.org/officeDocument/2006/relationships" xmlns:p="http://schemas.openxmlformats.org/presentationml/2006/main">
   <p:cSld>
@@ -6648,7 +6738,7 @@
             </p:nvSpPr>
             <p:spPr>
               <a:xfrm>
-                <a:off x="860292" y="1344604"/>
+                <a:off x="860292" y="1204904"/>
                 <a:ext cx="9179057" cy="1408121"/>
               </a:xfrm>
               <a:prstGeom prst="rect">
@@ -6915,7 +7005,7 @@
             </p:nvSpPr>
             <p:spPr>
               <a:xfrm>
-                <a:off x="860292" y="1344604"/>
+                <a:off x="860292" y="1204904"/>
                 <a:ext cx="9179057" cy="1408121"/>
               </a:xfrm>
               <a:prstGeom prst="rect">
@@ -6959,7 +7049,7 @@
         </p:nvSpPr>
         <p:spPr>
           <a:xfrm>
-            <a:off x="860292" y="2868604"/>
+            <a:off x="860292" y="2728904"/>
             <a:ext cx="2025783" cy="444517"/>
           </a:xfrm>
           <a:prstGeom prst="rect">
@@ -7188,7 +7278,7 @@
         </p:blipFill>
         <p:spPr>
           <a:xfrm>
-            <a:off x="1318744" y="3429000"/>
+            <a:off x="1318744" y="3289300"/>
             <a:ext cx="6716062" cy="1209844"/>
           </a:xfrm>
           <a:prstGeom prst="rect">
@@ -7210,7 +7300,7 @@
         </p:nvSpPr>
         <p:spPr>
           <a:xfrm>
-            <a:off x="8963493" y="3586171"/>
+            <a:off x="8963493" y="3446471"/>
             <a:ext cx="3000375" cy="369332"/>
           </a:xfrm>
           <a:prstGeom prst="rect">
@@ -7246,7 +7336,7 @@
         </p:nvSpPr>
         <p:spPr>
           <a:xfrm>
-            <a:off x="8963493" y="3955503"/>
+            <a:off x="8963493" y="3815803"/>
             <a:ext cx="3000375" cy="584775"/>
           </a:xfrm>
           <a:prstGeom prst="rect">
@@ -7290,7 +7380,7 @@
         </p:blipFill>
         <p:spPr>
           <a:xfrm>
-            <a:off x="1318744" y="4833672"/>
+            <a:off x="1318744" y="4665397"/>
             <a:ext cx="2924388" cy="411242"/>
           </a:xfrm>
           <a:prstGeom prst="rect">
@@ -7312,7 +7402,7 @@
         </p:nvSpPr>
         <p:spPr>
           <a:xfrm>
-            <a:off x="8801055" y="4950306"/>
+            <a:off x="8801055" y="4810606"/>
             <a:ext cx="3000375" cy="369332"/>
           </a:xfrm>
           <a:prstGeom prst="rect">
@@ -7348,7 +7438,7 @@
         </p:nvSpPr>
         <p:spPr>
           <a:xfrm>
-            <a:off x="8801055" y="5987018"/>
+            <a:off x="8801055" y="5847318"/>
             <a:ext cx="3000375" cy="369332"/>
           </a:xfrm>
           <a:prstGeom prst="rect">
@@ -7392,7 +7482,7 @@
         </p:blipFill>
         <p:spPr>
           <a:xfrm>
-            <a:off x="1318744" y="5396266"/>
+            <a:off x="1318744" y="5256566"/>
             <a:ext cx="7201905" cy="1448002"/>
           </a:xfrm>
           <a:prstGeom prst="rect">
@@ -7435,7 +7525,7 @@
           <p:cNvPr id="2" name="Title 1">
             <a:extLst>
               <a:ext uri="{FF2B5EF4-FFF2-40B4-BE49-F238E27FC236}">
-                <a16:creationId xmlns:a16="http://schemas.microsoft.com/office/drawing/2014/main" id="{4CA91E95-33DA-91A4-CD99-C1597EF3F65D}"/>
+                <a16:creationId xmlns:a16="http://schemas.microsoft.com/office/drawing/2014/main" id="{4041FD49-51CB-4608-A3ED-30B7E304CBD6}"/>
               </a:ext>
             </a:extLst>
           </p:cNvPr>
@@ -7448,14 +7538,12 @@
         </p:nvSpPr>
         <p:spPr/>
         <p:txBody>
-          <a:bodyPr>
-            <a:normAutofit/>
-          </a:bodyPr>
+          <a:bodyPr/>
           <a:lstStyle/>
           <a:p>
             <a:r>
               <a:rPr lang="en-US" dirty="0"/>
-              <a:t>Supplemental Slides</a:t>
+              <a:t>Bulk PEM – Flory-Huggins MFT</a:t>
             </a:r>
           </a:p>
         </p:txBody>
@@ -7465,7 +7553,7 @@
           <p:cNvPr id="3" name="Slide Number Placeholder 2">
             <a:extLst>
               <a:ext uri="{FF2B5EF4-FFF2-40B4-BE49-F238E27FC236}">
-                <a16:creationId xmlns:a16="http://schemas.microsoft.com/office/drawing/2014/main" id="{6A783110-A073-98B2-5FBE-808AF5A86ABD}"/>
+                <a16:creationId xmlns:a16="http://schemas.microsoft.com/office/drawing/2014/main" id="{0D80111F-C31C-4236-B41A-2BA68657A3E1}"/>
               </a:ext>
             </a:extLst>
           </p:cNvPr>
@@ -7485,89 +7573,497 @@
               <a:rPr lang="en-US" smtClean="0"/>
               <a:t>6</a:t>
             </a:fld>
-            <a:endParaRPr lang="en-US" dirty="0"/>
+            <a:endParaRPr lang="en-US"/>
           </a:p>
         </p:txBody>
       </p:sp>
       <p:sp>
         <p:nvSpPr>
-          <p:cNvPr id="4" name="Text Placeholder 3">
+          <p:cNvPr id="5" name="Content Placeholder 2">
             <a:extLst>
               <a:ext uri="{FF2B5EF4-FFF2-40B4-BE49-F238E27FC236}">
-                <a16:creationId xmlns:a16="http://schemas.microsoft.com/office/drawing/2014/main" id="{BE8C982E-2A8D-76CE-8EB7-4F5A2157CD54}"/>
+                <a16:creationId xmlns:a16="http://schemas.microsoft.com/office/drawing/2014/main" id="{3796D8AE-D17E-8581-2857-EF3EE9627DE8}"/>
               </a:ext>
             </a:extLst>
           </p:cNvPr>
-          <p:cNvSpPr>
-            <a:spLocks noGrp="1"/>
+          <p:cNvSpPr txBox="1">
+            <a:spLocks/>
           </p:cNvSpPr>
-          <p:nvPr>
-            <p:ph type="body" sz="quarter" idx="13"/>
-          </p:nvPr>
+          <p:nvPr/>
         </p:nvSpPr>
-        <p:spPr/>
+        <p:spPr>
+          <a:xfrm>
+            <a:off x="850767" y="991423"/>
+            <a:ext cx="2025783" cy="444517"/>
+          </a:xfrm>
+          <a:prstGeom prst="rect">
+            <a:avLst/>
+          </a:prstGeom>
+        </p:spPr>
         <p:txBody>
-          <a:bodyPr/>
-          <a:lstStyle/>
-          <a:p>
-            <a:endParaRPr lang="en-US" dirty="0"/>
+          <a:bodyPr vert="horz" lIns="91440" tIns="45720" rIns="91440" bIns="45720" rtlCol="0">
+            <a:normAutofit/>
+          </a:bodyPr>
+          <a:lstStyle>
+            <a:lvl1pPr marL="228600" indent="-228600" algn="l" defTabSz="914400" rtl="0" eaLnBrk="1" latinLnBrk="0" hangingPunct="1">
+              <a:lnSpc>
+                <a:spcPct val="100000"/>
+              </a:lnSpc>
+              <a:spcBef>
+                <a:spcPts val="1000"/>
+              </a:spcBef>
+              <a:spcAft>
+                <a:spcPts val="1200"/>
+              </a:spcAft>
+              <a:buFont typeface="Arial" panose="020B0604020202020204" pitchFamily="34" charset="0"/>
+              <a:buChar char="•"/>
+              <a:defRPr sz="2400" kern="1200">
+                <a:solidFill>
+                  <a:schemeClr val="tx1"/>
+                </a:solidFill>
+                <a:latin typeface="Lucida Grande" pitchFamily="2" charset="0"/>
+                <a:ea typeface="Lucida Grande" pitchFamily="2" charset="0"/>
+                <a:cs typeface="Lucida Grande" pitchFamily="2" charset="0"/>
+              </a:defRPr>
+            </a:lvl1pPr>
+            <a:lvl2pPr marL="685800" indent="-228600" algn="l" defTabSz="914400" rtl="0" eaLnBrk="1" latinLnBrk="0" hangingPunct="1">
+              <a:lnSpc>
+                <a:spcPct val="100000"/>
+              </a:lnSpc>
+              <a:spcBef>
+                <a:spcPts val="500"/>
+              </a:spcBef>
+              <a:spcAft>
+                <a:spcPts val="1200"/>
+              </a:spcAft>
+              <a:buFont typeface="Arial" panose="020B0604020202020204" pitchFamily="34" charset="0"/>
+              <a:buChar char="•"/>
+              <a:defRPr sz="2000" kern="1200">
+                <a:solidFill>
+                  <a:schemeClr val="tx1"/>
+                </a:solidFill>
+                <a:latin typeface="Lucida Grande" pitchFamily="2" charset="0"/>
+                <a:ea typeface="Lucida Grande" pitchFamily="2" charset="0"/>
+                <a:cs typeface="Lucida Grande" pitchFamily="2" charset="0"/>
+              </a:defRPr>
+            </a:lvl2pPr>
+            <a:lvl3pPr marL="1143000" indent="-228600" algn="l" defTabSz="914400" rtl="0" eaLnBrk="1" latinLnBrk="0" hangingPunct="1">
+              <a:lnSpc>
+                <a:spcPct val="100000"/>
+              </a:lnSpc>
+              <a:spcBef>
+                <a:spcPts val="500"/>
+              </a:spcBef>
+              <a:spcAft>
+                <a:spcPts val="1200"/>
+              </a:spcAft>
+              <a:buFont typeface="Arial" panose="020B0604020202020204" pitchFamily="34" charset="0"/>
+              <a:buChar char="•"/>
+              <a:defRPr sz="1800" kern="1200">
+                <a:solidFill>
+                  <a:schemeClr val="tx1"/>
+                </a:solidFill>
+                <a:latin typeface="Lucida Grande" pitchFamily="2" charset="0"/>
+                <a:ea typeface="Lucida Grande" pitchFamily="2" charset="0"/>
+                <a:cs typeface="Lucida Grande" pitchFamily="2" charset="0"/>
+              </a:defRPr>
+            </a:lvl3pPr>
+            <a:lvl4pPr marL="1600200" indent="-228600" algn="l" defTabSz="914400" rtl="0" eaLnBrk="1" latinLnBrk="0" hangingPunct="1">
+              <a:lnSpc>
+                <a:spcPct val="100000"/>
+              </a:lnSpc>
+              <a:spcBef>
+                <a:spcPts val="500"/>
+              </a:spcBef>
+              <a:spcAft>
+                <a:spcPts val="1200"/>
+              </a:spcAft>
+              <a:buFont typeface="Arial" panose="020B0604020202020204" pitchFamily="34" charset="0"/>
+              <a:buChar char="•"/>
+              <a:defRPr sz="1600" kern="1200">
+                <a:solidFill>
+                  <a:schemeClr val="tx1"/>
+                </a:solidFill>
+                <a:latin typeface="Lucida Grande" pitchFamily="2" charset="0"/>
+                <a:ea typeface="Lucida Grande" pitchFamily="2" charset="0"/>
+                <a:cs typeface="Lucida Grande" pitchFamily="2" charset="0"/>
+              </a:defRPr>
+            </a:lvl4pPr>
+            <a:lvl5pPr marL="2057400" indent="-228600" algn="l" defTabSz="914400" rtl="0" eaLnBrk="1" latinLnBrk="0" hangingPunct="1">
+              <a:lnSpc>
+                <a:spcPct val="100000"/>
+              </a:lnSpc>
+              <a:spcBef>
+                <a:spcPts val="500"/>
+              </a:spcBef>
+              <a:spcAft>
+                <a:spcPts val="1200"/>
+              </a:spcAft>
+              <a:buFont typeface="Arial" panose="020B0604020202020204" pitchFamily="34" charset="0"/>
+              <a:buChar char="•"/>
+              <a:defRPr sz="1600" kern="1200">
+                <a:solidFill>
+                  <a:schemeClr val="tx1"/>
+                </a:solidFill>
+                <a:latin typeface="Lucida Grande" pitchFamily="2" charset="0"/>
+                <a:ea typeface="Lucida Grande" pitchFamily="2" charset="0"/>
+                <a:cs typeface="Lucida Grande" pitchFamily="2" charset="0"/>
+              </a:defRPr>
+            </a:lvl5pPr>
+            <a:lvl6pPr marL="2514600" indent="-228600" algn="l" defTabSz="914400" rtl="0" eaLnBrk="1" latinLnBrk="0" hangingPunct="1">
+              <a:lnSpc>
+                <a:spcPct val="90000"/>
+              </a:lnSpc>
+              <a:spcBef>
+                <a:spcPts val="500"/>
+              </a:spcBef>
+              <a:buFont typeface="Arial" panose="020B0604020202020204" pitchFamily="34" charset="0"/>
+              <a:buChar char="•"/>
+              <a:defRPr sz="1800" kern="1200">
+                <a:solidFill>
+                  <a:schemeClr val="tx1"/>
+                </a:solidFill>
+                <a:latin typeface="+mn-lt"/>
+                <a:ea typeface="+mn-ea"/>
+                <a:cs typeface="+mn-cs"/>
+              </a:defRPr>
+            </a:lvl6pPr>
+            <a:lvl7pPr marL="2971800" indent="-228600" algn="l" defTabSz="914400" rtl="0" eaLnBrk="1" latinLnBrk="0" hangingPunct="1">
+              <a:lnSpc>
+                <a:spcPct val="90000"/>
+              </a:lnSpc>
+              <a:spcBef>
+                <a:spcPts val="500"/>
+              </a:spcBef>
+              <a:buFont typeface="Arial" panose="020B0604020202020204" pitchFamily="34" charset="0"/>
+              <a:buChar char="•"/>
+              <a:defRPr sz="1800" kern="1200">
+                <a:solidFill>
+                  <a:schemeClr val="tx1"/>
+                </a:solidFill>
+                <a:latin typeface="+mn-lt"/>
+                <a:ea typeface="+mn-ea"/>
+                <a:cs typeface="+mn-cs"/>
+              </a:defRPr>
+            </a:lvl7pPr>
+            <a:lvl8pPr marL="3429000" indent="-228600" algn="l" defTabSz="914400" rtl="0" eaLnBrk="1" latinLnBrk="0" hangingPunct="1">
+              <a:lnSpc>
+                <a:spcPct val="90000"/>
+              </a:lnSpc>
+              <a:spcBef>
+                <a:spcPts val="500"/>
+              </a:spcBef>
+              <a:buFont typeface="Arial" panose="020B0604020202020204" pitchFamily="34" charset="0"/>
+              <a:buChar char="•"/>
+              <a:defRPr sz="1800" kern="1200">
+                <a:solidFill>
+                  <a:schemeClr val="tx1"/>
+                </a:solidFill>
+                <a:latin typeface="+mn-lt"/>
+                <a:ea typeface="+mn-ea"/>
+                <a:cs typeface="+mn-cs"/>
+              </a:defRPr>
+            </a:lvl8pPr>
+            <a:lvl9pPr marL="3886200" indent="-228600" algn="l" defTabSz="914400" rtl="0" eaLnBrk="1" latinLnBrk="0" hangingPunct="1">
+              <a:lnSpc>
+                <a:spcPct val="90000"/>
+              </a:lnSpc>
+              <a:spcBef>
+                <a:spcPts val="500"/>
+              </a:spcBef>
+              <a:buFont typeface="Arial" panose="020B0604020202020204" pitchFamily="34" charset="0"/>
+              <a:buChar char="•"/>
+              <a:defRPr sz="1800" kern="1200">
+                <a:solidFill>
+                  <a:schemeClr val="tx1"/>
+                </a:solidFill>
+                <a:latin typeface="+mn-lt"/>
+                <a:ea typeface="+mn-ea"/>
+                <a:cs typeface="+mn-cs"/>
+              </a:defRPr>
+            </a:lvl9pPr>
+          </a:lstStyle>
+          <a:p>
+            <a:pPr marL="0" indent="0">
+              <a:spcBef>
+                <a:spcPts val="0"/>
+              </a:spcBef>
+              <a:spcAft>
+                <a:spcPts val="1000"/>
+              </a:spcAft>
+              <a:buNone/>
+            </a:pPr>
+            <a:r>
+              <a:rPr lang="en-US" sz="2000" dirty="0"/>
+              <a:t>Final equations</a:t>
+            </a:r>
           </a:p>
         </p:txBody>
       </p:sp>
-      <p:sp>
-        <p:nvSpPr>
-          <p:cNvPr id="5" name="Text Placeholder 4">
+      <p:pic>
+        <p:nvPicPr>
+          <p:cNvPr id="13" name="Picture 12">
             <a:extLst>
               <a:ext uri="{FF2B5EF4-FFF2-40B4-BE49-F238E27FC236}">
-                <a16:creationId xmlns:a16="http://schemas.microsoft.com/office/drawing/2014/main" id="{3F241E8D-55C1-99C4-5EF5-10F746DDCF0A}"/>
+                <a16:creationId xmlns:a16="http://schemas.microsoft.com/office/drawing/2014/main" id="{A4CFDD32-B9E0-B255-C920-DE6D39F7FE85}"/>
               </a:ext>
             </a:extLst>
           </p:cNvPr>
-          <p:cNvSpPr>
-            <a:spLocks noGrp="1"/>
-          </p:cNvSpPr>
-          <p:nvPr>
-            <p:ph type="body" sz="quarter" idx="16"/>
-          </p:nvPr>
-        </p:nvSpPr>
-        <p:spPr/>
-        <p:txBody>
-          <a:bodyPr/>
-          <a:lstStyle/>
-          <a:p>
-            <a:endParaRPr lang="en-US" dirty="0"/>
-          </a:p>
-        </p:txBody>
-      </p:sp>
-      <p:sp>
-        <p:nvSpPr>
-          <p:cNvPr id="6" name="Text Placeholder 5">
+          <p:cNvPicPr>
+            <a:picLocks noChangeAspect="1"/>
+          </p:cNvPicPr>
+          <p:nvPr/>
+        </p:nvPicPr>
+        <p:blipFill>
+          <a:blip r:embed="rId2"/>
+          <a:srcRect t="33045"/>
+          <a:stretch/>
+        </p:blipFill>
+        <p:spPr>
+          <a:xfrm>
+            <a:off x="1192788" y="2432733"/>
+            <a:ext cx="4648333" cy="1373771"/>
+          </a:xfrm>
+          <a:prstGeom prst="rect">
+            <a:avLst/>
+          </a:prstGeom>
+        </p:spPr>
+      </p:pic>
+      <p:pic>
+        <p:nvPicPr>
+          <p:cNvPr id="16" name="Picture 15">
             <a:extLst>
               <a:ext uri="{FF2B5EF4-FFF2-40B4-BE49-F238E27FC236}">
-                <a16:creationId xmlns:a16="http://schemas.microsoft.com/office/drawing/2014/main" id="{52CF0AF2-9F88-0212-30F2-ADA3E42CCDF7}"/>
+                <a16:creationId xmlns:a16="http://schemas.microsoft.com/office/drawing/2014/main" id="{C6D1B0D7-4EDD-21B4-4706-053C2E1BC87B}"/>
               </a:ext>
             </a:extLst>
           </p:cNvPr>
-          <p:cNvSpPr>
-            <a:spLocks noGrp="1"/>
-          </p:cNvSpPr>
-          <p:nvPr>
-            <p:ph type="body" sz="quarter" idx="17"/>
-          </p:nvPr>
-        </p:nvSpPr>
-        <p:spPr/>
-        <p:txBody>
-          <a:bodyPr/>
-          <a:lstStyle/>
-          <a:p>
-            <a:endParaRPr lang="en-US"/>
-          </a:p>
-        </p:txBody>
-      </p:sp>
+          <p:cNvPicPr>
+            <a:picLocks noChangeAspect="1"/>
+          </p:cNvPicPr>
+          <p:nvPr/>
+        </p:nvPicPr>
+        <p:blipFill>
+          <a:blip r:embed="rId3"/>
+          <a:stretch>
+            <a:fillRect/>
+          </a:stretch>
+        </p:blipFill>
+        <p:spPr>
+          <a:xfrm>
+            <a:off x="1447666" y="1431970"/>
+            <a:ext cx="4648334" cy="812058"/>
+          </a:xfrm>
+          <a:prstGeom prst="rect">
+            <a:avLst/>
+          </a:prstGeom>
+        </p:spPr>
+      </p:pic>
+      <mc:AlternateContent xmlns:mc="http://schemas.openxmlformats.org/markup-compatibility/2006">
+        <mc:Choice xmlns:a14="http://schemas.microsoft.com/office/drawing/2010/main" Requires="a14">
+          <p:sp>
+            <p:nvSpPr>
+              <p:cNvPr id="18" name="TextBox 17">
+                <a:extLst>
+                  <a:ext uri="{FF2B5EF4-FFF2-40B4-BE49-F238E27FC236}">
+                    <a16:creationId xmlns:a16="http://schemas.microsoft.com/office/drawing/2014/main" id="{CE169F3D-8493-14C8-0652-F830732A56B8}"/>
+                  </a:ext>
+                </a:extLst>
+              </p:cNvPr>
+              <p:cNvSpPr txBox="1"/>
+              <p:nvPr/>
+            </p:nvSpPr>
+            <p:spPr>
+              <a:xfrm>
+                <a:off x="8953500" y="4952570"/>
+                <a:ext cx="2814637" cy="584775"/>
+              </a:xfrm>
+              <a:prstGeom prst="rect">
+                <a:avLst/>
+              </a:prstGeom>
+              <a:noFill/>
+            </p:spPr>
+            <p:txBody>
+              <a:bodyPr wrap="square" rtlCol="0">
+                <a:spAutoFit/>
+              </a:bodyPr>
+              <a:lstStyle/>
+              <a:p>
+                <a:r>
+                  <a:rPr lang="en-US" sz="1600" dirty="0"/>
+                  <a:t>For given RH, </a:t>
+                </a:r>
+                <a:br>
+                  <a:rPr lang="en-US" sz="1600" dirty="0"/>
+                </a:br>
+                <a:r>
+                  <a:rPr lang="en-US" sz="1600" dirty="0"/>
+                  <a:t>get </a:t>
+                </a:r>
+                <a14:m>
+                  <m:oMath xmlns:m="http://schemas.openxmlformats.org/officeDocument/2006/math">
+                    <m:r>
+                      <a:rPr lang="en-US" sz="1600" b="0" i="1" dirty="0" smtClean="0">
+                        <a:latin typeface="Cambria Math" panose="02040503050406030204" pitchFamily="18" charset="0"/>
+                      </a:rPr>
+                      <m:t>𝜇</m:t>
+                    </m:r>
+                  </m:oMath>
+                </a14:m>
+                <a:r>
+                  <a:rPr lang="en-US" sz="1600" dirty="0"/>
+                  <a:t>, </a:t>
+                </a:r>
+                <a14:m>
+                  <m:oMath xmlns:m="http://schemas.openxmlformats.org/officeDocument/2006/math">
+                    <m:r>
+                      <a:rPr lang="en-US" sz="1600" b="0" i="1" dirty="0" smtClean="0">
+                        <a:latin typeface="Cambria Math" panose="02040503050406030204" pitchFamily="18" charset="0"/>
+                      </a:rPr>
+                      <m:t>𝜙</m:t>
+                    </m:r>
+                    <m:r>
+                      <a:rPr lang="en-US" sz="1600" b="0" i="1" dirty="0" smtClean="0">
+                        <a:latin typeface="Cambria Math" panose="02040503050406030204" pitchFamily="18" charset="0"/>
+                      </a:rPr>
+                      <m:t> </m:t>
+                    </m:r>
+                  </m:oMath>
+                </a14:m>
+                <a:r>
+                  <a:rPr lang="en-US" sz="1600" dirty="0"/>
+                  <a:t>, length of box </a:t>
+                </a:r>
+                <a14:m>
+                  <m:oMath xmlns:m="http://schemas.openxmlformats.org/officeDocument/2006/math">
+                    <m:sSub>
+                      <m:sSubPr>
+                        <m:ctrlPr>
+                          <a:rPr lang="en-US" sz="1600" b="0" i="1" smtClean="0">
+                            <a:latin typeface="Cambria Math" panose="02040503050406030204" pitchFamily="18" charset="0"/>
+                          </a:rPr>
+                        </m:ctrlPr>
+                      </m:sSubPr>
+                      <m:e>
+                        <m:r>
+                          <a:rPr lang="en-US" sz="1600" b="0" i="1" smtClean="0">
+                            <a:latin typeface="Cambria Math" panose="02040503050406030204" pitchFamily="18" charset="0"/>
+                          </a:rPr>
+                          <m:t>𝐿</m:t>
+                        </m:r>
+                      </m:e>
+                      <m:sub>
+                        <m:r>
+                          <a:rPr lang="en-US" sz="1600" b="0" i="1" smtClean="0">
+                            <a:latin typeface="Cambria Math" panose="02040503050406030204" pitchFamily="18" charset="0"/>
+                          </a:rPr>
+                          <m:t>𝑧</m:t>
+                        </m:r>
+                      </m:sub>
+                    </m:sSub>
+                  </m:oMath>
+                </a14:m>
+                <a:endParaRPr lang="en-US" sz="1600" dirty="0"/>
+              </a:p>
+            </p:txBody>
+          </p:sp>
+        </mc:Choice>
+        <mc:Fallback>
+          <p:sp>
+            <p:nvSpPr>
+              <p:cNvPr id="18" name="TextBox 17">
+                <a:extLst>
+                  <a:ext uri="{FF2B5EF4-FFF2-40B4-BE49-F238E27FC236}">
+                    <a16:creationId xmlns:a16="http://schemas.microsoft.com/office/drawing/2014/main" id="{CE169F3D-8493-14C8-0652-F830732A56B8}"/>
+                  </a:ext>
+                </a:extLst>
+              </p:cNvPr>
+              <p:cNvSpPr txBox="1">
+                <a:spLocks noRot="1" noChangeAspect="1" noMove="1" noResize="1" noEditPoints="1" noAdjustHandles="1" noChangeArrowheads="1" noChangeShapeType="1" noTextEdit="1"/>
+              </p:cNvSpPr>
+              <p:nvPr/>
+            </p:nvSpPr>
+            <p:spPr>
+              <a:xfrm>
+                <a:off x="8953500" y="4952570"/>
+                <a:ext cx="2814637" cy="584775"/>
+              </a:xfrm>
+              <a:prstGeom prst="rect">
+                <a:avLst/>
+              </a:prstGeom>
+              <a:blipFill>
+                <a:blip r:embed="rId4"/>
+                <a:stretch>
+                  <a:fillRect l="-1302" t="-4167" b="-11458"/>
+                </a:stretch>
+              </a:blipFill>
+            </p:spPr>
+            <p:txBody>
+              <a:bodyPr/>
+              <a:lstStyle/>
+              <a:p>
+                <a:r>
+                  <a:rPr lang="en-US">
+                    <a:noFill/>
+                  </a:rPr>
+                  <a:t> </a:t>
+                </a:r>
+              </a:p>
+            </p:txBody>
+          </p:sp>
+        </mc:Fallback>
+      </mc:AlternateContent>
+      <p:pic>
+        <p:nvPicPr>
+          <p:cNvPr id="1028" name="Picture 4">
+            <a:extLst>
+              <a:ext uri="{FF2B5EF4-FFF2-40B4-BE49-F238E27FC236}">
+                <a16:creationId xmlns:a16="http://schemas.microsoft.com/office/drawing/2014/main" id="{7A2A65A6-2BB5-99A6-6224-01904D526D48}"/>
+              </a:ext>
+            </a:extLst>
+          </p:cNvPr>
+          <p:cNvPicPr>
+            <a:picLocks noChangeAspect="1" noChangeArrowheads="1"/>
+          </p:cNvPicPr>
+          <p:nvPr/>
+        </p:nvPicPr>
+        <p:blipFill>
+          <a:blip r:embed="rId5">
+            <a:extLst>
+              <a:ext uri="{28A0092B-C50C-407E-A947-70E740481C1C}">
+                <a14:useLocalDpi xmlns:a14="http://schemas.microsoft.com/office/drawing/2010/main" val="0"/>
+              </a:ext>
+            </a:extLst>
+          </a:blip>
+          <a:srcRect/>
+          <a:stretch>
+            <a:fillRect/>
+          </a:stretch>
+        </p:blipFill>
+        <p:spPr bwMode="auto">
+          <a:xfrm>
+            <a:off x="2610904" y="4133565"/>
+            <a:ext cx="5999696" cy="2405347"/>
+          </a:xfrm>
+          <a:prstGeom prst="rect">
+            <a:avLst/>
+          </a:prstGeom>
+          <a:noFill/>
+          <a:extLst>
+            <a:ext uri="{909E8E84-426E-40DD-AFC4-6F175D3DCCD1}">
+              <a14:hiddenFill xmlns:a14="http://schemas.microsoft.com/office/drawing/2010/main">
+                <a:solidFill>
+                  <a:srgbClr val="FFFFFF"/>
+                </a:solidFill>
+              </a14:hiddenFill>
+            </a:ext>
+          </a:extLst>
+        </p:spPr>
+      </p:pic>
     </p:spTree>
     <p:extLst>
       <p:ext uri="{BB962C8B-B14F-4D97-AF65-F5344CB8AC3E}">
-        <p14:creationId xmlns:p14="http://schemas.microsoft.com/office/powerpoint/2010/main" val="1863235849"/>
+        <p14:creationId xmlns:p14="http://schemas.microsoft.com/office/powerpoint/2010/main" val="3767141315"/>
       </p:ext>
     </p:extLst>
   </p:cSld>
@@ -7599,7 +8095,7 @@
           <p:cNvPr id="2" name="Title 1">
             <a:extLst>
               <a:ext uri="{FF2B5EF4-FFF2-40B4-BE49-F238E27FC236}">
-                <a16:creationId xmlns:a16="http://schemas.microsoft.com/office/drawing/2014/main" id="{C178F2BB-5E9E-FBDA-B15D-26F84DE6EB2F}"/>
+                <a16:creationId xmlns:a16="http://schemas.microsoft.com/office/drawing/2014/main" id="{83201762-53CD-FBD6-14C2-7FD7537114E9}"/>
               </a:ext>
             </a:extLst>
           </p:cNvPr>
@@ -7617,7 +8113,7 @@
           <a:p>
             <a:r>
               <a:rPr lang="en-US" dirty="0"/>
-              <a:t>test</a:t>
+              <a:t>Poisson—Boltzmann Counterions</a:t>
             </a:r>
           </a:p>
         </p:txBody>
@@ -7627,7 +8123,7 @@
           <p:cNvPr id="3" name="Slide Number Placeholder 2">
             <a:extLst>
               <a:ext uri="{FF2B5EF4-FFF2-40B4-BE49-F238E27FC236}">
-                <a16:creationId xmlns:a16="http://schemas.microsoft.com/office/drawing/2014/main" id="{93FD622D-708A-F241-2841-11D37F6571E4}"/>
+                <a16:creationId xmlns:a16="http://schemas.microsoft.com/office/drawing/2014/main" id="{38BF3E2D-AB21-A3F3-BA33-A118F51C6E94}"/>
               </a:ext>
             </a:extLst>
           </p:cNvPr>
@@ -7651,10 +8147,511 @@
           </a:p>
         </p:txBody>
       </p:sp>
+      <p:pic>
+        <p:nvPicPr>
+          <p:cNvPr id="5" name="Picture 4">
+            <a:extLst>
+              <a:ext uri="{FF2B5EF4-FFF2-40B4-BE49-F238E27FC236}">
+                <a16:creationId xmlns:a16="http://schemas.microsoft.com/office/drawing/2014/main" id="{7EB1A879-224D-D16E-FA96-26E617E4975A}"/>
+              </a:ext>
+            </a:extLst>
+          </p:cNvPr>
+          <p:cNvPicPr>
+            <a:picLocks noChangeAspect="1"/>
+          </p:cNvPicPr>
+          <p:nvPr/>
+        </p:nvPicPr>
+        <p:blipFill>
+          <a:blip r:embed="rId2"/>
+          <a:stretch>
+            <a:fillRect/>
+          </a:stretch>
+        </p:blipFill>
+        <p:spPr>
+          <a:xfrm>
+            <a:off x="752219" y="1523911"/>
+            <a:ext cx="3658111" cy="1276528"/>
+          </a:xfrm>
+          <a:prstGeom prst="rect">
+            <a:avLst/>
+          </a:prstGeom>
+        </p:spPr>
+      </p:pic>
+      <p:pic>
+        <p:nvPicPr>
+          <p:cNvPr id="7" name="Picture 6">
+            <a:extLst>
+              <a:ext uri="{FF2B5EF4-FFF2-40B4-BE49-F238E27FC236}">
+                <a16:creationId xmlns:a16="http://schemas.microsoft.com/office/drawing/2014/main" id="{EE88AE3A-E120-0B89-E54E-5CC19FEABAC4}"/>
+              </a:ext>
+            </a:extLst>
+          </p:cNvPr>
+          <p:cNvPicPr>
+            <a:picLocks noChangeAspect="1"/>
+          </p:cNvPicPr>
+          <p:nvPr/>
+        </p:nvPicPr>
+        <p:blipFill>
+          <a:blip r:embed="rId3"/>
+          <a:stretch>
+            <a:fillRect/>
+          </a:stretch>
+        </p:blipFill>
+        <p:spPr>
+          <a:xfrm>
+            <a:off x="7181340" y="1970548"/>
+            <a:ext cx="4405642" cy="373812"/>
+          </a:xfrm>
+          <a:prstGeom prst="rect">
+            <a:avLst/>
+          </a:prstGeom>
+        </p:spPr>
+      </p:pic>
+      <p:cxnSp>
+        <p:nvCxnSpPr>
+          <p:cNvPr id="9" name="Straight Arrow Connector 8">
+            <a:extLst>
+              <a:ext uri="{FF2B5EF4-FFF2-40B4-BE49-F238E27FC236}">
+                <a16:creationId xmlns:a16="http://schemas.microsoft.com/office/drawing/2014/main" id="{CB8D515A-15E3-8114-5317-712C6272CF19}"/>
+              </a:ext>
+            </a:extLst>
+          </p:cNvPr>
+          <p:cNvCxnSpPr>
+            <a:cxnSpLocks/>
+          </p:cNvCxnSpPr>
+          <p:nvPr/>
+        </p:nvCxnSpPr>
+        <p:spPr>
+          <a:xfrm>
+            <a:off x="5343525" y="2157454"/>
+            <a:ext cx="962025" cy="0"/>
+          </a:xfrm>
+          <a:prstGeom prst="straightConnector1">
+            <a:avLst/>
+          </a:prstGeom>
+          <a:ln w="19050">
+            <a:solidFill>
+              <a:schemeClr val="tx1"/>
+            </a:solidFill>
+            <a:tailEnd type="triangle"/>
+          </a:ln>
+        </p:spPr>
+        <p:style>
+          <a:lnRef idx="1">
+            <a:schemeClr val="accent1"/>
+          </a:lnRef>
+          <a:fillRef idx="0">
+            <a:schemeClr val="accent1"/>
+          </a:fillRef>
+          <a:effectRef idx="0">
+            <a:schemeClr val="accent1"/>
+          </a:effectRef>
+          <a:fontRef idx="minor">
+            <a:schemeClr val="tx1"/>
+          </a:fontRef>
+        </p:style>
+      </p:cxnSp>
+      <p:sp>
+        <p:nvSpPr>
+          <p:cNvPr id="11" name="TextBox 10">
+            <a:extLst>
+              <a:ext uri="{FF2B5EF4-FFF2-40B4-BE49-F238E27FC236}">
+                <a16:creationId xmlns:a16="http://schemas.microsoft.com/office/drawing/2014/main" id="{4015461E-370F-B4AF-40E9-F4CE7CB22EE4}"/>
+              </a:ext>
+            </a:extLst>
+          </p:cNvPr>
+          <p:cNvSpPr txBox="1"/>
+          <p:nvPr/>
+        </p:nvSpPr>
+        <p:spPr>
+          <a:xfrm>
+            <a:off x="7781672" y="1262301"/>
+            <a:ext cx="3000375" cy="523220"/>
+          </a:xfrm>
+          <a:prstGeom prst="rect">
+            <a:avLst/>
+          </a:prstGeom>
+          <a:noFill/>
+        </p:spPr>
+        <p:txBody>
+          <a:bodyPr wrap="square" rtlCol="0">
+            <a:spAutoFit/>
+          </a:bodyPr>
+          <a:lstStyle/>
+          <a:p>
+            <a:pPr algn="ctr"/>
+            <a:r>
+              <a:rPr lang="en-US" sz="1600" i="1" dirty="0"/>
+              <a:t>Analytical solution </a:t>
+            </a:r>
+            <a:br>
+              <a:rPr lang="en-US" sz="1600" dirty="0"/>
+            </a:br>
+            <a:r>
+              <a:rPr lang="en-US" sz="1200" dirty="0"/>
+              <a:t>(surface charge positive, counterion only)</a:t>
+            </a:r>
+            <a:endParaRPr lang="en-US" sz="1600" dirty="0"/>
+          </a:p>
+        </p:txBody>
+      </p:sp>
+      <p:pic>
+        <p:nvPicPr>
+          <p:cNvPr id="2050" name="Picture 2">
+            <a:extLst>
+              <a:ext uri="{FF2B5EF4-FFF2-40B4-BE49-F238E27FC236}">
+                <a16:creationId xmlns:a16="http://schemas.microsoft.com/office/drawing/2014/main" id="{12484B56-1924-D945-0CA7-E19AFB648264}"/>
+              </a:ext>
+            </a:extLst>
+          </p:cNvPr>
+          <p:cNvPicPr>
+            <a:picLocks noChangeAspect="1" noChangeArrowheads="1"/>
+          </p:cNvPicPr>
+          <p:nvPr/>
+        </p:nvPicPr>
+        <p:blipFill>
+          <a:blip r:embed="rId4">
+            <a:extLst>
+              <a:ext uri="{28A0092B-C50C-407E-A947-70E740481C1C}">
+                <a14:useLocalDpi xmlns:a14="http://schemas.microsoft.com/office/drawing/2010/main" val="0"/>
+              </a:ext>
+            </a:extLst>
+          </a:blip>
+          <a:srcRect/>
+          <a:stretch>
+            <a:fillRect/>
+          </a:stretch>
+        </p:blipFill>
+        <p:spPr bwMode="auto">
+          <a:xfrm>
+            <a:off x="2171699" y="3265204"/>
+            <a:ext cx="3924301" cy="3006260"/>
+          </a:xfrm>
+          <a:prstGeom prst="rect">
+            <a:avLst/>
+          </a:prstGeom>
+          <a:noFill/>
+          <a:extLst>
+            <a:ext uri="{909E8E84-426E-40DD-AFC4-6F175D3DCCD1}">
+              <a14:hiddenFill xmlns:a14="http://schemas.microsoft.com/office/drawing/2010/main">
+                <a:solidFill>
+                  <a:srgbClr val="FFFFFF"/>
+                </a:solidFill>
+              </a14:hiddenFill>
+            </a:ext>
+          </a:extLst>
+        </p:spPr>
+      </p:pic>
+      <p:sp>
+        <p:nvSpPr>
+          <p:cNvPr id="12" name="TextBox 11">
+            <a:extLst>
+              <a:ext uri="{FF2B5EF4-FFF2-40B4-BE49-F238E27FC236}">
+                <a16:creationId xmlns:a16="http://schemas.microsoft.com/office/drawing/2014/main" id="{FD100B35-7FD2-1C33-5585-36A565C32915}"/>
+              </a:ext>
+            </a:extLst>
+          </p:cNvPr>
+          <p:cNvSpPr txBox="1"/>
+          <p:nvPr/>
+        </p:nvSpPr>
+        <p:spPr>
+          <a:xfrm>
+            <a:off x="6772022" y="4098142"/>
+            <a:ext cx="3000375" cy="830997"/>
+          </a:xfrm>
+          <a:prstGeom prst="rect">
+            <a:avLst/>
+          </a:prstGeom>
+          <a:noFill/>
+        </p:spPr>
+        <p:txBody>
+          <a:bodyPr wrap="square" rtlCol="0">
+            <a:spAutoFit/>
+          </a:bodyPr>
+          <a:lstStyle/>
+          <a:p>
+            <a:r>
+              <a:rPr lang="en-US" sz="1600" dirty="0"/>
+              <a:t>Key features</a:t>
+            </a:r>
+          </a:p>
+          <a:p>
+            <a:pPr marL="285750" indent="-285750">
+              <a:buFont typeface="Arial" panose="020B0604020202020204" pitchFamily="34" charset="0"/>
+              <a:buChar char="•"/>
+            </a:pPr>
+            <a:r>
+              <a:rPr lang="en-US" sz="1600" dirty="0"/>
+              <a:t>Log-divergence</a:t>
+            </a:r>
+          </a:p>
+          <a:p>
+            <a:pPr marL="285750" indent="-285750">
+              <a:buFont typeface="Arial" panose="020B0604020202020204" pitchFamily="34" charset="0"/>
+              <a:buChar char="•"/>
+            </a:pPr>
+            <a:r>
+              <a:rPr lang="en-US" sz="1600" dirty="0"/>
+              <a:t>Sharp at surface</a:t>
+            </a:r>
+          </a:p>
+        </p:txBody>
+      </p:sp>
     </p:spTree>
     <p:extLst>
       <p:ext uri="{BB962C8B-B14F-4D97-AF65-F5344CB8AC3E}">
-        <p14:creationId xmlns:p14="http://schemas.microsoft.com/office/powerpoint/2010/main" val="2967026883"/>
+        <p14:creationId xmlns:p14="http://schemas.microsoft.com/office/powerpoint/2010/main" val="3887324741"/>
+      </p:ext>
+    </p:extLst>
+  </p:cSld>
+  <p:clrMapOvr>
+    <a:masterClrMapping/>
+  </p:clrMapOvr>
+</p:sld>
+</file>
+
+<file path=ppt/slides/slide8.xml><?xml version="1.0" encoding="utf-8"?>
+<p:sld xmlns:a="http://schemas.openxmlformats.org/drawingml/2006/main" xmlns:r="http://schemas.openxmlformats.org/officeDocument/2006/relationships" xmlns:p="http://schemas.openxmlformats.org/presentationml/2006/main">
+  <p:cSld>
+    <p:spTree>
+      <p:nvGrpSpPr>
+        <p:cNvPr id="1" name=""/>
+        <p:cNvGrpSpPr/>
+        <p:nvPr/>
+      </p:nvGrpSpPr>
+      <p:grpSpPr>
+        <a:xfrm>
+          <a:off x="0" y="0"/>
+          <a:ext cx="0" cy="0"/>
+          <a:chOff x="0" y="0"/>
+          <a:chExt cx="0" cy="0"/>
+        </a:xfrm>
+      </p:grpSpPr>
+      <p:sp>
+        <p:nvSpPr>
+          <p:cNvPr id="2" name="Title 1">
+            <a:extLst>
+              <a:ext uri="{FF2B5EF4-FFF2-40B4-BE49-F238E27FC236}">
+                <a16:creationId xmlns:a16="http://schemas.microsoft.com/office/drawing/2014/main" id="{83201762-53CD-FBD6-14C2-7FD7537114E9}"/>
+              </a:ext>
+            </a:extLst>
+          </p:cNvPr>
+          <p:cNvSpPr>
+            <a:spLocks noGrp="1"/>
+          </p:cNvSpPr>
+          <p:nvPr>
+            <p:ph type="title"/>
+          </p:nvPr>
+        </p:nvSpPr>
+        <p:spPr/>
+        <p:txBody>
+          <a:bodyPr/>
+          <a:lstStyle/>
+          <a:p>
+            <a:r>
+              <a:rPr lang="en-US" dirty="0"/>
+              <a:t>Numerical approaches</a:t>
+            </a:r>
+          </a:p>
+        </p:txBody>
+      </p:sp>
+      <p:sp>
+        <p:nvSpPr>
+          <p:cNvPr id="3" name="Slide Number Placeholder 2">
+            <a:extLst>
+              <a:ext uri="{FF2B5EF4-FFF2-40B4-BE49-F238E27FC236}">
+                <a16:creationId xmlns:a16="http://schemas.microsoft.com/office/drawing/2014/main" id="{38BF3E2D-AB21-A3F3-BA33-A118F51C6E94}"/>
+              </a:ext>
+            </a:extLst>
+          </p:cNvPr>
+          <p:cNvSpPr>
+            <a:spLocks noGrp="1"/>
+          </p:cNvSpPr>
+          <p:nvPr>
+            <p:ph type="sldNum" sz="quarter" idx="12"/>
+          </p:nvPr>
+        </p:nvSpPr>
+        <p:spPr/>
+        <p:txBody>
+          <a:bodyPr/>
+          <a:lstStyle/>
+          <a:p>
+            <a:fld id="{5911C0E6-D9CE-431C-92CB-BB39B872F930}" type="slidenum">
+              <a:rPr lang="en-US" smtClean="0"/>
+              <a:t>8</a:t>
+            </a:fld>
+            <a:endParaRPr lang="en-US"/>
+          </a:p>
+        </p:txBody>
+      </p:sp>
+    </p:spTree>
+    <p:extLst>
+      <p:ext uri="{BB962C8B-B14F-4D97-AF65-F5344CB8AC3E}">
+        <p14:creationId xmlns:p14="http://schemas.microsoft.com/office/powerpoint/2010/main" val="2078644597"/>
+      </p:ext>
+    </p:extLst>
+  </p:cSld>
+  <p:clrMapOvr>
+    <a:masterClrMapping/>
+  </p:clrMapOvr>
+</p:sld>
+</file>
+
+<file path=ppt/slides/slide9.xml><?xml version="1.0" encoding="utf-8"?>
+<p:sld xmlns:a="http://schemas.openxmlformats.org/drawingml/2006/main" xmlns:r="http://schemas.openxmlformats.org/officeDocument/2006/relationships" xmlns:p="http://schemas.openxmlformats.org/presentationml/2006/main">
+  <p:cSld>
+    <p:spTree>
+      <p:nvGrpSpPr>
+        <p:cNvPr id="1" name=""/>
+        <p:cNvGrpSpPr/>
+        <p:nvPr/>
+      </p:nvGrpSpPr>
+      <p:grpSpPr>
+        <a:xfrm>
+          <a:off x="0" y="0"/>
+          <a:ext cx="0" cy="0"/>
+          <a:chOff x="0" y="0"/>
+          <a:chExt cx="0" cy="0"/>
+        </a:xfrm>
+      </p:grpSpPr>
+      <p:sp>
+        <p:nvSpPr>
+          <p:cNvPr id="2" name="Title 1">
+            <a:extLst>
+              <a:ext uri="{FF2B5EF4-FFF2-40B4-BE49-F238E27FC236}">
+                <a16:creationId xmlns:a16="http://schemas.microsoft.com/office/drawing/2014/main" id="{4CA91E95-33DA-91A4-CD99-C1597EF3F65D}"/>
+              </a:ext>
+            </a:extLst>
+          </p:cNvPr>
+          <p:cNvSpPr>
+            <a:spLocks noGrp="1"/>
+          </p:cNvSpPr>
+          <p:nvPr>
+            <p:ph type="title"/>
+          </p:nvPr>
+        </p:nvSpPr>
+        <p:spPr/>
+        <p:txBody>
+          <a:bodyPr>
+            <a:normAutofit/>
+          </a:bodyPr>
+          <a:lstStyle/>
+          <a:p>
+            <a:r>
+              <a:rPr lang="en-US" dirty="0"/>
+              <a:t>Supplemental Slides</a:t>
+            </a:r>
+          </a:p>
+        </p:txBody>
+      </p:sp>
+      <p:sp>
+        <p:nvSpPr>
+          <p:cNvPr id="3" name="Slide Number Placeholder 2">
+            <a:extLst>
+              <a:ext uri="{FF2B5EF4-FFF2-40B4-BE49-F238E27FC236}">
+                <a16:creationId xmlns:a16="http://schemas.microsoft.com/office/drawing/2014/main" id="{6A783110-A073-98B2-5FBE-808AF5A86ABD}"/>
+              </a:ext>
+            </a:extLst>
+          </p:cNvPr>
+          <p:cNvSpPr>
+            <a:spLocks noGrp="1"/>
+          </p:cNvSpPr>
+          <p:nvPr>
+            <p:ph type="sldNum" sz="quarter" idx="12"/>
+          </p:nvPr>
+        </p:nvSpPr>
+        <p:spPr/>
+        <p:txBody>
+          <a:bodyPr/>
+          <a:lstStyle/>
+          <a:p>
+            <a:fld id="{5911C0E6-D9CE-431C-92CB-BB39B872F930}" type="slidenum">
+              <a:rPr lang="en-US" smtClean="0"/>
+              <a:t>9</a:t>
+            </a:fld>
+            <a:endParaRPr lang="en-US" dirty="0"/>
+          </a:p>
+        </p:txBody>
+      </p:sp>
+      <p:sp>
+        <p:nvSpPr>
+          <p:cNvPr id="4" name="Text Placeholder 3">
+            <a:extLst>
+              <a:ext uri="{FF2B5EF4-FFF2-40B4-BE49-F238E27FC236}">
+                <a16:creationId xmlns:a16="http://schemas.microsoft.com/office/drawing/2014/main" id="{BE8C982E-2A8D-76CE-8EB7-4F5A2157CD54}"/>
+              </a:ext>
+            </a:extLst>
+          </p:cNvPr>
+          <p:cNvSpPr>
+            <a:spLocks noGrp="1"/>
+          </p:cNvSpPr>
+          <p:nvPr>
+            <p:ph type="body" sz="quarter" idx="13"/>
+          </p:nvPr>
+        </p:nvSpPr>
+        <p:spPr/>
+        <p:txBody>
+          <a:bodyPr/>
+          <a:lstStyle/>
+          <a:p>
+            <a:endParaRPr lang="en-US" dirty="0"/>
+          </a:p>
+        </p:txBody>
+      </p:sp>
+      <p:sp>
+        <p:nvSpPr>
+          <p:cNvPr id="5" name="Text Placeholder 4">
+            <a:extLst>
+              <a:ext uri="{FF2B5EF4-FFF2-40B4-BE49-F238E27FC236}">
+                <a16:creationId xmlns:a16="http://schemas.microsoft.com/office/drawing/2014/main" id="{3F241E8D-55C1-99C4-5EF5-10F746DDCF0A}"/>
+              </a:ext>
+            </a:extLst>
+          </p:cNvPr>
+          <p:cNvSpPr>
+            <a:spLocks noGrp="1"/>
+          </p:cNvSpPr>
+          <p:nvPr>
+            <p:ph type="body" sz="quarter" idx="16"/>
+          </p:nvPr>
+        </p:nvSpPr>
+        <p:spPr/>
+        <p:txBody>
+          <a:bodyPr/>
+          <a:lstStyle/>
+          <a:p>
+            <a:endParaRPr lang="en-US" dirty="0"/>
+          </a:p>
+        </p:txBody>
+      </p:sp>
+      <p:sp>
+        <p:nvSpPr>
+          <p:cNvPr id="6" name="Text Placeholder 5">
+            <a:extLst>
+              <a:ext uri="{FF2B5EF4-FFF2-40B4-BE49-F238E27FC236}">
+                <a16:creationId xmlns:a16="http://schemas.microsoft.com/office/drawing/2014/main" id="{52CF0AF2-9F88-0212-30F2-ADA3E42CCDF7}"/>
+              </a:ext>
+            </a:extLst>
+          </p:cNvPr>
+          <p:cNvSpPr>
+            <a:spLocks noGrp="1"/>
+          </p:cNvSpPr>
+          <p:nvPr>
+            <p:ph type="body" sz="quarter" idx="17"/>
+          </p:nvPr>
+        </p:nvSpPr>
+        <p:spPr/>
+        <p:txBody>
+          <a:bodyPr/>
+          <a:lstStyle/>
+          <a:p>
+            <a:endParaRPr lang="en-US"/>
+          </a:p>
+        </p:txBody>
+      </p:sp>
+    </p:spTree>
+    <p:extLst>
+      <p:ext uri="{BB962C8B-B14F-4D97-AF65-F5344CB8AC3E}">
+        <p14:creationId xmlns:p14="http://schemas.microsoft.com/office/powerpoint/2010/main" val="1863235849"/>
       </p:ext>
     </p:extLst>
   </p:cSld>
